--- a/Prez/IETF123/draft-nmop-rfc3535-20years-later.pptx
+++ b/Prez/IETF123/draft-nmop-rfc3535-20years-later.pptx
@@ -5,7 +5,7 @@
     <p:sldMasterId id="2147483648" r:id="rId1"/>
   </p:sldMasterIdLst>
   <p:notesMasterIdLst>
-    <p:notesMasterId r:id="rId10"/>
+    <p:notesMasterId r:id="rId9"/>
   </p:notesMasterIdLst>
   <p:sldIdLst>
     <p:sldId id="395" r:id="rId2"/>
@@ -14,8 +14,7 @@
     <p:sldId id="410" r:id="rId5"/>
     <p:sldId id="411" r:id="rId6"/>
     <p:sldId id="405" r:id="rId7"/>
-    <p:sldId id="414" r:id="rId8"/>
-    <p:sldId id="413" r:id="rId9"/>
+    <p:sldId id="415" r:id="rId8"/>
   </p:sldIdLst>
   <p:sldSz cx="9144000" cy="6858000" type="screen4x3"/>
   <p:notesSz cx="6858000" cy="9144000"/>
@@ -162,7 +161,7 @@
 <file path=ppt/revisionInfo.xml><?xml version="1.0" encoding="utf-8"?>
 <p1510:revInfo xmlns:a="http://schemas.openxmlformats.org/drawingml/2006/main" xmlns:r="http://schemas.openxmlformats.org/officeDocument/2006/relationships" xmlns:p1510="http://schemas.microsoft.com/office/powerpoint/2015/10/main">
   <p1510:revLst>
-    <p1510:client id="{8C8D351C-2626-493F-8812-B9C3E9DB0064}" v="14" dt="2025-07-17T09:21:49.768"/>
+    <p1510:client id="{8C8D351C-2626-493F-8812-B9C3E9DB0064}" v="15" dt="2025-07-18T05:30:09.035"/>
   </p1510:revLst>
 </p1510:revInfo>
 </file>
@@ -249,7 +248,7 @@
   <pc:docChgLst>
     <pc:chgData name="BOUCADAIR Mohamed INNOV/NET" userId="2acbca90-6db1-4111-98c4-832797dda751" providerId="ADAL" clId="{8C8D351C-2626-493F-8812-B9C3E9DB0064}"/>
     <pc:docChg chg="undo custSel addSld delSld modSld sldOrd">
-      <pc:chgData name="BOUCADAIR Mohamed INNOV/NET" userId="2acbca90-6db1-4111-98c4-832797dda751" providerId="ADAL" clId="{8C8D351C-2626-493F-8812-B9C3E9DB0064}" dt="2025-07-17T09:23:01.521" v="2854" actId="20577"/>
+      <pc:chgData name="BOUCADAIR Mohamed INNOV/NET" userId="2acbca90-6db1-4111-98c4-832797dda751" providerId="ADAL" clId="{8C8D351C-2626-493F-8812-B9C3E9DB0064}" dt="2025-07-18T05:31:59.308" v="3130" actId="1076"/>
       <pc:docMkLst>
         <pc:docMk/>
       </pc:docMkLst>
@@ -554,7 +553,7 @@
         </pc:spChg>
       </pc:sldChg>
       <pc:sldChg chg="addSp modSp new mod">
-        <pc:chgData name="BOUCADAIR Mohamed INNOV/NET" userId="2acbca90-6db1-4111-98c4-832797dda751" providerId="ADAL" clId="{8C8D351C-2626-493F-8812-B9C3E9DB0064}" dt="2025-07-17T09:21:22.988" v="2825" actId="1076"/>
+        <pc:chgData name="BOUCADAIR Mohamed INNOV/NET" userId="2acbca90-6db1-4111-98c4-832797dda751" providerId="ADAL" clId="{8C8D351C-2626-493F-8812-B9C3E9DB0064}" dt="2025-07-18T05:31:59.308" v="3130" actId="1076"/>
         <pc:sldMkLst>
           <pc:docMk/>
           <pc:sldMk cId="3790753702" sldId="411"/>
@@ -568,7 +567,7 @@
           </ac:spMkLst>
         </pc:spChg>
         <pc:spChg chg="mod">
-          <ac:chgData name="BOUCADAIR Mohamed INNOV/NET" userId="2acbca90-6db1-4111-98c4-832797dda751" providerId="ADAL" clId="{8C8D351C-2626-493F-8812-B9C3E9DB0064}" dt="2025-07-17T09:21:20.153" v="2824" actId="27636"/>
+          <ac:chgData name="BOUCADAIR Mohamed INNOV/NET" userId="2acbca90-6db1-4111-98c4-832797dda751" providerId="ADAL" clId="{8C8D351C-2626-493F-8812-B9C3E9DB0064}" dt="2025-07-18T05:31:34.008" v="3128" actId="20577"/>
           <ac:spMkLst>
             <pc:docMk/>
             <pc:sldMk cId="3790753702" sldId="411"/>
@@ -576,7 +575,7 @@
           </ac:spMkLst>
         </pc:spChg>
         <pc:picChg chg="add mod">
-          <ac:chgData name="BOUCADAIR Mohamed INNOV/NET" userId="2acbca90-6db1-4111-98c4-832797dda751" providerId="ADAL" clId="{8C8D351C-2626-493F-8812-B9C3E9DB0064}" dt="2025-07-17T09:21:22.988" v="2825" actId="1076"/>
+          <ac:chgData name="BOUCADAIR Mohamed INNOV/NET" userId="2acbca90-6db1-4111-98c4-832797dda751" providerId="ADAL" clId="{8C8D351C-2626-493F-8812-B9C3E9DB0064}" dt="2025-07-18T05:31:59.308" v="3130" actId="1076"/>
           <ac:picMkLst>
             <pc:docMk/>
             <pc:sldMk cId="3790753702" sldId="411"/>
@@ -607,8 +606,8 @@
           </ac:picMkLst>
         </pc:picChg>
       </pc:sldChg>
-      <pc:sldChg chg="addSp delSp modSp new mod">
-        <pc:chgData name="BOUCADAIR Mohamed INNOV/NET" userId="2acbca90-6db1-4111-98c4-832797dda751" providerId="ADAL" clId="{8C8D351C-2626-493F-8812-B9C3E9DB0064}" dt="2025-07-17T09:22:43.888" v="2853" actId="478"/>
+      <pc:sldChg chg="addSp delSp modSp new del mod">
+        <pc:chgData name="BOUCADAIR Mohamed INNOV/NET" userId="2acbca90-6db1-4111-98c4-832797dda751" providerId="ADAL" clId="{8C8D351C-2626-493F-8812-B9C3E9DB0064}" dt="2025-07-18T05:31:04.547" v="3051" actId="47"/>
         <pc:sldMkLst>
           <pc:docMk/>
           <pc:sldMk cId="1941944652" sldId="413"/>
@@ -646,8 +645,8 @@
           </ac:picMkLst>
         </pc:picChg>
       </pc:sldChg>
-      <pc:sldChg chg="addSp delSp modSp new mod">
-        <pc:chgData name="BOUCADAIR Mohamed INNOV/NET" userId="2acbca90-6db1-4111-98c4-832797dda751" providerId="ADAL" clId="{8C8D351C-2626-493F-8812-B9C3E9DB0064}" dt="2025-07-17T09:23:01.521" v="2854" actId="20577"/>
+      <pc:sldChg chg="addSp delSp modSp new del mod">
+        <pc:chgData name="BOUCADAIR Mohamed INNOV/NET" userId="2acbca90-6db1-4111-98c4-832797dda751" providerId="ADAL" clId="{8C8D351C-2626-493F-8812-B9C3E9DB0064}" dt="2025-07-18T05:31:01.357" v="3050" actId="47"/>
         <pc:sldMkLst>
           <pc:docMk/>
           <pc:sldMk cId="1210613334" sldId="414"/>
@@ -669,7 +668,7 @@
           </ac:spMkLst>
         </pc:spChg>
         <pc:picChg chg="add mod">
-          <ac:chgData name="BOUCADAIR Mohamed INNOV/NET" userId="2acbca90-6db1-4111-98c4-832797dda751" providerId="ADAL" clId="{8C8D351C-2626-493F-8812-B9C3E9DB0064}" dt="2025-07-17T09:20:38.168" v="2813" actId="1076"/>
+          <ac:chgData name="BOUCADAIR Mohamed INNOV/NET" userId="2acbca90-6db1-4111-98c4-832797dda751" providerId="ADAL" clId="{8C8D351C-2626-493F-8812-B9C3E9DB0064}" dt="2025-07-18T05:29:16.959" v="2856" actId="1076"/>
           <ac:picMkLst>
             <pc:docMk/>
             <pc:sldMk cId="1210613334" sldId="414"/>
@@ -683,6 +682,37 @@
           <pc:docMk/>
           <pc:sldMk cId="1505831473" sldId="415"/>
         </pc:sldMkLst>
+      </pc:sldChg>
+      <pc:sldChg chg="addSp modSp new mod">
+        <pc:chgData name="BOUCADAIR Mohamed INNOV/NET" userId="2acbca90-6db1-4111-98c4-832797dda751" providerId="ADAL" clId="{8C8D351C-2626-493F-8812-B9C3E9DB0064}" dt="2025-07-18T05:30:54.167" v="3049" actId="1076"/>
+        <pc:sldMkLst>
+          <pc:docMk/>
+          <pc:sldMk cId="4235338623" sldId="415"/>
+        </pc:sldMkLst>
+        <pc:spChg chg="mod">
+          <ac:chgData name="BOUCADAIR Mohamed INNOV/NET" userId="2acbca90-6db1-4111-98c4-832797dda751" providerId="ADAL" clId="{8C8D351C-2626-493F-8812-B9C3E9DB0064}" dt="2025-07-18T05:29:28.894" v="2858"/>
+          <ac:spMkLst>
+            <pc:docMk/>
+            <pc:sldMk cId="4235338623" sldId="415"/>
+            <ac:spMk id="2" creationId="{E73F35FB-5F26-93CB-E91B-ACFC91D67456}"/>
+          </ac:spMkLst>
+        </pc:spChg>
+        <pc:spChg chg="mod">
+          <ac:chgData name="BOUCADAIR Mohamed INNOV/NET" userId="2acbca90-6db1-4111-98c4-832797dda751" providerId="ADAL" clId="{8C8D351C-2626-493F-8812-B9C3E9DB0064}" dt="2025-07-18T05:30:38.936" v="3046" actId="20577"/>
+          <ac:spMkLst>
+            <pc:docMk/>
+            <pc:sldMk cId="4235338623" sldId="415"/>
+            <ac:spMk id="3" creationId="{80F634FC-B903-FA83-1B87-28168CD4220C}"/>
+          </ac:spMkLst>
+        </pc:spChg>
+        <pc:picChg chg="add mod">
+          <ac:chgData name="BOUCADAIR Mohamed INNOV/NET" userId="2acbca90-6db1-4111-98c4-832797dda751" providerId="ADAL" clId="{8C8D351C-2626-493F-8812-B9C3E9DB0064}" dt="2025-07-18T05:30:54.167" v="3049" actId="1076"/>
+          <ac:picMkLst>
+            <pc:docMk/>
+            <pc:sldMk cId="4235338623" sldId="415"/>
+            <ac:picMk id="4" creationId="{FDBC5F11-2AE1-39E4-D4B3-82E08A129154}"/>
+          </ac:picMkLst>
+        </pc:picChg>
       </pc:sldChg>
     </pc:docChg>
   </pc:docChgLst>
@@ -771,7 +801,7 @@
           <a:p>
             <a:fld id="{6BE512B3-EE07-42D7-BB92-D931EE959D3C}" type="datetimeFigureOut">
               <a:rPr lang="fr-FR" smtClean="0"/>
-              <a:t>17/07/2025</a:t>
+              <a:t>18/07/2025</a:t>
             </a:fld>
             <a:endParaRPr lang="fr-FR"/>
           </a:p>
@@ -1219,7 +1249,7 @@
           <a:p>
             <a:fld id="{AA309A6D-C09C-4548-B29A-6CF363A7E532}" type="datetimeFigureOut">
               <a:rPr lang="fr-FR" smtClean="0"/>
-              <a:t>17/07/2025</a:t>
+              <a:t>18/07/2025</a:t>
             </a:fld>
             <a:endParaRPr lang="fr-BE"/>
           </a:p>
@@ -1564,7 +1594,7 @@
           <a:p>
             <a:fld id="{AA309A6D-C09C-4548-B29A-6CF363A7E532}" type="datetimeFigureOut">
               <a:rPr lang="fr-FR" smtClean="0"/>
-              <a:t>17/07/2025</a:t>
+              <a:t>18/07/2025</a:t>
             </a:fld>
             <a:endParaRPr lang="fr-BE"/>
           </a:p>
@@ -1739,7 +1769,7 @@
           <a:p>
             <a:fld id="{AA309A6D-C09C-4548-B29A-6CF363A7E532}" type="datetimeFigureOut">
               <a:rPr lang="fr-FR" smtClean="0"/>
-              <a:t>17/07/2025</a:t>
+              <a:t>18/07/2025</a:t>
             </a:fld>
             <a:endParaRPr lang="fr-BE"/>
           </a:p>
@@ -1904,7 +1934,7 @@
           <a:p>
             <a:fld id="{AA309A6D-C09C-4548-B29A-6CF363A7E532}" type="datetimeFigureOut">
               <a:rPr lang="fr-FR" smtClean="0"/>
-              <a:t>17/07/2025</a:t>
+              <a:t>18/07/2025</a:t>
             </a:fld>
             <a:endParaRPr lang="fr-BE"/>
           </a:p>
@@ -2325,7 +2355,7 @@
           <a:p>
             <a:fld id="{AA309A6D-C09C-4548-B29A-6CF363A7E532}" type="datetimeFigureOut">
               <a:rPr lang="fr-FR" smtClean="0"/>
-              <a:t>17/07/2025</a:t>
+              <a:t>18/07/2025</a:t>
             </a:fld>
             <a:endParaRPr lang="fr-BE"/>
           </a:p>
@@ -2788,7 +2818,7 @@
           <a:p>
             <a:fld id="{AA309A6D-C09C-4548-B29A-6CF363A7E532}" type="datetimeFigureOut">
               <a:rPr lang="fr-FR" smtClean="0"/>
-              <a:t>17/07/2025</a:t>
+              <a:t>18/07/2025</a:t>
             </a:fld>
             <a:endParaRPr lang="fr-BE"/>
           </a:p>
@@ -3205,7 +3235,7 @@
           <a:p>
             <a:fld id="{AA309A6D-C09C-4548-B29A-6CF363A7E532}" type="datetimeFigureOut">
               <a:rPr lang="fr-FR" smtClean="0"/>
-              <a:t>17/07/2025</a:t>
+              <a:t>18/07/2025</a:t>
             </a:fld>
             <a:endParaRPr lang="fr-BE"/>
           </a:p>
@@ -3318,7 +3348,7 @@
           <a:p>
             <a:fld id="{AA309A6D-C09C-4548-B29A-6CF363A7E532}" type="datetimeFigureOut">
               <a:rPr lang="fr-FR" smtClean="0"/>
-              <a:t>17/07/2025</a:t>
+              <a:t>18/07/2025</a:t>
             </a:fld>
             <a:endParaRPr lang="fr-BE"/>
           </a:p>
@@ -3408,7 +3438,7 @@
           <a:p>
             <a:fld id="{AA309A6D-C09C-4548-B29A-6CF363A7E532}" type="datetimeFigureOut">
               <a:rPr lang="fr-FR" smtClean="0"/>
-              <a:t>17/07/2025</a:t>
+              <a:t>18/07/2025</a:t>
             </a:fld>
             <a:endParaRPr lang="fr-BE"/>
           </a:p>
@@ -3680,7 +3710,7 @@
           <a:p>
             <a:fld id="{AA309A6D-C09C-4548-B29A-6CF363A7E532}" type="datetimeFigureOut">
               <a:rPr lang="fr-FR" smtClean="0"/>
-              <a:t>17/07/2025</a:t>
+              <a:t>18/07/2025</a:t>
             </a:fld>
             <a:endParaRPr lang="fr-BE"/>
           </a:p>
@@ -3928,7 +3958,7 @@
           <a:p>
             <a:fld id="{AA309A6D-C09C-4548-B29A-6CF363A7E532}" type="datetimeFigureOut">
               <a:rPr lang="fr-FR" smtClean="0"/>
-              <a:t>17/07/2025</a:t>
+              <a:t>18/07/2025</a:t>
             </a:fld>
             <a:endParaRPr lang="fr-BE"/>
           </a:p>
@@ -4136,7 +4166,7 @@
           <a:p>
             <a:fld id="{AA309A6D-C09C-4548-B29A-6CF363A7E532}" type="datetimeFigureOut">
               <a:rPr lang="fr-FR" smtClean="0"/>
-              <a:t>17/07/2025</a:t>
+              <a:t>18/07/2025</a:t>
             </a:fld>
             <a:endParaRPr lang="fr-BE"/>
           </a:p>
@@ -8130,7 +8160,7 @@
             </a:r>
             <a:r>
               <a:rPr lang="en-US" dirty="0"/>
-              <a:t> that will be the </a:t>
+              <a:t> that will be the focus of immediate work in the IETF</a:t>
             </a:r>
           </a:p>
           <a:p>
@@ -8160,12 +8190,534 @@
         </p:blipFill>
         <p:spPr>
           <a:xfrm>
-            <a:off x="971600" y="3645024"/>
+            <a:off x="1247743" y="3717032"/>
             <a:ext cx="7572729" cy="1308377"/>
           </a:xfrm>
-          <a:prstGeom prst="rect">
+          <a:custGeom>
             <a:avLst/>
-          </a:prstGeom>
+            <a:gdLst>
+              <a:gd name="connsiteX0" fmla="*/ 0 w 7572729"/>
+              <a:gd name="connsiteY0" fmla="*/ 0 h 1308377"/>
+              <a:gd name="connsiteX1" fmla="*/ 582518 w 7572729"/>
+              <a:gd name="connsiteY1" fmla="*/ 0 h 1308377"/>
+              <a:gd name="connsiteX2" fmla="*/ 1165035 w 7572729"/>
+              <a:gd name="connsiteY2" fmla="*/ 0 h 1308377"/>
+              <a:gd name="connsiteX3" fmla="*/ 1823280 w 7572729"/>
+              <a:gd name="connsiteY3" fmla="*/ 0 h 1308377"/>
+              <a:gd name="connsiteX4" fmla="*/ 2481525 w 7572729"/>
+              <a:gd name="connsiteY4" fmla="*/ 0 h 1308377"/>
+              <a:gd name="connsiteX5" fmla="*/ 2836861 w 7572729"/>
+              <a:gd name="connsiteY5" fmla="*/ 0 h 1308377"/>
+              <a:gd name="connsiteX6" fmla="*/ 3570833 w 7572729"/>
+              <a:gd name="connsiteY6" fmla="*/ 0 h 1308377"/>
+              <a:gd name="connsiteX7" fmla="*/ 4229078 w 7572729"/>
+              <a:gd name="connsiteY7" fmla="*/ 0 h 1308377"/>
+              <a:gd name="connsiteX8" fmla="*/ 4660141 w 7572729"/>
+              <a:gd name="connsiteY8" fmla="*/ 0 h 1308377"/>
+              <a:gd name="connsiteX9" fmla="*/ 5394113 w 7572729"/>
+              <a:gd name="connsiteY9" fmla="*/ 0 h 1308377"/>
+              <a:gd name="connsiteX10" fmla="*/ 5825176 w 7572729"/>
+              <a:gd name="connsiteY10" fmla="*/ 0 h 1308377"/>
+              <a:gd name="connsiteX11" fmla="*/ 6559148 w 7572729"/>
+              <a:gd name="connsiteY11" fmla="*/ 0 h 1308377"/>
+              <a:gd name="connsiteX12" fmla="*/ 7572729 w 7572729"/>
+              <a:gd name="connsiteY12" fmla="*/ 0 h 1308377"/>
+              <a:gd name="connsiteX13" fmla="*/ 7572729 w 7572729"/>
+              <a:gd name="connsiteY13" fmla="*/ 449209 h 1308377"/>
+              <a:gd name="connsiteX14" fmla="*/ 7572729 w 7572729"/>
+              <a:gd name="connsiteY14" fmla="*/ 885335 h 1308377"/>
+              <a:gd name="connsiteX15" fmla="*/ 7572729 w 7572729"/>
+              <a:gd name="connsiteY15" fmla="*/ 1308377 h 1308377"/>
+              <a:gd name="connsiteX16" fmla="*/ 6990211 w 7572729"/>
+              <a:gd name="connsiteY16" fmla="*/ 1308377 h 1308377"/>
+              <a:gd name="connsiteX17" fmla="*/ 6634876 w 7572729"/>
+              <a:gd name="connsiteY17" fmla="*/ 1308377 h 1308377"/>
+              <a:gd name="connsiteX18" fmla="*/ 6279540 w 7572729"/>
+              <a:gd name="connsiteY18" fmla="*/ 1308377 h 1308377"/>
+              <a:gd name="connsiteX19" fmla="*/ 5772750 w 7572729"/>
+              <a:gd name="connsiteY19" fmla="*/ 1308377 h 1308377"/>
+              <a:gd name="connsiteX20" fmla="*/ 5114505 w 7572729"/>
+              <a:gd name="connsiteY20" fmla="*/ 1308377 h 1308377"/>
+              <a:gd name="connsiteX21" fmla="*/ 4531987 w 7572729"/>
+              <a:gd name="connsiteY21" fmla="*/ 1308377 h 1308377"/>
+              <a:gd name="connsiteX22" fmla="*/ 3873742 w 7572729"/>
+              <a:gd name="connsiteY22" fmla="*/ 1308377 h 1308377"/>
+              <a:gd name="connsiteX23" fmla="*/ 3518406 w 7572729"/>
+              <a:gd name="connsiteY23" fmla="*/ 1308377 h 1308377"/>
+              <a:gd name="connsiteX24" fmla="*/ 2784434 w 7572729"/>
+              <a:gd name="connsiteY24" fmla="*/ 1308377 h 1308377"/>
+              <a:gd name="connsiteX25" fmla="*/ 2277644 w 7572729"/>
+              <a:gd name="connsiteY25" fmla="*/ 1308377 h 1308377"/>
+              <a:gd name="connsiteX26" fmla="*/ 1695126 w 7572729"/>
+              <a:gd name="connsiteY26" fmla="*/ 1308377 h 1308377"/>
+              <a:gd name="connsiteX27" fmla="*/ 961154 w 7572729"/>
+              <a:gd name="connsiteY27" fmla="*/ 1308377 h 1308377"/>
+              <a:gd name="connsiteX28" fmla="*/ 0 w 7572729"/>
+              <a:gd name="connsiteY28" fmla="*/ 1308377 h 1308377"/>
+              <a:gd name="connsiteX29" fmla="*/ 0 w 7572729"/>
+              <a:gd name="connsiteY29" fmla="*/ 911503 h 1308377"/>
+              <a:gd name="connsiteX30" fmla="*/ 0 w 7572729"/>
+              <a:gd name="connsiteY30" fmla="*/ 475377 h 1308377"/>
+              <a:gd name="connsiteX31" fmla="*/ 0 w 7572729"/>
+              <a:gd name="connsiteY31" fmla="*/ 0 h 1308377"/>
+            </a:gdLst>
+            <a:ahLst/>
+            <a:cxnLst>
+              <a:cxn ang="0">
+                <a:pos x="connsiteX0" y="connsiteY0"/>
+              </a:cxn>
+              <a:cxn ang="0">
+                <a:pos x="connsiteX1" y="connsiteY1"/>
+              </a:cxn>
+              <a:cxn ang="0">
+                <a:pos x="connsiteX2" y="connsiteY2"/>
+              </a:cxn>
+              <a:cxn ang="0">
+                <a:pos x="connsiteX3" y="connsiteY3"/>
+              </a:cxn>
+              <a:cxn ang="0">
+                <a:pos x="connsiteX4" y="connsiteY4"/>
+              </a:cxn>
+              <a:cxn ang="0">
+                <a:pos x="connsiteX5" y="connsiteY5"/>
+              </a:cxn>
+              <a:cxn ang="0">
+                <a:pos x="connsiteX6" y="connsiteY6"/>
+              </a:cxn>
+              <a:cxn ang="0">
+                <a:pos x="connsiteX7" y="connsiteY7"/>
+              </a:cxn>
+              <a:cxn ang="0">
+                <a:pos x="connsiteX8" y="connsiteY8"/>
+              </a:cxn>
+              <a:cxn ang="0">
+                <a:pos x="connsiteX9" y="connsiteY9"/>
+              </a:cxn>
+              <a:cxn ang="0">
+                <a:pos x="connsiteX10" y="connsiteY10"/>
+              </a:cxn>
+              <a:cxn ang="0">
+                <a:pos x="connsiteX11" y="connsiteY11"/>
+              </a:cxn>
+              <a:cxn ang="0">
+                <a:pos x="connsiteX12" y="connsiteY12"/>
+              </a:cxn>
+              <a:cxn ang="0">
+                <a:pos x="connsiteX13" y="connsiteY13"/>
+              </a:cxn>
+              <a:cxn ang="0">
+                <a:pos x="connsiteX14" y="connsiteY14"/>
+              </a:cxn>
+              <a:cxn ang="0">
+                <a:pos x="connsiteX15" y="connsiteY15"/>
+              </a:cxn>
+              <a:cxn ang="0">
+                <a:pos x="connsiteX16" y="connsiteY16"/>
+              </a:cxn>
+              <a:cxn ang="0">
+                <a:pos x="connsiteX17" y="connsiteY17"/>
+              </a:cxn>
+              <a:cxn ang="0">
+                <a:pos x="connsiteX18" y="connsiteY18"/>
+              </a:cxn>
+              <a:cxn ang="0">
+                <a:pos x="connsiteX19" y="connsiteY19"/>
+              </a:cxn>
+              <a:cxn ang="0">
+                <a:pos x="connsiteX20" y="connsiteY20"/>
+              </a:cxn>
+              <a:cxn ang="0">
+                <a:pos x="connsiteX21" y="connsiteY21"/>
+              </a:cxn>
+              <a:cxn ang="0">
+                <a:pos x="connsiteX22" y="connsiteY22"/>
+              </a:cxn>
+              <a:cxn ang="0">
+                <a:pos x="connsiteX23" y="connsiteY23"/>
+              </a:cxn>
+              <a:cxn ang="0">
+                <a:pos x="connsiteX24" y="connsiteY24"/>
+              </a:cxn>
+              <a:cxn ang="0">
+                <a:pos x="connsiteX25" y="connsiteY25"/>
+              </a:cxn>
+              <a:cxn ang="0">
+                <a:pos x="connsiteX26" y="connsiteY26"/>
+              </a:cxn>
+              <a:cxn ang="0">
+                <a:pos x="connsiteX27" y="connsiteY27"/>
+              </a:cxn>
+              <a:cxn ang="0">
+                <a:pos x="connsiteX28" y="connsiteY28"/>
+              </a:cxn>
+              <a:cxn ang="0">
+                <a:pos x="connsiteX29" y="connsiteY29"/>
+              </a:cxn>
+              <a:cxn ang="0">
+                <a:pos x="connsiteX30" y="connsiteY30"/>
+              </a:cxn>
+              <a:cxn ang="0">
+                <a:pos x="connsiteX31" y="connsiteY31"/>
+              </a:cxn>
+            </a:cxnLst>
+            <a:rect l="l" t="t" r="r" b="b"/>
+            <a:pathLst>
+              <a:path w="7572729" h="1308377" fill="none" extrusionOk="0">
+                <a:moveTo>
+                  <a:pt x="0" y="0"/>
+                </a:moveTo>
+                <a:cubicBezTo>
+                  <a:pt x="141598" y="-69529"/>
+                  <a:pt x="443486" y="57003"/>
+                  <a:pt x="582518" y="0"/>
+                </a:cubicBezTo>
+                <a:cubicBezTo>
+                  <a:pt x="721550" y="-57003"/>
+                  <a:pt x="955736" y="51697"/>
+                  <a:pt x="1165035" y="0"/>
+                </a:cubicBezTo>
+                <a:cubicBezTo>
+                  <a:pt x="1374334" y="-51697"/>
+                  <a:pt x="1686340" y="22690"/>
+                  <a:pt x="1823280" y="0"/>
+                </a:cubicBezTo>
+                <a:cubicBezTo>
+                  <a:pt x="1960221" y="-22690"/>
+                  <a:pt x="2324634" y="2165"/>
+                  <a:pt x="2481525" y="0"/>
+                </a:cubicBezTo>
+                <a:cubicBezTo>
+                  <a:pt x="2638416" y="-2165"/>
+                  <a:pt x="2711616" y="15110"/>
+                  <a:pt x="2836861" y="0"/>
+                </a:cubicBezTo>
+                <a:cubicBezTo>
+                  <a:pt x="2962106" y="-15110"/>
+                  <a:pt x="3300822" y="51630"/>
+                  <a:pt x="3570833" y="0"/>
+                </a:cubicBezTo>
+                <a:cubicBezTo>
+                  <a:pt x="3840844" y="-51630"/>
+                  <a:pt x="4057161" y="49860"/>
+                  <a:pt x="4229078" y="0"/>
+                </a:cubicBezTo>
+                <a:cubicBezTo>
+                  <a:pt x="4400996" y="-49860"/>
+                  <a:pt x="4519867" y="29312"/>
+                  <a:pt x="4660141" y="0"/>
+                </a:cubicBezTo>
+                <a:cubicBezTo>
+                  <a:pt x="4800415" y="-29312"/>
+                  <a:pt x="5099131" y="5027"/>
+                  <a:pt x="5394113" y="0"/>
+                </a:cubicBezTo>
+                <a:cubicBezTo>
+                  <a:pt x="5689095" y="-5027"/>
+                  <a:pt x="5609723" y="31498"/>
+                  <a:pt x="5825176" y="0"/>
+                </a:cubicBezTo>
+                <a:cubicBezTo>
+                  <a:pt x="6040629" y="-31498"/>
+                  <a:pt x="6280708" y="82677"/>
+                  <a:pt x="6559148" y="0"/>
+                </a:cubicBezTo>
+                <a:cubicBezTo>
+                  <a:pt x="6837588" y="-82677"/>
+                  <a:pt x="7305742" y="120932"/>
+                  <a:pt x="7572729" y="0"/>
+                </a:cubicBezTo>
+                <a:cubicBezTo>
+                  <a:pt x="7573094" y="139968"/>
+                  <a:pt x="7531245" y="335904"/>
+                  <a:pt x="7572729" y="449209"/>
+                </a:cubicBezTo>
+                <a:cubicBezTo>
+                  <a:pt x="7614213" y="562514"/>
+                  <a:pt x="7558608" y="732390"/>
+                  <a:pt x="7572729" y="885335"/>
+                </a:cubicBezTo>
+                <a:cubicBezTo>
+                  <a:pt x="7586850" y="1038280"/>
+                  <a:pt x="7555957" y="1141367"/>
+                  <a:pt x="7572729" y="1308377"/>
+                </a:cubicBezTo>
+                <a:cubicBezTo>
+                  <a:pt x="7451054" y="1333166"/>
+                  <a:pt x="7201674" y="1284337"/>
+                  <a:pt x="6990211" y="1308377"/>
+                </a:cubicBezTo>
+                <a:cubicBezTo>
+                  <a:pt x="6778748" y="1332417"/>
+                  <a:pt x="6735043" y="1274634"/>
+                  <a:pt x="6634876" y="1308377"/>
+                </a:cubicBezTo>
+                <a:cubicBezTo>
+                  <a:pt x="6534709" y="1342120"/>
+                  <a:pt x="6391152" y="1265844"/>
+                  <a:pt x="6279540" y="1308377"/>
+                </a:cubicBezTo>
+                <a:cubicBezTo>
+                  <a:pt x="6167928" y="1350910"/>
+                  <a:pt x="5881669" y="1304427"/>
+                  <a:pt x="5772750" y="1308377"/>
+                </a:cubicBezTo>
+                <a:cubicBezTo>
+                  <a:pt x="5663831" y="1312327"/>
+                  <a:pt x="5272677" y="1245096"/>
+                  <a:pt x="5114505" y="1308377"/>
+                </a:cubicBezTo>
+                <a:cubicBezTo>
+                  <a:pt x="4956333" y="1371658"/>
+                  <a:pt x="4706830" y="1271901"/>
+                  <a:pt x="4531987" y="1308377"/>
+                </a:cubicBezTo>
+                <a:cubicBezTo>
+                  <a:pt x="4357144" y="1344853"/>
+                  <a:pt x="4016018" y="1266846"/>
+                  <a:pt x="3873742" y="1308377"/>
+                </a:cubicBezTo>
+                <a:cubicBezTo>
+                  <a:pt x="3731467" y="1349908"/>
+                  <a:pt x="3672790" y="1307621"/>
+                  <a:pt x="3518406" y="1308377"/>
+                </a:cubicBezTo>
+                <a:cubicBezTo>
+                  <a:pt x="3364022" y="1309133"/>
+                  <a:pt x="2967296" y="1221555"/>
+                  <a:pt x="2784434" y="1308377"/>
+                </a:cubicBezTo>
+                <a:cubicBezTo>
+                  <a:pt x="2601572" y="1395199"/>
+                  <a:pt x="2498372" y="1259848"/>
+                  <a:pt x="2277644" y="1308377"/>
+                </a:cubicBezTo>
+                <a:cubicBezTo>
+                  <a:pt x="2056916" y="1356906"/>
+                  <a:pt x="1851734" y="1305757"/>
+                  <a:pt x="1695126" y="1308377"/>
+                </a:cubicBezTo>
+                <a:cubicBezTo>
+                  <a:pt x="1538518" y="1310997"/>
+                  <a:pt x="1201175" y="1296903"/>
+                  <a:pt x="961154" y="1308377"/>
+                </a:cubicBezTo>
+                <a:cubicBezTo>
+                  <a:pt x="721133" y="1319851"/>
+                  <a:pt x="268325" y="1249107"/>
+                  <a:pt x="0" y="1308377"/>
+                </a:cubicBezTo>
+                <a:cubicBezTo>
+                  <a:pt x="-28314" y="1198816"/>
+                  <a:pt x="46841" y="1059311"/>
+                  <a:pt x="0" y="911503"/>
+                </a:cubicBezTo>
+                <a:cubicBezTo>
+                  <a:pt x="-46841" y="763695"/>
+                  <a:pt x="13363" y="612896"/>
+                  <a:pt x="0" y="475377"/>
+                </a:cubicBezTo>
+                <a:cubicBezTo>
+                  <a:pt x="-13363" y="337858"/>
+                  <a:pt x="28849" y="118342"/>
+                  <a:pt x="0" y="0"/>
+                </a:cubicBezTo>
+                <a:close/>
+              </a:path>
+              <a:path w="7572729" h="1308377" stroke="0" extrusionOk="0">
+                <a:moveTo>
+                  <a:pt x="0" y="0"/>
+                </a:moveTo>
+                <a:cubicBezTo>
+                  <a:pt x="103834" y="-18176"/>
+                  <a:pt x="287427" y="32475"/>
+                  <a:pt x="431063" y="0"/>
+                </a:cubicBezTo>
+                <a:cubicBezTo>
+                  <a:pt x="574699" y="-32475"/>
+                  <a:pt x="669852" y="36771"/>
+                  <a:pt x="862126" y="0"/>
+                </a:cubicBezTo>
+                <a:cubicBezTo>
+                  <a:pt x="1054400" y="-36771"/>
+                  <a:pt x="1208930" y="56012"/>
+                  <a:pt x="1368916" y="0"/>
+                </a:cubicBezTo>
+                <a:cubicBezTo>
+                  <a:pt x="1528902" y="-56012"/>
+                  <a:pt x="1623324" y="11836"/>
+                  <a:pt x="1724252" y="0"/>
+                </a:cubicBezTo>
+                <a:cubicBezTo>
+                  <a:pt x="1825180" y="-11836"/>
+                  <a:pt x="1946429" y="43503"/>
+                  <a:pt x="2155315" y="0"/>
+                </a:cubicBezTo>
+                <a:cubicBezTo>
+                  <a:pt x="2364201" y="-43503"/>
+                  <a:pt x="2720059" y="3771"/>
+                  <a:pt x="2889287" y="0"/>
+                </a:cubicBezTo>
+                <a:cubicBezTo>
+                  <a:pt x="3058515" y="-3771"/>
+                  <a:pt x="3150857" y="49545"/>
+                  <a:pt x="3396078" y="0"/>
+                </a:cubicBezTo>
+                <a:cubicBezTo>
+                  <a:pt x="3641299" y="-49545"/>
+                  <a:pt x="3606601" y="14561"/>
+                  <a:pt x="3751413" y="0"/>
+                </a:cubicBezTo>
+                <a:cubicBezTo>
+                  <a:pt x="3896226" y="-14561"/>
+                  <a:pt x="3979215" y="15770"/>
+                  <a:pt x="4182476" y="0"/>
+                </a:cubicBezTo>
+                <a:cubicBezTo>
+                  <a:pt x="4385737" y="-15770"/>
+                  <a:pt x="4708051" y="8148"/>
+                  <a:pt x="4916449" y="0"/>
+                </a:cubicBezTo>
+                <a:cubicBezTo>
+                  <a:pt x="5124847" y="-8148"/>
+                  <a:pt x="5218407" y="7668"/>
+                  <a:pt x="5347512" y="0"/>
+                </a:cubicBezTo>
+                <a:cubicBezTo>
+                  <a:pt x="5476617" y="-7668"/>
+                  <a:pt x="5580069" y="27446"/>
+                  <a:pt x="5702847" y="0"/>
+                </a:cubicBezTo>
+                <a:cubicBezTo>
+                  <a:pt x="5825626" y="-27446"/>
+                  <a:pt x="6286546" y="63585"/>
+                  <a:pt x="6436820" y="0"/>
+                </a:cubicBezTo>
+                <a:cubicBezTo>
+                  <a:pt x="6587094" y="-63585"/>
+                  <a:pt x="6679331" y="12462"/>
+                  <a:pt x="6792155" y="0"/>
+                </a:cubicBezTo>
+                <a:cubicBezTo>
+                  <a:pt x="6904979" y="-12462"/>
+                  <a:pt x="7398142" y="19684"/>
+                  <a:pt x="7572729" y="0"/>
+                </a:cubicBezTo>
+                <a:cubicBezTo>
+                  <a:pt x="7606205" y="199046"/>
+                  <a:pt x="7529292" y="316909"/>
+                  <a:pt x="7572729" y="436126"/>
+                </a:cubicBezTo>
+                <a:cubicBezTo>
+                  <a:pt x="7616166" y="555343"/>
+                  <a:pt x="7544349" y="735327"/>
+                  <a:pt x="7572729" y="898419"/>
+                </a:cubicBezTo>
+                <a:cubicBezTo>
+                  <a:pt x="7601109" y="1061511"/>
+                  <a:pt x="7526139" y="1144813"/>
+                  <a:pt x="7572729" y="1308377"/>
+                </a:cubicBezTo>
+                <a:cubicBezTo>
+                  <a:pt x="7372499" y="1371286"/>
+                  <a:pt x="7059947" y="1235209"/>
+                  <a:pt x="6914484" y="1308377"/>
+                </a:cubicBezTo>
+                <a:cubicBezTo>
+                  <a:pt x="6769021" y="1381545"/>
+                  <a:pt x="6622806" y="1280015"/>
+                  <a:pt x="6483421" y="1308377"/>
+                </a:cubicBezTo>
+                <a:cubicBezTo>
+                  <a:pt x="6344036" y="1336739"/>
+                  <a:pt x="6064621" y="1234189"/>
+                  <a:pt x="5749449" y="1308377"/>
+                </a:cubicBezTo>
+                <a:cubicBezTo>
+                  <a:pt x="5434277" y="1382565"/>
+                  <a:pt x="5316187" y="1290624"/>
+                  <a:pt x="5091204" y="1308377"/>
+                </a:cubicBezTo>
+                <a:cubicBezTo>
+                  <a:pt x="4866222" y="1326130"/>
+                  <a:pt x="4607209" y="1245894"/>
+                  <a:pt x="4357232" y="1308377"/>
+                </a:cubicBezTo>
+                <a:cubicBezTo>
+                  <a:pt x="4107255" y="1370860"/>
+                  <a:pt x="4020887" y="1277090"/>
+                  <a:pt x="3926169" y="1308377"/>
+                </a:cubicBezTo>
+                <a:cubicBezTo>
+                  <a:pt x="3831451" y="1339664"/>
+                  <a:pt x="3431003" y="1300803"/>
+                  <a:pt x="3267924" y="1308377"/>
+                </a:cubicBezTo>
+                <a:cubicBezTo>
+                  <a:pt x="3104846" y="1315951"/>
+                  <a:pt x="2835713" y="1302030"/>
+                  <a:pt x="2685406" y="1308377"/>
+                </a:cubicBezTo>
+                <a:cubicBezTo>
+                  <a:pt x="2535099" y="1314724"/>
+                  <a:pt x="2409023" y="1289583"/>
+                  <a:pt x="2330070" y="1308377"/>
+                </a:cubicBezTo>
+                <a:cubicBezTo>
+                  <a:pt x="2251117" y="1327171"/>
+                  <a:pt x="1781810" y="1271105"/>
+                  <a:pt x="1596098" y="1308377"/>
+                </a:cubicBezTo>
+                <a:cubicBezTo>
+                  <a:pt x="1410386" y="1345649"/>
+                  <a:pt x="1377635" y="1306052"/>
+                  <a:pt x="1240763" y="1308377"/>
+                </a:cubicBezTo>
+                <a:cubicBezTo>
+                  <a:pt x="1103892" y="1310702"/>
+                  <a:pt x="810935" y="1241639"/>
+                  <a:pt x="658245" y="1308377"/>
+                </a:cubicBezTo>
+                <a:cubicBezTo>
+                  <a:pt x="505555" y="1375115"/>
+                  <a:pt x="266128" y="1307111"/>
+                  <a:pt x="0" y="1308377"/>
+                </a:cubicBezTo>
+                <a:cubicBezTo>
+                  <a:pt x="-28205" y="1176968"/>
+                  <a:pt x="22349" y="1038004"/>
+                  <a:pt x="0" y="911503"/>
+                </a:cubicBezTo>
+                <a:cubicBezTo>
+                  <a:pt x="-22349" y="785002"/>
+                  <a:pt x="34839" y="680347"/>
+                  <a:pt x="0" y="475377"/>
+                </a:cubicBezTo>
+                <a:cubicBezTo>
+                  <a:pt x="-34839" y="270407"/>
+                  <a:pt x="52494" y="199806"/>
+                  <a:pt x="0" y="0"/>
+                </a:cubicBezTo>
+                <a:close/>
+              </a:path>
+            </a:pathLst>
+          </a:custGeom>
+          <a:ln>
+            <a:solidFill>
+              <a:schemeClr val="tx1"/>
+            </a:solidFill>
+            <a:extLst>
+              <a:ext uri="{C807C97D-BFC1-408E-A445-0C87EB9F89A2}">
+                <ask:lineSketchStyleProps xmlns:ask="http://schemas.microsoft.com/office/drawing/2018/sketchyshapes" sd="1285324405">
+                  <a:prstGeom prst="rect">
+                    <a:avLst/>
+                  </a:prstGeom>
+                  <ask:type>
+                    <ask:lineSketchScribble/>
+                  </ask:type>
+                </ask:lineSketchStyleProps>
+              </a:ext>
+            </a:extLst>
+          </a:ln>
         </p:spPr>
       </p:pic>
     </p:spTree>
@@ -8382,7 +8934,7 @@
           <p:cNvPr id="2" name="Titre 1">
             <a:extLst>
               <a:ext uri="{FF2B5EF4-FFF2-40B4-BE49-F238E27FC236}">
-                <a16:creationId xmlns:a16="http://schemas.microsoft.com/office/drawing/2014/main" id="{1E9E326C-E6AC-BFF2-ED45-E59110FB0172}"/>
+                <a16:creationId xmlns:a16="http://schemas.microsoft.com/office/drawing/2014/main" id="{E73F35FB-5F26-93CB-E91B-ACFC91D67456}"/>
               </a:ext>
             </a:extLst>
           </p:cNvPr>
@@ -8410,12 +8962,58 @@
           </a:p>
         </p:txBody>
       </p:sp>
+      <p:sp>
+        <p:nvSpPr>
+          <p:cNvPr id="3" name="Espace réservé du contenu 2">
+            <a:extLst>
+              <a:ext uri="{FF2B5EF4-FFF2-40B4-BE49-F238E27FC236}">
+                <a16:creationId xmlns:a16="http://schemas.microsoft.com/office/drawing/2014/main" id="{80F634FC-B903-FA83-1B87-28168CD4220C}"/>
+              </a:ext>
+            </a:extLst>
+          </p:cNvPr>
+          <p:cNvSpPr>
+            <a:spLocks noGrp="1"/>
+          </p:cNvSpPr>
+          <p:nvPr>
+            <p:ph idx="1"/>
+          </p:nvPr>
+        </p:nvSpPr>
+        <p:spPr/>
+        <p:txBody>
+          <a:bodyPr/>
+          <a:lstStyle/>
+          <a:p>
+            <a:r>
+              <a:rPr lang="fr-FR" dirty="0" err="1"/>
+              <a:t>Udpate</a:t>
+            </a:r>
+            <a:r>
+              <a:rPr lang="fr-FR" dirty="0"/>
+              <a:t> the new </a:t>
+            </a:r>
+            <a:r>
+              <a:rPr lang="fr-FR" dirty="0" err="1"/>
+              <a:t>operators</a:t>
+            </a:r>
+            <a:r>
+              <a:rPr lang="fr-FR" dirty="0"/>
+              <a:t> list</a:t>
+            </a:r>
+          </a:p>
+          <a:p>
+            <a:r>
+              <a:rPr lang="fr-FR" dirty="0"/>
+              <a:t>Update</a:t>
+            </a:r>
+          </a:p>
+        </p:txBody>
+      </p:sp>
       <p:pic>
         <p:nvPicPr>
-          <p:cNvPr id="5" name="Image 4">
+          <p:cNvPr id="4" name="Image 3">
             <a:extLst>
               <a:ext uri="{FF2B5EF4-FFF2-40B4-BE49-F238E27FC236}">
-                <a16:creationId xmlns:a16="http://schemas.microsoft.com/office/drawing/2014/main" id="{C7CEF5CB-1581-4AE1-E475-1E7CE8B6C4DC}"/>
+                <a16:creationId xmlns:a16="http://schemas.microsoft.com/office/drawing/2014/main" id="{FDBC5F11-2AE1-39E4-D4B3-82E08A129154}"/>
               </a:ext>
             </a:extLst>
           </p:cNvPr>
@@ -8432,76 +9030,615 @@
         </p:blipFill>
         <p:spPr>
           <a:xfrm>
-            <a:off x="435465" y="1844824"/>
-            <a:ext cx="8040222" cy="4363059"/>
+            <a:off x="2118817" y="2418004"/>
+            <a:ext cx="6567983" cy="3708159"/>
           </a:xfrm>
-          <a:prstGeom prst="rect">
+          <a:custGeom>
             <a:avLst/>
-          </a:prstGeom>
+            <a:gdLst>
+              <a:gd name="connsiteX0" fmla="*/ 0 w 6567983"/>
+              <a:gd name="connsiteY0" fmla="*/ 0 h 3708159"/>
+              <a:gd name="connsiteX1" fmla="*/ 400050 w 6567983"/>
+              <a:gd name="connsiteY1" fmla="*/ 0 h 3708159"/>
+              <a:gd name="connsiteX2" fmla="*/ 931459 w 6567983"/>
+              <a:gd name="connsiteY2" fmla="*/ 0 h 3708159"/>
+              <a:gd name="connsiteX3" fmla="*/ 1331509 w 6567983"/>
+              <a:gd name="connsiteY3" fmla="*/ 0 h 3708159"/>
+              <a:gd name="connsiteX4" fmla="*/ 1862919 w 6567983"/>
+              <a:gd name="connsiteY4" fmla="*/ 0 h 3708159"/>
+              <a:gd name="connsiteX5" fmla="*/ 2328649 w 6567983"/>
+              <a:gd name="connsiteY5" fmla="*/ 0 h 3708159"/>
+              <a:gd name="connsiteX6" fmla="*/ 2860058 w 6567983"/>
+              <a:gd name="connsiteY6" fmla="*/ 0 h 3708159"/>
+              <a:gd name="connsiteX7" fmla="*/ 3260108 w 6567983"/>
+              <a:gd name="connsiteY7" fmla="*/ 0 h 3708159"/>
+              <a:gd name="connsiteX8" fmla="*/ 3857197 w 6567983"/>
+              <a:gd name="connsiteY8" fmla="*/ 0 h 3708159"/>
+              <a:gd name="connsiteX9" fmla="*/ 4454287 w 6567983"/>
+              <a:gd name="connsiteY9" fmla="*/ 0 h 3708159"/>
+              <a:gd name="connsiteX10" fmla="*/ 4920016 w 6567983"/>
+              <a:gd name="connsiteY10" fmla="*/ 0 h 3708159"/>
+              <a:gd name="connsiteX11" fmla="*/ 5648465 w 6567983"/>
+              <a:gd name="connsiteY11" fmla="*/ 0 h 3708159"/>
+              <a:gd name="connsiteX12" fmla="*/ 6567983 w 6567983"/>
+              <a:gd name="connsiteY12" fmla="*/ 0 h 3708159"/>
+              <a:gd name="connsiteX13" fmla="*/ 6567983 w 6567983"/>
+              <a:gd name="connsiteY13" fmla="*/ 455574 h 3708159"/>
+              <a:gd name="connsiteX14" fmla="*/ 6567983 w 6567983"/>
+              <a:gd name="connsiteY14" fmla="*/ 985311 h 3708159"/>
+              <a:gd name="connsiteX15" fmla="*/ 6567983 w 6567983"/>
+              <a:gd name="connsiteY15" fmla="*/ 1477966 h 3708159"/>
+              <a:gd name="connsiteX16" fmla="*/ 6567983 w 6567983"/>
+              <a:gd name="connsiteY16" fmla="*/ 1933540 h 3708159"/>
+              <a:gd name="connsiteX17" fmla="*/ 6567983 w 6567983"/>
+              <a:gd name="connsiteY17" fmla="*/ 2463277 h 3708159"/>
+              <a:gd name="connsiteX18" fmla="*/ 6567983 w 6567983"/>
+              <a:gd name="connsiteY18" fmla="*/ 3030096 h 3708159"/>
+              <a:gd name="connsiteX19" fmla="*/ 6567983 w 6567983"/>
+              <a:gd name="connsiteY19" fmla="*/ 3708159 h 3708159"/>
+              <a:gd name="connsiteX20" fmla="*/ 6036573 w 6567983"/>
+              <a:gd name="connsiteY20" fmla="*/ 3708159 h 3708159"/>
+              <a:gd name="connsiteX21" fmla="*/ 5636524 w 6567983"/>
+              <a:gd name="connsiteY21" fmla="*/ 3708159 h 3708159"/>
+              <a:gd name="connsiteX22" fmla="*/ 4908075 w 6567983"/>
+              <a:gd name="connsiteY22" fmla="*/ 3708159 h 3708159"/>
+              <a:gd name="connsiteX23" fmla="*/ 4179626 w 6567983"/>
+              <a:gd name="connsiteY23" fmla="*/ 3708159 h 3708159"/>
+              <a:gd name="connsiteX24" fmla="*/ 3516856 w 6567983"/>
+              <a:gd name="connsiteY24" fmla="*/ 3708159 h 3708159"/>
+              <a:gd name="connsiteX25" fmla="*/ 2854087 w 6567983"/>
+              <a:gd name="connsiteY25" fmla="*/ 3708159 h 3708159"/>
+              <a:gd name="connsiteX26" fmla="*/ 2388357 w 6567983"/>
+              <a:gd name="connsiteY26" fmla="*/ 3708159 h 3708159"/>
+              <a:gd name="connsiteX27" fmla="*/ 1988308 w 6567983"/>
+              <a:gd name="connsiteY27" fmla="*/ 3708159 h 3708159"/>
+              <a:gd name="connsiteX28" fmla="*/ 1522578 w 6567983"/>
+              <a:gd name="connsiteY28" fmla="*/ 3708159 h 3708159"/>
+              <a:gd name="connsiteX29" fmla="*/ 925489 w 6567983"/>
+              <a:gd name="connsiteY29" fmla="*/ 3708159 h 3708159"/>
+              <a:gd name="connsiteX30" fmla="*/ 0 w 6567983"/>
+              <a:gd name="connsiteY30" fmla="*/ 3708159 h 3708159"/>
+              <a:gd name="connsiteX31" fmla="*/ 0 w 6567983"/>
+              <a:gd name="connsiteY31" fmla="*/ 3252585 h 3708159"/>
+              <a:gd name="connsiteX32" fmla="*/ 0 w 6567983"/>
+              <a:gd name="connsiteY32" fmla="*/ 2648685 h 3708159"/>
+              <a:gd name="connsiteX33" fmla="*/ 0 w 6567983"/>
+              <a:gd name="connsiteY33" fmla="*/ 2193111 h 3708159"/>
+              <a:gd name="connsiteX34" fmla="*/ 0 w 6567983"/>
+              <a:gd name="connsiteY34" fmla="*/ 1663374 h 3708159"/>
+              <a:gd name="connsiteX35" fmla="*/ 0 w 6567983"/>
+              <a:gd name="connsiteY35" fmla="*/ 1059474 h 3708159"/>
+              <a:gd name="connsiteX36" fmla="*/ 0 w 6567983"/>
+              <a:gd name="connsiteY36" fmla="*/ 492655 h 3708159"/>
+              <a:gd name="connsiteX37" fmla="*/ 0 w 6567983"/>
+              <a:gd name="connsiteY37" fmla="*/ 0 h 3708159"/>
+            </a:gdLst>
+            <a:ahLst/>
+            <a:cxnLst>
+              <a:cxn ang="0">
+                <a:pos x="connsiteX0" y="connsiteY0"/>
+              </a:cxn>
+              <a:cxn ang="0">
+                <a:pos x="connsiteX1" y="connsiteY1"/>
+              </a:cxn>
+              <a:cxn ang="0">
+                <a:pos x="connsiteX2" y="connsiteY2"/>
+              </a:cxn>
+              <a:cxn ang="0">
+                <a:pos x="connsiteX3" y="connsiteY3"/>
+              </a:cxn>
+              <a:cxn ang="0">
+                <a:pos x="connsiteX4" y="connsiteY4"/>
+              </a:cxn>
+              <a:cxn ang="0">
+                <a:pos x="connsiteX5" y="connsiteY5"/>
+              </a:cxn>
+              <a:cxn ang="0">
+                <a:pos x="connsiteX6" y="connsiteY6"/>
+              </a:cxn>
+              <a:cxn ang="0">
+                <a:pos x="connsiteX7" y="connsiteY7"/>
+              </a:cxn>
+              <a:cxn ang="0">
+                <a:pos x="connsiteX8" y="connsiteY8"/>
+              </a:cxn>
+              <a:cxn ang="0">
+                <a:pos x="connsiteX9" y="connsiteY9"/>
+              </a:cxn>
+              <a:cxn ang="0">
+                <a:pos x="connsiteX10" y="connsiteY10"/>
+              </a:cxn>
+              <a:cxn ang="0">
+                <a:pos x="connsiteX11" y="connsiteY11"/>
+              </a:cxn>
+              <a:cxn ang="0">
+                <a:pos x="connsiteX12" y="connsiteY12"/>
+              </a:cxn>
+              <a:cxn ang="0">
+                <a:pos x="connsiteX13" y="connsiteY13"/>
+              </a:cxn>
+              <a:cxn ang="0">
+                <a:pos x="connsiteX14" y="connsiteY14"/>
+              </a:cxn>
+              <a:cxn ang="0">
+                <a:pos x="connsiteX15" y="connsiteY15"/>
+              </a:cxn>
+              <a:cxn ang="0">
+                <a:pos x="connsiteX16" y="connsiteY16"/>
+              </a:cxn>
+              <a:cxn ang="0">
+                <a:pos x="connsiteX17" y="connsiteY17"/>
+              </a:cxn>
+              <a:cxn ang="0">
+                <a:pos x="connsiteX18" y="connsiteY18"/>
+              </a:cxn>
+              <a:cxn ang="0">
+                <a:pos x="connsiteX19" y="connsiteY19"/>
+              </a:cxn>
+              <a:cxn ang="0">
+                <a:pos x="connsiteX20" y="connsiteY20"/>
+              </a:cxn>
+              <a:cxn ang="0">
+                <a:pos x="connsiteX21" y="connsiteY21"/>
+              </a:cxn>
+              <a:cxn ang="0">
+                <a:pos x="connsiteX22" y="connsiteY22"/>
+              </a:cxn>
+              <a:cxn ang="0">
+                <a:pos x="connsiteX23" y="connsiteY23"/>
+              </a:cxn>
+              <a:cxn ang="0">
+                <a:pos x="connsiteX24" y="connsiteY24"/>
+              </a:cxn>
+              <a:cxn ang="0">
+                <a:pos x="connsiteX25" y="connsiteY25"/>
+              </a:cxn>
+              <a:cxn ang="0">
+                <a:pos x="connsiteX26" y="connsiteY26"/>
+              </a:cxn>
+              <a:cxn ang="0">
+                <a:pos x="connsiteX27" y="connsiteY27"/>
+              </a:cxn>
+              <a:cxn ang="0">
+                <a:pos x="connsiteX28" y="connsiteY28"/>
+              </a:cxn>
+              <a:cxn ang="0">
+                <a:pos x="connsiteX29" y="connsiteY29"/>
+              </a:cxn>
+              <a:cxn ang="0">
+                <a:pos x="connsiteX30" y="connsiteY30"/>
+              </a:cxn>
+              <a:cxn ang="0">
+                <a:pos x="connsiteX31" y="connsiteY31"/>
+              </a:cxn>
+              <a:cxn ang="0">
+                <a:pos x="connsiteX32" y="connsiteY32"/>
+              </a:cxn>
+              <a:cxn ang="0">
+                <a:pos x="connsiteX33" y="connsiteY33"/>
+              </a:cxn>
+              <a:cxn ang="0">
+                <a:pos x="connsiteX34" y="connsiteY34"/>
+              </a:cxn>
+              <a:cxn ang="0">
+                <a:pos x="connsiteX35" y="connsiteY35"/>
+              </a:cxn>
+              <a:cxn ang="0">
+                <a:pos x="connsiteX36" y="connsiteY36"/>
+              </a:cxn>
+              <a:cxn ang="0">
+                <a:pos x="connsiteX37" y="connsiteY37"/>
+              </a:cxn>
+            </a:cxnLst>
+            <a:rect l="l" t="t" r="r" b="b"/>
+            <a:pathLst>
+              <a:path w="6567983" h="3708159" fill="none" extrusionOk="0">
+                <a:moveTo>
+                  <a:pt x="0" y="0"/>
+                </a:moveTo>
+                <a:cubicBezTo>
+                  <a:pt x="89791" y="-7084"/>
+                  <a:pt x="270598" y="42073"/>
+                  <a:pt x="400050" y="0"/>
+                </a:cubicBezTo>
+                <a:cubicBezTo>
+                  <a:pt x="529502" y="-42073"/>
+                  <a:pt x="717046" y="27051"/>
+                  <a:pt x="931459" y="0"/>
+                </a:cubicBezTo>
+                <a:cubicBezTo>
+                  <a:pt x="1145872" y="-27051"/>
+                  <a:pt x="1187626" y="33635"/>
+                  <a:pt x="1331509" y="0"/>
+                </a:cubicBezTo>
+                <a:cubicBezTo>
+                  <a:pt x="1475392" y="-33635"/>
+                  <a:pt x="1698902" y="14091"/>
+                  <a:pt x="1862919" y="0"/>
+                </a:cubicBezTo>
+                <a:cubicBezTo>
+                  <a:pt x="2026936" y="-14091"/>
+                  <a:pt x="2182537" y="35693"/>
+                  <a:pt x="2328649" y="0"/>
+                </a:cubicBezTo>
+                <a:cubicBezTo>
+                  <a:pt x="2474761" y="-35693"/>
+                  <a:pt x="2743801" y="24549"/>
+                  <a:pt x="2860058" y="0"/>
+                </a:cubicBezTo>
+                <a:cubicBezTo>
+                  <a:pt x="2976315" y="-24549"/>
+                  <a:pt x="3122280" y="18785"/>
+                  <a:pt x="3260108" y="0"/>
+                </a:cubicBezTo>
+                <a:cubicBezTo>
+                  <a:pt x="3397936" y="-18785"/>
+                  <a:pt x="3640239" y="16086"/>
+                  <a:pt x="3857197" y="0"/>
+                </a:cubicBezTo>
+                <a:cubicBezTo>
+                  <a:pt x="4074155" y="-16086"/>
+                  <a:pt x="4185021" y="51541"/>
+                  <a:pt x="4454287" y="0"/>
+                </a:cubicBezTo>
+                <a:cubicBezTo>
+                  <a:pt x="4723553" y="-51541"/>
+                  <a:pt x="4772896" y="16471"/>
+                  <a:pt x="4920016" y="0"/>
+                </a:cubicBezTo>
+                <a:cubicBezTo>
+                  <a:pt x="5067136" y="-16471"/>
+                  <a:pt x="5430764" y="65418"/>
+                  <a:pt x="5648465" y="0"/>
+                </a:cubicBezTo>
+                <a:cubicBezTo>
+                  <a:pt x="5866166" y="-65418"/>
+                  <a:pt x="6137551" y="42563"/>
+                  <a:pt x="6567983" y="0"/>
+                </a:cubicBezTo>
+                <a:cubicBezTo>
+                  <a:pt x="6590112" y="95448"/>
+                  <a:pt x="6551191" y="259487"/>
+                  <a:pt x="6567983" y="455574"/>
+                </a:cubicBezTo>
+                <a:cubicBezTo>
+                  <a:pt x="6584775" y="651661"/>
+                  <a:pt x="6534138" y="773495"/>
+                  <a:pt x="6567983" y="985311"/>
+                </a:cubicBezTo>
+                <a:cubicBezTo>
+                  <a:pt x="6601828" y="1197127"/>
+                  <a:pt x="6547186" y="1309085"/>
+                  <a:pt x="6567983" y="1477966"/>
+                </a:cubicBezTo>
+                <a:cubicBezTo>
+                  <a:pt x="6588780" y="1646848"/>
+                  <a:pt x="6530072" y="1802233"/>
+                  <a:pt x="6567983" y="1933540"/>
+                </a:cubicBezTo>
+                <a:cubicBezTo>
+                  <a:pt x="6605894" y="2064847"/>
+                  <a:pt x="6557159" y="2210449"/>
+                  <a:pt x="6567983" y="2463277"/>
+                </a:cubicBezTo>
+                <a:cubicBezTo>
+                  <a:pt x="6578807" y="2716105"/>
+                  <a:pt x="6539439" y="2861406"/>
+                  <a:pt x="6567983" y="3030096"/>
+                </a:cubicBezTo>
+                <a:cubicBezTo>
+                  <a:pt x="6596527" y="3198786"/>
+                  <a:pt x="6548498" y="3438764"/>
+                  <a:pt x="6567983" y="3708159"/>
+                </a:cubicBezTo>
+                <a:cubicBezTo>
+                  <a:pt x="6302706" y="3767689"/>
+                  <a:pt x="6163359" y="3652045"/>
+                  <a:pt x="6036573" y="3708159"/>
+                </a:cubicBezTo>
+                <a:cubicBezTo>
+                  <a:pt x="5909787" y="3764273"/>
+                  <a:pt x="5823962" y="3672150"/>
+                  <a:pt x="5636524" y="3708159"/>
+                </a:cubicBezTo>
+                <a:cubicBezTo>
+                  <a:pt x="5449086" y="3744168"/>
+                  <a:pt x="5154058" y="3690981"/>
+                  <a:pt x="4908075" y="3708159"/>
+                </a:cubicBezTo>
+                <a:cubicBezTo>
+                  <a:pt x="4662092" y="3725337"/>
+                  <a:pt x="4526880" y="3643687"/>
+                  <a:pt x="4179626" y="3708159"/>
+                </a:cubicBezTo>
+                <a:cubicBezTo>
+                  <a:pt x="3832372" y="3772631"/>
+                  <a:pt x="3806166" y="3673478"/>
+                  <a:pt x="3516856" y="3708159"/>
+                </a:cubicBezTo>
+                <a:cubicBezTo>
+                  <a:pt x="3227546" y="3742840"/>
+                  <a:pt x="3129640" y="3682356"/>
+                  <a:pt x="2854087" y="3708159"/>
+                </a:cubicBezTo>
+                <a:cubicBezTo>
+                  <a:pt x="2578534" y="3733962"/>
+                  <a:pt x="2540375" y="3677392"/>
+                  <a:pt x="2388357" y="3708159"/>
+                </a:cubicBezTo>
+                <a:cubicBezTo>
+                  <a:pt x="2236339" y="3738926"/>
+                  <a:pt x="2155529" y="3695290"/>
+                  <a:pt x="1988308" y="3708159"/>
+                </a:cubicBezTo>
+                <a:cubicBezTo>
+                  <a:pt x="1821087" y="3721028"/>
+                  <a:pt x="1673451" y="3678748"/>
+                  <a:pt x="1522578" y="3708159"/>
+                </a:cubicBezTo>
+                <a:cubicBezTo>
+                  <a:pt x="1371705" y="3737570"/>
+                  <a:pt x="1155006" y="3672193"/>
+                  <a:pt x="925489" y="3708159"/>
+                </a:cubicBezTo>
+                <a:cubicBezTo>
+                  <a:pt x="695972" y="3744125"/>
+                  <a:pt x="277612" y="3658576"/>
+                  <a:pt x="0" y="3708159"/>
+                </a:cubicBezTo>
+                <a:cubicBezTo>
+                  <a:pt x="-15570" y="3565972"/>
+                  <a:pt x="54176" y="3355991"/>
+                  <a:pt x="0" y="3252585"/>
+                </a:cubicBezTo>
+                <a:cubicBezTo>
+                  <a:pt x="-54176" y="3149179"/>
+                  <a:pt x="18941" y="2815621"/>
+                  <a:pt x="0" y="2648685"/>
+                </a:cubicBezTo>
+                <a:cubicBezTo>
+                  <a:pt x="-18941" y="2481749"/>
+                  <a:pt x="30217" y="2310731"/>
+                  <a:pt x="0" y="2193111"/>
+                </a:cubicBezTo>
+                <a:cubicBezTo>
+                  <a:pt x="-30217" y="2075491"/>
+                  <a:pt x="45768" y="1921094"/>
+                  <a:pt x="0" y="1663374"/>
+                </a:cubicBezTo>
+                <a:cubicBezTo>
+                  <a:pt x="-45768" y="1405654"/>
+                  <a:pt x="1791" y="1322187"/>
+                  <a:pt x="0" y="1059474"/>
+                </a:cubicBezTo>
+                <a:cubicBezTo>
+                  <a:pt x="-1791" y="796761"/>
+                  <a:pt x="35509" y="738371"/>
+                  <a:pt x="0" y="492655"/>
+                </a:cubicBezTo>
+                <a:cubicBezTo>
+                  <a:pt x="-35509" y="246939"/>
+                  <a:pt x="35889" y="135509"/>
+                  <a:pt x="0" y="0"/>
+                </a:cubicBezTo>
+                <a:close/>
+              </a:path>
+              <a:path w="6567983" h="3708159" stroke="0" extrusionOk="0">
+                <a:moveTo>
+                  <a:pt x="0" y="0"/>
+                </a:moveTo>
+                <a:cubicBezTo>
+                  <a:pt x="122343" y="-608"/>
+                  <a:pt x="457366" y="16624"/>
+                  <a:pt x="597089" y="0"/>
+                </a:cubicBezTo>
+                <a:cubicBezTo>
+                  <a:pt x="736812" y="-16624"/>
+                  <a:pt x="902656" y="32291"/>
+                  <a:pt x="1194179" y="0"/>
+                </a:cubicBezTo>
+                <a:cubicBezTo>
+                  <a:pt x="1485702" y="-32291"/>
+                  <a:pt x="1420050" y="25671"/>
+                  <a:pt x="1594229" y="0"/>
+                </a:cubicBezTo>
+                <a:cubicBezTo>
+                  <a:pt x="1768408" y="-25671"/>
+                  <a:pt x="1924155" y="40521"/>
+                  <a:pt x="2125638" y="0"/>
+                </a:cubicBezTo>
+                <a:cubicBezTo>
+                  <a:pt x="2327121" y="-40521"/>
+                  <a:pt x="2416785" y="19434"/>
+                  <a:pt x="2657048" y="0"/>
+                </a:cubicBezTo>
+                <a:cubicBezTo>
+                  <a:pt x="2897311" y="-19434"/>
+                  <a:pt x="3082306" y="61397"/>
+                  <a:pt x="3385497" y="0"/>
+                </a:cubicBezTo>
+                <a:cubicBezTo>
+                  <a:pt x="3688688" y="-61397"/>
+                  <a:pt x="3706001" y="11711"/>
+                  <a:pt x="3982586" y="0"/>
+                </a:cubicBezTo>
+                <a:cubicBezTo>
+                  <a:pt x="4259171" y="-11711"/>
+                  <a:pt x="4279636" y="2475"/>
+                  <a:pt x="4448316" y="0"/>
+                </a:cubicBezTo>
+                <a:cubicBezTo>
+                  <a:pt x="4616996" y="-2475"/>
+                  <a:pt x="4914113" y="19789"/>
+                  <a:pt x="5111085" y="0"/>
+                </a:cubicBezTo>
+                <a:cubicBezTo>
+                  <a:pt x="5308057" y="-19789"/>
+                  <a:pt x="5477440" y="21240"/>
+                  <a:pt x="5708174" y="0"/>
+                </a:cubicBezTo>
+                <a:cubicBezTo>
+                  <a:pt x="5938908" y="-21240"/>
+                  <a:pt x="6165719" y="63269"/>
+                  <a:pt x="6567983" y="0"/>
+                </a:cubicBezTo>
+                <a:cubicBezTo>
+                  <a:pt x="6613691" y="219988"/>
+                  <a:pt x="6529672" y="257676"/>
+                  <a:pt x="6567983" y="492655"/>
+                </a:cubicBezTo>
+                <a:cubicBezTo>
+                  <a:pt x="6606294" y="727634"/>
+                  <a:pt x="6560804" y="825267"/>
+                  <a:pt x="6567983" y="985311"/>
+                </a:cubicBezTo>
+                <a:cubicBezTo>
+                  <a:pt x="6575162" y="1145355"/>
+                  <a:pt x="6529524" y="1401555"/>
+                  <a:pt x="6567983" y="1515048"/>
+                </a:cubicBezTo>
+                <a:cubicBezTo>
+                  <a:pt x="6606442" y="1628541"/>
+                  <a:pt x="6542112" y="1886784"/>
+                  <a:pt x="6567983" y="2007703"/>
+                </a:cubicBezTo>
+                <a:cubicBezTo>
+                  <a:pt x="6593854" y="2128622"/>
+                  <a:pt x="6566322" y="2376451"/>
+                  <a:pt x="6567983" y="2611603"/>
+                </a:cubicBezTo>
+                <a:cubicBezTo>
+                  <a:pt x="6569644" y="2846755"/>
+                  <a:pt x="6547000" y="2920170"/>
+                  <a:pt x="6567983" y="3067177"/>
+                </a:cubicBezTo>
+                <a:cubicBezTo>
+                  <a:pt x="6588966" y="3214184"/>
+                  <a:pt x="6537540" y="3412998"/>
+                  <a:pt x="6567983" y="3708159"/>
+                </a:cubicBezTo>
+                <a:cubicBezTo>
+                  <a:pt x="6300088" y="3712334"/>
+                  <a:pt x="6196773" y="3649417"/>
+                  <a:pt x="5970894" y="3708159"/>
+                </a:cubicBezTo>
+                <a:cubicBezTo>
+                  <a:pt x="5745015" y="3766901"/>
+                  <a:pt x="5666787" y="3704371"/>
+                  <a:pt x="5570844" y="3708159"/>
+                </a:cubicBezTo>
+                <a:cubicBezTo>
+                  <a:pt x="5474901" y="3711947"/>
+                  <a:pt x="5149282" y="3682314"/>
+                  <a:pt x="5039434" y="3708159"/>
+                </a:cubicBezTo>
+                <a:cubicBezTo>
+                  <a:pt x="4929586" y="3734004"/>
+                  <a:pt x="4666961" y="3650575"/>
+                  <a:pt x="4376665" y="3708159"/>
+                </a:cubicBezTo>
+                <a:cubicBezTo>
+                  <a:pt x="4086369" y="3765743"/>
+                  <a:pt x="4053841" y="3692153"/>
+                  <a:pt x="3845256" y="3708159"/>
+                </a:cubicBezTo>
+                <a:cubicBezTo>
+                  <a:pt x="3636671" y="3724165"/>
+                  <a:pt x="3569232" y="3699177"/>
+                  <a:pt x="3445206" y="3708159"/>
+                </a:cubicBezTo>
+                <a:cubicBezTo>
+                  <a:pt x="3321180" y="3717141"/>
+                  <a:pt x="3068624" y="3660148"/>
+                  <a:pt x="2913796" y="3708159"/>
+                </a:cubicBezTo>
+                <a:cubicBezTo>
+                  <a:pt x="2758968" y="3756170"/>
+                  <a:pt x="2675309" y="3675520"/>
+                  <a:pt x="2448066" y="3708159"/>
+                </a:cubicBezTo>
+                <a:cubicBezTo>
+                  <a:pt x="2220823" y="3740798"/>
+                  <a:pt x="2213522" y="3692177"/>
+                  <a:pt x="1982337" y="3708159"/>
+                </a:cubicBezTo>
+                <a:cubicBezTo>
+                  <a:pt x="1751152" y="3724141"/>
+                  <a:pt x="1439531" y="3647402"/>
+                  <a:pt x="1253888" y="3708159"/>
+                </a:cubicBezTo>
+                <a:cubicBezTo>
+                  <a:pt x="1068245" y="3768916"/>
+                  <a:pt x="877772" y="3687056"/>
+                  <a:pt x="525439" y="3708159"/>
+                </a:cubicBezTo>
+                <a:cubicBezTo>
+                  <a:pt x="173106" y="3729262"/>
+                  <a:pt x="122335" y="3701382"/>
+                  <a:pt x="0" y="3708159"/>
+                </a:cubicBezTo>
+                <a:cubicBezTo>
+                  <a:pt x="-54364" y="3597766"/>
+                  <a:pt x="26931" y="3452036"/>
+                  <a:pt x="0" y="3215504"/>
+                </a:cubicBezTo>
+                <a:cubicBezTo>
+                  <a:pt x="-26931" y="2978973"/>
+                  <a:pt x="38645" y="2781739"/>
+                  <a:pt x="0" y="2648685"/>
+                </a:cubicBezTo>
+                <a:cubicBezTo>
+                  <a:pt x="-38645" y="2515631"/>
+                  <a:pt x="6127" y="2336509"/>
+                  <a:pt x="0" y="2081866"/>
+                </a:cubicBezTo>
+                <a:cubicBezTo>
+                  <a:pt x="-6127" y="1827223"/>
+                  <a:pt x="11463" y="1720283"/>
+                  <a:pt x="0" y="1626293"/>
+                </a:cubicBezTo>
+                <a:cubicBezTo>
+                  <a:pt x="-11463" y="1532303"/>
+                  <a:pt x="42938" y="1295888"/>
+                  <a:pt x="0" y="1096556"/>
+                </a:cubicBezTo>
+                <a:cubicBezTo>
+                  <a:pt x="-42938" y="897224"/>
+                  <a:pt x="35111" y="712950"/>
+                  <a:pt x="0" y="529737"/>
+                </a:cubicBezTo>
+                <a:cubicBezTo>
+                  <a:pt x="-35111" y="346524"/>
+                  <a:pt x="52046" y="209313"/>
+                  <a:pt x="0" y="0"/>
+                </a:cubicBezTo>
+                <a:close/>
+              </a:path>
+            </a:pathLst>
+          </a:custGeom>
+          <a:ln>
+            <a:solidFill>
+              <a:schemeClr val="tx1"/>
+            </a:solidFill>
+            <a:extLst>
+              <a:ext uri="{C807C97D-BFC1-408E-A445-0C87EB9F89A2}">
+                <ask:lineSketchStyleProps xmlns:ask="http://schemas.microsoft.com/office/drawing/2018/sketchyshapes" sd="3528615447">
+                  <a:prstGeom prst="rect">
+                    <a:avLst/>
+                  </a:prstGeom>
+                  <ask:type>
+                    <ask:lineSketchScribble/>
+                  </ask:type>
+                </ask:lineSketchStyleProps>
+              </a:ext>
+            </a:extLst>
+          </a:ln>
         </p:spPr>
       </p:pic>
     </p:spTree>
     <p:extLst>
       <p:ext uri="{BB962C8B-B14F-4D97-AF65-F5344CB8AC3E}">
-        <p14:creationId xmlns:p14="http://schemas.microsoft.com/office/powerpoint/2010/main" val="1210613334"/>
-      </p:ext>
-    </p:extLst>
-  </p:cSld>
-  <p:clrMapOvr>
-    <a:masterClrMapping/>
-  </p:clrMapOvr>
-</p:sld>
-</file>
-
-<file path=ppt/slides/slide8.xml><?xml version="1.0" encoding="utf-8"?>
-<p:sld xmlns:a="http://schemas.openxmlformats.org/drawingml/2006/main" xmlns:r="http://schemas.openxmlformats.org/officeDocument/2006/relationships" xmlns:p="http://schemas.openxmlformats.org/presentationml/2006/main">
-  <p:cSld>
-    <p:spTree>
-      <p:nvGrpSpPr>
-        <p:cNvPr id="1" name=""/>
-        <p:cNvGrpSpPr/>
-        <p:nvPr/>
-      </p:nvGrpSpPr>
-      <p:grpSpPr>
-        <a:xfrm>
-          <a:off x="0" y="0"/>
-          <a:ext cx="0" cy="0"/>
-          <a:chOff x="0" y="0"/>
-          <a:chExt cx="0" cy="0"/>
-        </a:xfrm>
-      </p:grpSpPr>
-      <p:sp>
-        <p:nvSpPr>
-          <p:cNvPr id="2" name="Titre 1">
-            <a:extLst>
-              <a:ext uri="{FF2B5EF4-FFF2-40B4-BE49-F238E27FC236}">
-                <a16:creationId xmlns:a16="http://schemas.microsoft.com/office/drawing/2014/main" id="{362A1CAF-37A1-0182-0DAA-52ABF2CA36FD}"/>
-              </a:ext>
-            </a:extLst>
-          </p:cNvPr>
-          <p:cNvSpPr>
-            <a:spLocks noGrp="1"/>
-          </p:cNvSpPr>
-          <p:nvPr>
-            <p:ph type="title"/>
-          </p:nvPr>
-        </p:nvSpPr>
-        <p:spPr/>
-        <p:txBody>
-          <a:bodyPr/>
-          <a:lstStyle/>
-          <a:p>
-            <a:r>
-              <a:rPr lang="fr-FR" dirty="0"/>
-              <a:t>Questions</a:t>
-            </a:r>
-          </a:p>
-        </p:txBody>
-      </p:sp>
-    </p:spTree>
-    <p:extLst>
-      <p:ext uri="{BB962C8B-B14F-4D97-AF65-F5344CB8AC3E}">
-        <p14:creationId xmlns:p14="http://schemas.microsoft.com/office/powerpoint/2010/main" val="1941944652"/>
+        <p14:creationId xmlns:p14="http://schemas.microsoft.com/office/powerpoint/2010/main" val="4235338623"/>
       </p:ext>
     </p:extLst>
   </p:cSld>

--- a/Prez/IETF123/draft-nmop-rfc3535-20years-later.pptx
+++ b/Prez/IETF123/draft-nmop-rfc3535-20years-later.pptx
@@ -248,7 +248,7 @@
   <pc:docChgLst>
     <pc:chgData name="BOUCADAIR Mohamed INNOV/NET" userId="2acbca90-6db1-4111-98c4-832797dda751" providerId="ADAL" clId="{8C8D351C-2626-493F-8812-B9C3E9DB0064}"/>
     <pc:docChg chg="undo custSel addSld delSld modSld sldOrd">
-      <pc:chgData name="BOUCADAIR Mohamed INNOV/NET" userId="2acbca90-6db1-4111-98c4-832797dda751" providerId="ADAL" clId="{8C8D351C-2626-493F-8812-B9C3E9DB0064}" dt="2025-07-18T05:31:59.308" v="3130" actId="1076"/>
+      <pc:chgData name="BOUCADAIR Mohamed INNOV/NET" userId="2acbca90-6db1-4111-98c4-832797dda751" providerId="ADAL" clId="{8C8D351C-2626-493F-8812-B9C3E9DB0064}" dt="2025-07-18T05:36:56.566" v="3152" actId="20577"/>
       <pc:docMkLst>
         <pc:docMk/>
       </pc:docMkLst>
@@ -553,7 +553,7 @@
         </pc:spChg>
       </pc:sldChg>
       <pc:sldChg chg="addSp modSp new mod">
-        <pc:chgData name="BOUCADAIR Mohamed INNOV/NET" userId="2acbca90-6db1-4111-98c4-832797dda751" providerId="ADAL" clId="{8C8D351C-2626-493F-8812-B9C3E9DB0064}" dt="2025-07-18T05:31:59.308" v="3130" actId="1076"/>
+        <pc:chgData name="BOUCADAIR Mohamed INNOV/NET" userId="2acbca90-6db1-4111-98c4-832797dda751" providerId="ADAL" clId="{8C8D351C-2626-493F-8812-B9C3E9DB0064}" dt="2025-07-18T05:36:56.566" v="3152" actId="20577"/>
         <pc:sldMkLst>
           <pc:docMk/>
           <pc:sldMk cId="3790753702" sldId="411"/>
@@ -567,7 +567,7 @@
           </ac:spMkLst>
         </pc:spChg>
         <pc:spChg chg="mod">
-          <ac:chgData name="BOUCADAIR Mohamed INNOV/NET" userId="2acbca90-6db1-4111-98c4-832797dda751" providerId="ADAL" clId="{8C8D351C-2626-493F-8812-B9C3E9DB0064}" dt="2025-07-18T05:31:34.008" v="3128" actId="20577"/>
+          <ac:chgData name="BOUCADAIR Mohamed INNOV/NET" userId="2acbca90-6db1-4111-98c4-832797dda751" providerId="ADAL" clId="{8C8D351C-2626-493F-8812-B9C3E9DB0064}" dt="2025-07-18T05:36:56.566" v="3152" actId="20577"/>
           <ac:spMkLst>
             <pc:docMk/>
             <pc:sldMk cId="3790753702" sldId="411"/>
@@ -684,7 +684,7 @@
         </pc:sldMkLst>
       </pc:sldChg>
       <pc:sldChg chg="addSp modSp new mod">
-        <pc:chgData name="BOUCADAIR Mohamed INNOV/NET" userId="2acbca90-6db1-4111-98c4-832797dda751" providerId="ADAL" clId="{8C8D351C-2626-493F-8812-B9C3E9DB0064}" dt="2025-07-18T05:30:54.167" v="3049" actId="1076"/>
+        <pc:chgData name="BOUCADAIR Mohamed INNOV/NET" userId="2acbca90-6db1-4111-98c4-832797dda751" providerId="ADAL" clId="{8C8D351C-2626-493F-8812-B9C3E9DB0064}" dt="2025-07-18T05:35:59.267" v="3151" actId="20577"/>
         <pc:sldMkLst>
           <pc:docMk/>
           <pc:sldMk cId="4235338623" sldId="415"/>
@@ -698,7 +698,7 @@
           </ac:spMkLst>
         </pc:spChg>
         <pc:spChg chg="mod">
-          <ac:chgData name="BOUCADAIR Mohamed INNOV/NET" userId="2acbca90-6db1-4111-98c4-832797dda751" providerId="ADAL" clId="{8C8D351C-2626-493F-8812-B9C3E9DB0064}" dt="2025-07-18T05:30:38.936" v="3046" actId="20577"/>
+          <ac:chgData name="BOUCADAIR Mohamed INNOV/NET" userId="2acbca90-6db1-4111-98c4-832797dda751" providerId="ADAL" clId="{8C8D351C-2626-493F-8812-B9C3E9DB0064}" dt="2025-07-18T05:35:59.267" v="3151" actId="20577"/>
           <ac:spMkLst>
             <pc:docMk/>
             <pc:sldMk cId="4235338623" sldId="415"/>
@@ -8148,7 +8148,7 @@
           <a:p>
             <a:r>
               <a:rPr lang="en-US" dirty="0"/>
-              <a:t>A collaborative effort that involve all interested parties to build </a:t>
+              <a:t>A collaborative effort that involves all interested parties to build </a:t>
             </a:r>
             <a:r>
               <a:rPr lang="en-US" b="1" i="1" dirty="0">
@@ -8994,6 +8994,14 @@
             <a:r>
               <a:rPr lang="fr-FR" dirty="0" err="1"/>
               <a:t>operators</a:t>
+            </a:r>
+            <a:r>
+              <a:rPr lang="fr-FR" dirty="0"/>
+              <a:t> </a:t>
+            </a:r>
+            <a:r>
+              <a:rPr lang="fr-FR" dirty="0" err="1"/>
+              <a:t>requirements</a:t>
             </a:r>
             <a:r>
               <a:rPr lang="fr-FR" dirty="0"/>

--- a/Prez/IETF123/draft-nmop-rfc3535-20years-later.pptx
+++ b/Prez/IETF123/draft-nmop-rfc3535-20years-later.pptx
@@ -5,7 +5,7 @@
     <p:sldMasterId id="2147483648" r:id="rId1"/>
   </p:sldMasterIdLst>
   <p:notesMasterIdLst>
-    <p:notesMasterId r:id="rId9"/>
+    <p:notesMasterId r:id="rId11"/>
   </p:notesMasterIdLst>
   <p:sldIdLst>
     <p:sldId id="395" r:id="rId2"/>
@@ -13,8 +13,10 @@
     <p:sldId id="409" r:id="rId4"/>
     <p:sldId id="410" r:id="rId5"/>
     <p:sldId id="411" r:id="rId6"/>
-    <p:sldId id="405" r:id="rId7"/>
-    <p:sldId id="415" r:id="rId8"/>
+    <p:sldId id="416" r:id="rId7"/>
+    <p:sldId id="417" r:id="rId8"/>
+    <p:sldId id="405" r:id="rId9"/>
+    <p:sldId id="415" r:id="rId10"/>
   </p:sldIdLst>
   <p:sldSz cx="9144000" cy="6858000" type="screen4x3"/>
   <p:notesSz cx="6858000" cy="9144000"/>
@@ -161,7 +163,7 @@
 <file path=ppt/revisionInfo.xml><?xml version="1.0" encoding="utf-8"?>
 <p1510:revInfo xmlns:a="http://schemas.openxmlformats.org/drawingml/2006/main" xmlns:r="http://schemas.openxmlformats.org/officeDocument/2006/relationships" xmlns:p1510="http://schemas.microsoft.com/office/powerpoint/2015/10/main">
   <p1510:revLst>
-    <p1510:client id="{8C8D351C-2626-493F-8812-B9C3E9DB0064}" v="15" dt="2025-07-18T05:30:09.035"/>
+    <p1510:client id="{8C8D351C-2626-493F-8812-B9C3E9DB0064}" v="18" dt="2025-07-18T14:00:34.259"/>
   </p1510:revLst>
 </p1510:revInfo>
 </file>
@@ -248,7 +250,7 @@
   <pc:docChgLst>
     <pc:chgData name="BOUCADAIR Mohamed INNOV/NET" userId="2acbca90-6db1-4111-98c4-832797dda751" providerId="ADAL" clId="{8C8D351C-2626-493F-8812-B9C3E9DB0064}"/>
     <pc:docChg chg="undo custSel addSld delSld modSld sldOrd">
-      <pc:chgData name="BOUCADAIR Mohamed INNOV/NET" userId="2acbca90-6db1-4111-98c4-832797dda751" providerId="ADAL" clId="{8C8D351C-2626-493F-8812-B9C3E9DB0064}" dt="2025-07-18T05:36:56.566" v="3152" actId="20577"/>
+      <pc:chgData name="BOUCADAIR Mohamed INNOV/NET" userId="2acbca90-6db1-4111-98c4-832797dda751" providerId="ADAL" clId="{8C8D351C-2626-493F-8812-B9C3E9DB0064}" dt="2025-07-18T14:08:26.147" v="6034" actId="790"/>
       <pc:docMkLst>
         <pc:docMk/>
       </pc:docMkLst>
@@ -552,8 +554,8 @@
           </ac:spMkLst>
         </pc:spChg>
       </pc:sldChg>
-      <pc:sldChg chg="addSp modSp new mod">
-        <pc:chgData name="BOUCADAIR Mohamed INNOV/NET" userId="2acbca90-6db1-4111-98c4-832797dda751" providerId="ADAL" clId="{8C8D351C-2626-493F-8812-B9C3E9DB0064}" dt="2025-07-18T05:36:56.566" v="3152" actId="20577"/>
+      <pc:sldChg chg="addSp delSp modSp new mod">
+        <pc:chgData name="BOUCADAIR Mohamed INNOV/NET" userId="2acbca90-6db1-4111-98c4-832797dda751" providerId="ADAL" clId="{8C8D351C-2626-493F-8812-B9C3E9DB0064}" dt="2025-07-18T14:04:24.349" v="5805" actId="114"/>
         <pc:sldMkLst>
           <pc:docMk/>
           <pc:sldMk cId="3790753702" sldId="411"/>
@@ -567,15 +569,15 @@
           </ac:spMkLst>
         </pc:spChg>
         <pc:spChg chg="mod">
-          <ac:chgData name="BOUCADAIR Mohamed INNOV/NET" userId="2acbca90-6db1-4111-98c4-832797dda751" providerId="ADAL" clId="{8C8D351C-2626-493F-8812-B9C3E9DB0064}" dt="2025-07-18T05:36:56.566" v="3152" actId="20577"/>
+          <ac:chgData name="BOUCADAIR Mohamed INNOV/NET" userId="2acbca90-6db1-4111-98c4-832797dda751" providerId="ADAL" clId="{8C8D351C-2626-493F-8812-B9C3E9DB0064}" dt="2025-07-18T14:04:24.349" v="5805" actId="114"/>
           <ac:spMkLst>
             <pc:docMk/>
             <pc:sldMk cId="3790753702" sldId="411"/>
             <ac:spMk id="3" creationId="{8C527E14-53DB-B89B-77F3-971E3A07A598}"/>
           </ac:spMkLst>
         </pc:spChg>
-        <pc:picChg chg="add mod">
-          <ac:chgData name="BOUCADAIR Mohamed INNOV/NET" userId="2acbca90-6db1-4111-98c4-832797dda751" providerId="ADAL" clId="{8C8D351C-2626-493F-8812-B9C3E9DB0064}" dt="2025-07-18T05:31:59.308" v="3130" actId="1076"/>
+        <pc:picChg chg="add del mod">
+          <ac:chgData name="BOUCADAIR Mohamed INNOV/NET" userId="2acbca90-6db1-4111-98c4-832797dda751" providerId="ADAL" clId="{8C8D351C-2626-493F-8812-B9C3E9DB0064}" dt="2025-07-18T13:38:43.987" v="3153" actId="478"/>
           <ac:picMkLst>
             <pc:docMk/>
             <pc:sldMk cId="3790753702" sldId="411"/>
@@ -684,7 +686,7 @@
         </pc:sldMkLst>
       </pc:sldChg>
       <pc:sldChg chg="addSp modSp new mod">
-        <pc:chgData name="BOUCADAIR Mohamed INNOV/NET" userId="2acbca90-6db1-4111-98c4-832797dda751" providerId="ADAL" clId="{8C8D351C-2626-493F-8812-B9C3E9DB0064}" dt="2025-07-18T05:35:59.267" v="3151" actId="20577"/>
+        <pc:chgData name="BOUCADAIR Mohamed INNOV/NET" userId="2acbca90-6db1-4111-98c4-832797dda751" providerId="ADAL" clId="{8C8D351C-2626-493F-8812-B9C3E9DB0064}" dt="2025-07-18T14:08:26.147" v="6034" actId="790"/>
         <pc:sldMkLst>
           <pc:docMk/>
           <pc:sldMk cId="4235338623" sldId="415"/>
@@ -698,7 +700,7 @@
           </ac:spMkLst>
         </pc:spChg>
         <pc:spChg chg="mod">
-          <ac:chgData name="BOUCADAIR Mohamed INNOV/NET" userId="2acbca90-6db1-4111-98c4-832797dda751" providerId="ADAL" clId="{8C8D351C-2626-493F-8812-B9C3E9DB0064}" dt="2025-07-18T05:35:59.267" v="3151" actId="20577"/>
+          <ac:chgData name="BOUCADAIR Mohamed INNOV/NET" userId="2acbca90-6db1-4111-98c4-832797dda751" providerId="ADAL" clId="{8C8D351C-2626-493F-8812-B9C3E9DB0064}" dt="2025-07-18T14:08:26.147" v="6034" actId="790"/>
           <ac:spMkLst>
             <pc:docMk/>
             <pc:sldMk cId="4235338623" sldId="415"/>
@@ -706,11 +708,81 @@
           </ac:spMkLst>
         </pc:spChg>
         <pc:picChg chg="add mod">
-          <ac:chgData name="BOUCADAIR Mohamed INNOV/NET" userId="2acbca90-6db1-4111-98c4-832797dda751" providerId="ADAL" clId="{8C8D351C-2626-493F-8812-B9C3E9DB0064}" dt="2025-07-18T05:30:54.167" v="3049" actId="1076"/>
+          <ac:chgData name="BOUCADAIR Mohamed INNOV/NET" userId="2acbca90-6db1-4111-98c4-832797dda751" providerId="ADAL" clId="{8C8D351C-2626-493F-8812-B9C3E9DB0064}" dt="2025-07-18T14:08:17.937" v="6033" actId="1076"/>
           <ac:picMkLst>
             <pc:docMk/>
             <pc:sldMk cId="4235338623" sldId="415"/>
             <ac:picMk id="4" creationId="{FDBC5F11-2AE1-39E4-D4B3-82E08A129154}"/>
+          </ac:picMkLst>
+        </pc:picChg>
+      </pc:sldChg>
+      <pc:sldChg chg="addSp delSp modSp new mod">
+        <pc:chgData name="BOUCADAIR Mohamed INNOV/NET" userId="2acbca90-6db1-4111-98c4-832797dda751" providerId="ADAL" clId="{8C8D351C-2626-493F-8812-B9C3E9DB0064}" dt="2025-07-18T14:07:24.836" v="5963" actId="20577"/>
+        <pc:sldMkLst>
+          <pc:docMk/>
+          <pc:sldMk cId="401361273" sldId="416"/>
+        </pc:sldMkLst>
+        <pc:spChg chg="mod">
+          <ac:chgData name="BOUCADAIR Mohamed INNOV/NET" userId="2acbca90-6db1-4111-98c4-832797dda751" providerId="ADAL" clId="{8C8D351C-2626-493F-8812-B9C3E9DB0064}" dt="2025-07-18T13:48:28.861" v="4125" actId="27636"/>
+          <ac:spMkLst>
+            <pc:docMk/>
+            <pc:sldMk cId="401361273" sldId="416"/>
+            <ac:spMk id="2" creationId="{AE56352A-99CC-2C58-E79E-7DA2B06DA666}"/>
+          </ac:spMkLst>
+        </pc:spChg>
+        <pc:spChg chg="mod">
+          <ac:chgData name="BOUCADAIR Mohamed INNOV/NET" userId="2acbca90-6db1-4111-98c4-832797dda751" providerId="ADAL" clId="{8C8D351C-2626-493F-8812-B9C3E9DB0064}" dt="2025-07-18T14:05:16.454" v="5807" actId="114"/>
+          <ac:spMkLst>
+            <pc:docMk/>
+            <pc:sldMk cId="401361273" sldId="416"/>
+            <ac:spMk id="3" creationId="{F337A7D3-6773-18E5-4C02-D07EAD7050BA}"/>
+          </ac:spMkLst>
+        </pc:spChg>
+        <pc:spChg chg="add mod">
+          <ac:chgData name="BOUCADAIR Mohamed INNOV/NET" userId="2acbca90-6db1-4111-98c4-832797dda751" providerId="ADAL" clId="{8C8D351C-2626-493F-8812-B9C3E9DB0064}" dt="2025-07-18T14:07:24.836" v="5963" actId="20577"/>
+          <ac:spMkLst>
+            <pc:docMk/>
+            <pc:sldMk cId="401361273" sldId="416"/>
+            <ac:spMk id="4" creationId="{3FFBB414-1F34-54C0-B391-6CF97D8E68C2}"/>
+          </ac:spMkLst>
+        </pc:spChg>
+        <pc:picChg chg="add del mod">
+          <ac:chgData name="BOUCADAIR Mohamed INNOV/NET" userId="2acbca90-6db1-4111-98c4-832797dda751" providerId="ADAL" clId="{8C8D351C-2626-493F-8812-B9C3E9DB0064}" dt="2025-07-18T13:54:45" v="4953" actId="478"/>
+          <ac:picMkLst>
+            <pc:docMk/>
+            <pc:sldMk cId="401361273" sldId="416"/>
+            <ac:picMk id="6" creationId="{F103278D-3B75-1764-355A-115E94ED1DC2}"/>
+          </ac:picMkLst>
+        </pc:picChg>
+      </pc:sldChg>
+      <pc:sldChg chg="addSp delSp modSp new mod">
+        <pc:chgData name="BOUCADAIR Mohamed INNOV/NET" userId="2acbca90-6db1-4111-98c4-832797dda751" providerId="ADAL" clId="{8C8D351C-2626-493F-8812-B9C3E9DB0064}" dt="2025-07-18T14:02:06.671" v="5752" actId="403"/>
+        <pc:sldMkLst>
+          <pc:docMk/>
+          <pc:sldMk cId="2414734788" sldId="417"/>
+        </pc:sldMkLst>
+        <pc:spChg chg="mod">
+          <ac:chgData name="BOUCADAIR Mohamed INNOV/NET" userId="2acbca90-6db1-4111-98c4-832797dda751" providerId="ADAL" clId="{8C8D351C-2626-493F-8812-B9C3E9DB0064}" dt="2025-07-18T14:02:06.671" v="5752" actId="403"/>
+          <ac:spMkLst>
+            <pc:docMk/>
+            <pc:sldMk cId="2414734788" sldId="417"/>
+            <ac:spMk id="2" creationId="{7C4C9084-F503-493C-BE78-19794A68622F}"/>
+          </ac:spMkLst>
+        </pc:spChg>
+        <pc:spChg chg="del">
+          <ac:chgData name="BOUCADAIR Mohamed INNOV/NET" userId="2acbca90-6db1-4111-98c4-832797dda751" providerId="ADAL" clId="{8C8D351C-2626-493F-8812-B9C3E9DB0064}" dt="2025-07-18T13:55:20.556" v="4988" actId="478"/>
+          <ac:spMkLst>
+            <pc:docMk/>
+            <pc:sldMk cId="2414734788" sldId="417"/>
+            <ac:spMk id="3" creationId="{F70E95D2-17C4-407F-3DE1-DF5F6CA526C2}"/>
+          </ac:spMkLst>
+        </pc:spChg>
+        <pc:picChg chg="add mod">
+          <ac:chgData name="BOUCADAIR Mohamed INNOV/NET" userId="2acbca90-6db1-4111-98c4-832797dda751" providerId="ADAL" clId="{8C8D351C-2626-493F-8812-B9C3E9DB0064}" dt="2025-07-18T14:02:03.731" v="5751" actId="14100"/>
+          <ac:picMkLst>
+            <pc:docMk/>
+            <pc:sldMk cId="2414734788" sldId="417"/>
+            <ac:picMk id="5" creationId="{E6E39CF5-A1C0-ADEE-B237-96C3270839B7}"/>
           </ac:picMkLst>
         </pc:picChg>
       </pc:sldChg>
@@ -8086,13 +8158,25 @@
         </p:spPr>
         <p:txBody>
           <a:bodyPr>
-            <a:normAutofit fontScale="85000" lnSpcReduction="20000"/>
+            <a:normAutofit fontScale="92500" lnSpcReduction="20000"/>
           </a:bodyPr>
           <a:lstStyle/>
           <a:p>
             <a:r>
               <a:rPr lang="en-US" dirty="0"/>
-              <a:t>A consolidated list of requirements from Operators together with an agreed </a:t>
+              <a:t>A consolidated list of </a:t>
+            </a:r>
+            <a:r>
+              <a:rPr lang="en-US" b="1" i="1" dirty="0">
+                <a:solidFill>
+                  <a:srgbClr val="00B0F0"/>
+                </a:solidFill>
+              </a:rPr>
+              <a:t>new requirements </a:t>
+            </a:r>
+            <a:r>
+              <a:rPr lang="en-US" dirty="0"/>
+              <a:t>together with operators’ </a:t>
             </a:r>
             <a:r>
               <a:rPr lang="en-US" b="1" i="1" dirty="0">
@@ -8110,39 +8194,40 @@
           <a:p>
             <a:pPr lvl="1"/>
             <a:r>
-              <a:rPr lang="en-US" dirty="0"/>
-              <a:t>All inputs can be found at </a:t>
-            </a:r>
-            <a:r>
-              <a:rPr lang="fr-FR" dirty="0">
-                <a:hlinkClick r:id="rId2"/>
+              <a:rPr lang="en-US" i="1" dirty="0"/>
+              <a:t>draft-</a:t>
+            </a:r>
+            <a:r>
+              <a:rPr lang="en-US" i="1" dirty="0" err="1"/>
+              <a:t>iab</a:t>
+            </a:r>
+            <a:r>
+              <a:rPr lang="en-US" i="1" dirty="0"/>
+              <a:t>-</a:t>
+            </a:r>
+            <a:r>
+              <a:rPr lang="en-US" i="1" dirty="0" err="1"/>
+              <a:t>nemops</a:t>
+            </a:r>
+            <a:r>
+              <a:rPr lang="en-US" i="1" dirty="0"/>
+              <a:t>-workshop-report </a:t>
+            </a:r>
+            <a:r>
+              <a:rPr lang="en-US" b="1" i="1" u="sng" dirty="0">
+                <a:solidFill>
+                  <a:srgbClr val="00B0F0"/>
+                </a:solidFill>
               </a:rPr>
-              <a:t>rfc3535-20years-later/Prez/NEMOPS/nemops-session2-summary.md at main · </a:t>
-            </a:r>
-            <a:r>
-              <a:rPr lang="fr-FR" dirty="0" err="1">
-                <a:hlinkClick r:id="rId2"/>
-              </a:rPr>
-              <a:t>boucadair</a:t>
-            </a:r>
-            <a:r>
-              <a:rPr lang="fr-FR" dirty="0">
-                <a:hlinkClick r:id="rId2"/>
-              </a:rPr>
-              <a:t>/rfc3535-20years-later</a:t>
-            </a:r>
-            <a:endParaRPr lang="en-US" dirty="0"/>
-          </a:p>
-          <a:p>
-            <a:endParaRPr lang="en-US" dirty="0"/>
-          </a:p>
-          <a:p>
-            <a:endParaRPr lang="en-US" dirty="0"/>
-          </a:p>
-          <a:p>
-            <a:endParaRPr lang="en-US" dirty="0"/>
-          </a:p>
-          <a:p>
+              <a:t>does not update</a:t>
+            </a:r>
+            <a:r>
+              <a:rPr lang="en-US" i="1" dirty="0"/>
+              <a:t> RFC3535 requirements</a:t>
+            </a:r>
+          </a:p>
+          <a:p>
+            <a:pPr lvl="1"/>
             <a:endParaRPr lang="en-US" dirty="0"/>
           </a:p>
           <a:p>
@@ -8164,16 +8249,1037 @@
             </a:r>
           </a:p>
           <a:p>
+            <a:pPr lvl="1"/>
+            <a:r>
+              <a:rPr lang="en-US" dirty="0"/>
+              <a:t>Actionable by the IETF as a whole, including WGs, ADs, etc.</a:t>
+            </a:r>
+          </a:p>
+          <a:p>
             <a:endParaRPr lang="en-US" dirty="0"/>
+          </a:p>
+        </p:txBody>
+      </p:sp>
+    </p:spTree>
+    <p:extLst>
+      <p:ext uri="{BB962C8B-B14F-4D97-AF65-F5344CB8AC3E}">
+        <p14:creationId xmlns:p14="http://schemas.microsoft.com/office/powerpoint/2010/main" val="3790753702"/>
+      </p:ext>
+    </p:extLst>
+  </p:cSld>
+  <p:clrMapOvr>
+    <a:masterClrMapping/>
+  </p:clrMapOvr>
+</p:sld>
+</file>
+
+<file path=ppt/slides/slide6.xml><?xml version="1.0" encoding="utf-8"?>
+<p:sld xmlns:a="http://schemas.openxmlformats.org/drawingml/2006/main" xmlns:r="http://schemas.openxmlformats.org/officeDocument/2006/relationships" xmlns:p="http://schemas.openxmlformats.org/presentationml/2006/main">
+  <p:cSld>
+    <p:spTree>
+      <p:nvGrpSpPr>
+        <p:cNvPr id="1" name=""/>
+        <p:cNvGrpSpPr/>
+        <p:nvPr/>
+      </p:nvGrpSpPr>
+      <p:grpSpPr>
+        <a:xfrm>
+          <a:off x="0" y="0"/>
+          <a:ext cx="0" cy="0"/>
+          <a:chOff x="0" y="0"/>
+          <a:chExt cx="0" cy="0"/>
+        </a:xfrm>
+      </p:grpSpPr>
+      <p:sp>
+        <p:nvSpPr>
+          <p:cNvPr id="2" name="Titre 1">
+            <a:extLst>
+              <a:ext uri="{FF2B5EF4-FFF2-40B4-BE49-F238E27FC236}">
+                <a16:creationId xmlns:a16="http://schemas.microsoft.com/office/drawing/2014/main" id="{AE56352A-99CC-2C58-E79E-7DA2B06DA666}"/>
+              </a:ext>
+            </a:extLst>
+          </p:cNvPr>
+          <p:cNvSpPr>
+            <a:spLocks noGrp="1"/>
+          </p:cNvSpPr>
+          <p:nvPr>
+            <p:ph type="title"/>
+          </p:nvPr>
+        </p:nvSpPr>
+        <p:spPr>
+          <a:xfrm>
+            <a:off x="457200" y="274638"/>
+            <a:ext cx="1522512" cy="1143000"/>
+          </a:xfrm>
+        </p:spPr>
+        <p:txBody>
+          <a:bodyPr>
+            <a:normAutofit/>
+          </a:bodyPr>
+          <a:lstStyle/>
+          <a:p>
+            <a:r>
+              <a:rPr lang="fr-FR" dirty="0"/>
+              <a:t>But …</a:t>
+            </a:r>
+          </a:p>
+        </p:txBody>
+      </p:sp>
+      <p:sp>
+        <p:nvSpPr>
+          <p:cNvPr id="3" name="Espace réservé du contenu 2">
+            <a:extLst>
+              <a:ext uri="{FF2B5EF4-FFF2-40B4-BE49-F238E27FC236}">
+                <a16:creationId xmlns:a16="http://schemas.microsoft.com/office/drawing/2014/main" id="{F337A7D3-6773-18E5-4C02-D07EAD7050BA}"/>
+              </a:ext>
+            </a:extLst>
+          </p:cNvPr>
+          <p:cNvSpPr>
+            <a:spLocks noGrp="1"/>
+          </p:cNvSpPr>
+          <p:nvPr>
+            <p:ph idx="1"/>
+          </p:nvPr>
+        </p:nvSpPr>
+        <p:spPr>
+          <a:xfrm>
+            <a:off x="2010544" y="116632"/>
+            <a:ext cx="6953944" cy="2006389"/>
+          </a:xfrm>
+          <a:custGeom>
+            <a:avLst/>
+            <a:gdLst>
+              <a:gd name="connsiteX0" fmla="*/ 0 w 6953944"/>
+              <a:gd name="connsiteY0" fmla="*/ 0 h 2006389"/>
+              <a:gd name="connsiteX1" fmla="*/ 649035 w 6953944"/>
+              <a:gd name="connsiteY1" fmla="*/ 0 h 2006389"/>
+              <a:gd name="connsiteX2" fmla="*/ 1228530 w 6953944"/>
+              <a:gd name="connsiteY2" fmla="*/ 0 h 2006389"/>
+              <a:gd name="connsiteX3" fmla="*/ 1668947 w 6953944"/>
+              <a:gd name="connsiteY3" fmla="*/ 0 h 2006389"/>
+              <a:gd name="connsiteX4" fmla="*/ 2248442 w 6953944"/>
+              <a:gd name="connsiteY4" fmla="*/ 0 h 2006389"/>
+              <a:gd name="connsiteX5" fmla="*/ 2967016 w 6953944"/>
+              <a:gd name="connsiteY5" fmla="*/ 0 h 2006389"/>
+              <a:gd name="connsiteX6" fmla="*/ 3476972 w 6953944"/>
+              <a:gd name="connsiteY6" fmla="*/ 0 h 2006389"/>
+              <a:gd name="connsiteX7" fmla="*/ 4126007 w 6953944"/>
+              <a:gd name="connsiteY7" fmla="*/ 0 h 2006389"/>
+              <a:gd name="connsiteX8" fmla="*/ 4635963 w 6953944"/>
+              <a:gd name="connsiteY8" fmla="*/ 0 h 2006389"/>
+              <a:gd name="connsiteX9" fmla="*/ 5354537 w 6953944"/>
+              <a:gd name="connsiteY9" fmla="*/ 0 h 2006389"/>
+              <a:gd name="connsiteX10" fmla="*/ 6073111 w 6953944"/>
+              <a:gd name="connsiteY10" fmla="*/ 0 h 2006389"/>
+              <a:gd name="connsiteX11" fmla="*/ 6953944 w 6953944"/>
+              <a:gd name="connsiteY11" fmla="*/ 0 h 2006389"/>
+              <a:gd name="connsiteX12" fmla="*/ 6953944 w 6953944"/>
+              <a:gd name="connsiteY12" fmla="*/ 521661 h 2006389"/>
+              <a:gd name="connsiteX13" fmla="*/ 6953944 w 6953944"/>
+              <a:gd name="connsiteY13" fmla="*/ 1063386 h 2006389"/>
+              <a:gd name="connsiteX14" fmla="*/ 6953944 w 6953944"/>
+              <a:gd name="connsiteY14" fmla="*/ 1544920 h 2006389"/>
+              <a:gd name="connsiteX15" fmla="*/ 6953944 w 6953944"/>
+              <a:gd name="connsiteY15" fmla="*/ 2006389 h 2006389"/>
+              <a:gd name="connsiteX16" fmla="*/ 6304909 w 6953944"/>
+              <a:gd name="connsiteY16" fmla="*/ 2006389 h 2006389"/>
+              <a:gd name="connsiteX17" fmla="*/ 5934032 w 6953944"/>
+              <a:gd name="connsiteY17" fmla="*/ 2006389 h 2006389"/>
+              <a:gd name="connsiteX18" fmla="*/ 5563155 w 6953944"/>
+              <a:gd name="connsiteY18" fmla="*/ 2006389 h 2006389"/>
+              <a:gd name="connsiteX19" fmla="*/ 4983660 w 6953944"/>
+              <a:gd name="connsiteY19" fmla="*/ 2006389 h 2006389"/>
+              <a:gd name="connsiteX20" fmla="*/ 4265086 w 6953944"/>
+              <a:gd name="connsiteY20" fmla="*/ 2006389 h 2006389"/>
+              <a:gd name="connsiteX21" fmla="*/ 3755130 w 6953944"/>
+              <a:gd name="connsiteY21" fmla="*/ 2006389 h 2006389"/>
+              <a:gd name="connsiteX22" fmla="*/ 3245174 w 6953944"/>
+              <a:gd name="connsiteY22" fmla="*/ 2006389 h 2006389"/>
+              <a:gd name="connsiteX23" fmla="*/ 2665679 w 6953944"/>
+              <a:gd name="connsiteY23" fmla="*/ 2006389 h 2006389"/>
+              <a:gd name="connsiteX24" fmla="*/ 2294802 w 6953944"/>
+              <a:gd name="connsiteY24" fmla="*/ 2006389 h 2006389"/>
+              <a:gd name="connsiteX25" fmla="*/ 1784846 w 6953944"/>
+              <a:gd name="connsiteY25" fmla="*/ 2006389 h 2006389"/>
+              <a:gd name="connsiteX26" fmla="*/ 1413969 w 6953944"/>
+              <a:gd name="connsiteY26" fmla="*/ 2006389 h 2006389"/>
+              <a:gd name="connsiteX27" fmla="*/ 904013 w 6953944"/>
+              <a:gd name="connsiteY27" fmla="*/ 2006389 h 2006389"/>
+              <a:gd name="connsiteX28" fmla="*/ 533136 w 6953944"/>
+              <a:gd name="connsiteY28" fmla="*/ 2006389 h 2006389"/>
+              <a:gd name="connsiteX29" fmla="*/ 0 w 6953944"/>
+              <a:gd name="connsiteY29" fmla="*/ 2006389 h 2006389"/>
+              <a:gd name="connsiteX30" fmla="*/ 0 w 6953944"/>
+              <a:gd name="connsiteY30" fmla="*/ 1564983 h 2006389"/>
+              <a:gd name="connsiteX31" fmla="*/ 0 w 6953944"/>
+              <a:gd name="connsiteY31" fmla="*/ 1083450 h 2006389"/>
+              <a:gd name="connsiteX32" fmla="*/ 0 w 6953944"/>
+              <a:gd name="connsiteY32" fmla="*/ 621981 h 2006389"/>
+              <a:gd name="connsiteX33" fmla="*/ 0 w 6953944"/>
+              <a:gd name="connsiteY33" fmla="*/ 0 h 2006389"/>
+            </a:gdLst>
+            <a:ahLst/>
+            <a:cxnLst>
+              <a:cxn ang="0">
+                <a:pos x="connsiteX0" y="connsiteY0"/>
+              </a:cxn>
+              <a:cxn ang="0">
+                <a:pos x="connsiteX1" y="connsiteY1"/>
+              </a:cxn>
+              <a:cxn ang="0">
+                <a:pos x="connsiteX2" y="connsiteY2"/>
+              </a:cxn>
+              <a:cxn ang="0">
+                <a:pos x="connsiteX3" y="connsiteY3"/>
+              </a:cxn>
+              <a:cxn ang="0">
+                <a:pos x="connsiteX4" y="connsiteY4"/>
+              </a:cxn>
+              <a:cxn ang="0">
+                <a:pos x="connsiteX5" y="connsiteY5"/>
+              </a:cxn>
+              <a:cxn ang="0">
+                <a:pos x="connsiteX6" y="connsiteY6"/>
+              </a:cxn>
+              <a:cxn ang="0">
+                <a:pos x="connsiteX7" y="connsiteY7"/>
+              </a:cxn>
+              <a:cxn ang="0">
+                <a:pos x="connsiteX8" y="connsiteY8"/>
+              </a:cxn>
+              <a:cxn ang="0">
+                <a:pos x="connsiteX9" y="connsiteY9"/>
+              </a:cxn>
+              <a:cxn ang="0">
+                <a:pos x="connsiteX10" y="connsiteY10"/>
+              </a:cxn>
+              <a:cxn ang="0">
+                <a:pos x="connsiteX11" y="connsiteY11"/>
+              </a:cxn>
+              <a:cxn ang="0">
+                <a:pos x="connsiteX12" y="connsiteY12"/>
+              </a:cxn>
+              <a:cxn ang="0">
+                <a:pos x="connsiteX13" y="connsiteY13"/>
+              </a:cxn>
+              <a:cxn ang="0">
+                <a:pos x="connsiteX14" y="connsiteY14"/>
+              </a:cxn>
+              <a:cxn ang="0">
+                <a:pos x="connsiteX15" y="connsiteY15"/>
+              </a:cxn>
+              <a:cxn ang="0">
+                <a:pos x="connsiteX16" y="connsiteY16"/>
+              </a:cxn>
+              <a:cxn ang="0">
+                <a:pos x="connsiteX17" y="connsiteY17"/>
+              </a:cxn>
+              <a:cxn ang="0">
+                <a:pos x="connsiteX18" y="connsiteY18"/>
+              </a:cxn>
+              <a:cxn ang="0">
+                <a:pos x="connsiteX19" y="connsiteY19"/>
+              </a:cxn>
+              <a:cxn ang="0">
+                <a:pos x="connsiteX20" y="connsiteY20"/>
+              </a:cxn>
+              <a:cxn ang="0">
+                <a:pos x="connsiteX21" y="connsiteY21"/>
+              </a:cxn>
+              <a:cxn ang="0">
+                <a:pos x="connsiteX22" y="connsiteY22"/>
+              </a:cxn>
+              <a:cxn ang="0">
+                <a:pos x="connsiteX23" y="connsiteY23"/>
+              </a:cxn>
+              <a:cxn ang="0">
+                <a:pos x="connsiteX24" y="connsiteY24"/>
+              </a:cxn>
+              <a:cxn ang="0">
+                <a:pos x="connsiteX25" y="connsiteY25"/>
+              </a:cxn>
+              <a:cxn ang="0">
+                <a:pos x="connsiteX26" y="connsiteY26"/>
+              </a:cxn>
+              <a:cxn ang="0">
+                <a:pos x="connsiteX27" y="connsiteY27"/>
+              </a:cxn>
+              <a:cxn ang="0">
+                <a:pos x="connsiteX28" y="connsiteY28"/>
+              </a:cxn>
+              <a:cxn ang="0">
+                <a:pos x="connsiteX29" y="connsiteY29"/>
+              </a:cxn>
+              <a:cxn ang="0">
+                <a:pos x="connsiteX30" y="connsiteY30"/>
+              </a:cxn>
+              <a:cxn ang="0">
+                <a:pos x="connsiteX31" y="connsiteY31"/>
+              </a:cxn>
+              <a:cxn ang="0">
+                <a:pos x="connsiteX32" y="connsiteY32"/>
+              </a:cxn>
+              <a:cxn ang="0">
+                <a:pos x="connsiteX33" y="connsiteY33"/>
+              </a:cxn>
+            </a:cxnLst>
+            <a:rect l="l" t="t" r="r" b="b"/>
+            <a:pathLst>
+              <a:path w="6953944" h="2006389" fill="none" extrusionOk="0">
+                <a:moveTo>
+                  <a:pt x="0" y="0"/>
+                </a:moveTo>
+                <a:cubicBezTo>
+                  <a:pt x="196469" y="-23656"/>
+                  <a:pt x="369081" y="60290"/>
+                  <a:pt x="649035" y="0"/>
+                </a:cubicBezTo>
+                <a:cubicBezTo>
+                  <a:pt x="928989" y="-60290"/>
+                  <a:pt x="964358" y="56312"/>
+                  <a:pt x="1228530" y="0"/>
+                </a:cubicBezTo>
+                <a:cubicBezTo>
+                  <a:pt x="1492702" y="-56312"/>
+                  <a:pt x="1530102" y="16193"/>
+                  <a:pt x="1668947" y="0"/>
+                </a:cubicBezTo>
+                <a:cubicBezTo>
+                  <a:pt x="1807792" y="-16193"/>
+                  <a:pt x="1972573" y="63894"/>
+                  <a:pt x="2248442" y="0"/>
+                </a:cubicBezTo>
+                <a:cubicBezTo>
+                  <a:pt x="2524312" y="-63894"/>
+                  <a:pt x="2815561" y="24503"/>
+                  <a:pt x="2967016" y="0"/>
+                </a:cubicBezTo>
+                <a:cubicBezTo>
+                  <a:pt x="3118471" y="-24503"/>
+                  <a:pt x="3286849" y="47428"/>
+                  <a:pt x="3476972" y="0"/>
+                </a:cubicBezTo>
+                <a:cubicBezTo>
+                  <a:pt x="3667095" y="-47428"/>
+                  <a:pt x="3892130" y="21229"/>
+                  <a:pt x="4126007" y="0"/>
+                </a:cubicBezTo>
+                <a:cubicBezTo>
+                  <a:pt x="4359885" y="-21229"/>
+                  <a:pt x="4488676" y="25355"/>
+                  <a:pt x="4635963" y="0"/>
+                </a:cubicBezTo>
+                <a:cubicBezTo>
+                  <a:pt x="4783250" y="-25355"/>
+                  <a:pt x="5147248" y="931"/>
+                  <a:pt x="5354537" y="0"/>
+                </a:cubicBezTo>
+                <a:cubicBezTo>
+                  <a:pt x="5561826" y="-931"/>
+                  <a:pt x="5722688" y="73678"/>
+                  <a:pt x="6073111" y="0"/>
+                </a:cubicBezTo>
+                <a:cubicBezTo>
+                  <a:pt x="6423534" y="-73678"/>
+                  <a:pt x="6757954" y="87881"/>
+                  <a:pt x="6953944" y="0"/>
+                </a:cubicBezTo>
+                <a:cubicBezTo>
+                  <a:pt x="6975259" y="256233"/>
+                  <a:pt x="6934235" y="273256"/>
+                  <a:pt x="6953944" y="521661"/>
+                </a:cubicBezTo>
+                <a:cubicBezTo>
+                  <a:pt x="6973653" y="770066"/>
+                  <a:pt x="6906094" y="864801"/>
+                  <a:pt x="6953944" y="1063386"/>
+                </a:cubicBezTo>
+                <a:cubicBezTo>
+                  <a:pt x="7001794" y="1261971"/>
+                  <a:pt x="6925877" y="1325506"/>
+                  <a:pt x="6953944" y="1544920"/>
+                </a:cubicBezTo>
+                <a:cubicBezTo>
+                  <a:pt x="6982011" y="1764334"/>
+                  <a:pt x="6923000" y="1848951"/>
+                  <a:pt x="6953944" y="2006389"/>
+                </a:cubicBezTo>
+                <a:cubicBezTo>
+                  <a:pt x="6749421" y="2080287"/>
+                  <a:pt x="6450763" y="1962083"/>
+                  <a:pt x="6304909" y="2006389"/>
+                </a:cubicBezTo>
+                <a:cubicBezTo>
+                  <a:pt x="6159055" y="2050695"/>
+                  <a:pt x="6078588" y="2004949"/>
+                  <a:pt x="5934032" y="2006389"/>
+                </a:cubicBezTo>
+                <a:cubicBezTo>
+                  <a:pt x="5789476" y="2007829"/>
+                  <a:pt x="5706566" y="1970919"/>
+                  <a:pt x="5563155" y="2006389"/>
+                </a:cubicBezTo>
+                <a:cubicBezTo>
+                  <a:pt x="5419744" y="2041859"/>
+                  <a:pt x="5114234" y="1952807"/>
+                  <a:pt x="4983660" y="2006389"/>
+                </a:cubicBezTo>
+                <a:cubicBezTo>
+                  <a:pt x="4853086" y="2059971"/>
+                  <a:pt x="4623971" y="1952359"/>
+                  <a:pt x="4265086" y="2006389"/>
+                </a:cubicBezTo>
+                <a:cubicBezTo>
+                  <a:pt x="3906201" y="2060419"/>
+                  <a:pt x="3901332" y="1962367"/>
+                  <a:pt x="3755130" y="2006389"/>
+                </a:cubicBezTo>
+                <a:cubicBezTo>
+                  <a:pt x="3608928" y="2050411"/>
+                  <a:pt x="3461282" y="2000682"/>
+                  <a:pt x="3245174" y="2006389"/>
+                </a:cubicBezTo>
+                <a:cubicBezTo>
+                  <a:pt x="3029066" y="2012096"/>
+                  <a:pt x="2850432" y="2004871"/>
+                  <a:pt x="2665679" y="2006389"/>
+                </a:cubicBezTo>
+                <a:cubicBezTo>
+                  <a:pt x="2480927" y="2007907"/>
+                  <a:pt x="2403114" y="1965839"/>
+                  <a:pt x="2294802" y="2006389"/>
+                </a:cubicBezTo>
+                <a:cubicBezTo>
+                  <a:pt x="2186490" y="2046939"/>
+                  <a:pt x="2029150" y="1995380"/>
+                  <a:pt x="1784846" y="2006389"/>
+                </a:cubicBezTo>
+                <a:cubicBezTo>
+                  <a:pt x="1540542" y="2017398"/>
+                  <a:pt x="1509611" y="1993947"/>
+                  <a:pt x="1413969" y="2006389"/>
+                </a:cubicBezTo>
+                <a:cubicBezTo>
+                  <a:pt x="1318327" y="2018831"/>
+                  <a:pt x="1067284" y="1954204"/>
+                  <a:pt x="904013" y="2006389"/>
+                </a:cubicBezTo>
+                <a:cubicBezTo>
+                  <a:pt x="740742" y="2058574"/>
+                  <a:pt x="624665" y="1991442"/>
+                  <a:pt x="533136" y="2006389"/>
+                </a:cubicBezTo>
+                <a:cubicBezTo>
+                  <a:pt x="441607" y="2021336"/>
+                  <a:pt x="222104" y="1983171"/>
+                  <a:pt x="0" y="2006389"/>
+                </a:cubicBezTo>
+                <a:cubicBezTo>
+                  <a:pt x="-15175" y="1894854"/>
+                  <a:pt x="5366" y="1774149"/>
+                  <a:pt x="0" y="1564983"/>
+                </a:cubicBezTo>
+                <a:cubicBezTo>
+                  <a:pt x="-5366" y="1355817"/>
+                  <a:pt x="39989" y="1284310"/>
+                  <a:pt x="0" y="1083450"/>
+                </a:cubicBezTo>
+                <a:cubicBezTo>
+                  <a:pt x="-39989" y="882590"/>
+                  <a:pt x="19784" y="740074"/>
+                  <a:pt x="0" y="621981"/>
+                </a:cubicBezTo>
+                <a:cubicBezTo>
+                  <a:pt x="-19784" y="503888"/>
+                  <a:pt x="19869" y="168646"/>
+                  <a:pt x="0" y="0"/>
+                </a:cubicBezTo>
+                <a:close/>
+              </a:path>
+              <a:path w="6953944" h="2006389" stroke="0" extrusionOk="0">
+                <a:moveTo>
+                  <a:pt x="0" y="0"/>
+                </a:moveTo>
+                <a:cubicBezTo>
+                  <a:pt x="79906" y="-13770"/>
+                  <a:pt x="262315" y="21454"/>
+                  <a:pt x="370877" y="0"/>
+                </a:cubicBezTo>
+                <a:cubicBezTo>
+                  <a:pt x="479439" y="-21454"/>
+                  <a:pt x="865823" y="23890"/>
+                  <a:pt x="1089451" y="0"/>
+                </a:cubicBezTo>
+                <a:cubicBezTo>
+                  <a:pt x="1313079" y="-23890"/>
+                  <a:pt x="1493614" y="15500"/>
+                  <a:pt x="1808025" y="0"/>
+                </a:cubicBezTo>
+                <a:cubicBezTo>
+                  <a:pt x="2122436" y="-15500"/>
+                  <a:pt x="2168567" y="12438"/>
+                  <a:pt x="2457060" y="0"/>
+                </a:cubicBezTo>
+                <a:cubicBezTo>
+                  <a:pt x="2745554" y="-12438"/>
+                  <a:pt x="2696032" y="31065"/>
+                  <a:pt x="2827937" y="0"/>
+                </a:cubicBezTo>
+                <a:cubicBezTo>
+                  <a:pt x="2959842" y="-31065"/>
+                  <a:pt x="3155815" y="66003"/>
+                  <a:pt x="3407433" y="0"/>
+                </a:cubicBezTo>
+                <a:cubicBezTo>
+                  <a:pt x="3659051" y="-66003"/>
+                  <a:pt x="3950067" y="77291"/>
+                  <a:pt x="4126007" y="0"/>
+                </a:cubicBezTo>
+                <a:cubicBezTo>
+                  <a:pt x="4301947" y="-77291"/>
+                  <a:pt x="4650471" y="73788"/>
+                  <a:pt x="4844581" y="0"/>
+                </a:cubicBezTo>
+                <a:cubicBezTo>
+                  <a:pt x="5038691" y="-73788"/>
+                  <a:pt x="5125543" y="27652"/>
+                  <a:pt x="5215458" y="0"/>
+                </a:cubicBezTo>
+                <a:cubicBezTo>
+                  <a:pt x="5305373" y="-27652"/>
+                  <a:pt x="5438859" y="23359"/>
+                  <a:pt x="5655874" y="0"/>
+                </a:cubicBezTo>
+                <a:cubicBezTo>
+                  <a:pt x="5872889" y="-23359"/>
+                  <a:pt x="6163158" y="48197"/>
+                  <a:pt x="6374449" y="0"/>
+                </a:cubicBezTo>
+                <a:cubicBezTo>
+                  <a:pt x="6585740" y="-48197"/>
+                  <a:pt x="6731826" y="38830"/>
+                  <a:pt x="6953944" y="0"/>
+                </a:cubicBezTo>
+                <a:cubicBezTo>
+                  <a:pt x="6956712" y="145293"/>
+                  <a:pt x="6918866" y="344727"/>
+                  <a:pt x="6953944" y="521661"/>
+                </a:cubicBezTo>
+                <a:cubicBezTo>
+                  <a:pt x="6989022" y="698595"/>
+                  <a:pt x="6900363" y="870047"/>
+                  <a:pt x="6953944" y="1023258"/>
+                </a:cubicBezTo>
+                <a:cubicBezTo>
+                  <a:pt x="7007525" y="1176469"/>
+                  <a:pt x="6925040" y="1377856"/>
+                  <a:pt x="6953944" y="1484728"/>
+                </a:cubicBezTo>
+                <a:cubicBezTo>
+                  <a:pt x="6982848" y="1591600"/>
+                  <a:pt x="6944466" y="1794858"/>
+                  <a:pt x="6953944" y="2006389"/>
+                </a:cubicBezTo>
+                <a:cubicBezTo>
+                  <a:pt x="6749149" y="2014068"/>
+                  <a:pt x="6636800" y="1957009"/>
+                  <a:pt x="6513528" y="2006389"/>
+                </a:cubicBezTo>
+                <a:cubicBezTo>
+                  <a:pt x="6390256" y="2055769"/>
+                  <a:pt x="5987400" y="1930910"/>
+                  <a:pt x="5794953" y="2006389"/>
+                </a:cubicBezTo>
+                <a:cubicBezTo>
+                  <a:pt x="5602506" y="2081868"/>
+                  <a:pt x="5550699" y="1987198"/>
+                  <a:pt x="5424076" y="2006389"/>
+                </a:cubicBezTo>
+                <a:cubicBezTo>
+                  <a:pt x="5297453" y="2025580"/>
+                  <a:pt x="5012697" y="2003507"/>
+                  <a:pt x="4705502" y="2006389"/>
+                </a:cubicBezTo>
+                <a:cubicBezTo>
+                  <a:pt x="4398307" y="2009271"/>
+                  <a:pt x="4308611" y="1979890"/>
+                  <a:pt x="4056467" y="2006389"/>
+                </a:cubicBezTo>
+                <a:cubicBezTo>
+                  <a:pt x="3804324" y="2032888"/>
+                  <a:pt x="3775917" y="1977411"/>
+                  <a:pt x="3616051" y="2006389"/>
+                </a:cubicBezTo>
+                <a:cubicBezTo>
+                  <a:pt x="3456185" y="2035367"/>
+                  <a:pt x="3194705" y="1970203"/>
+                  <a:pt x="3036556" y="2006389"/>
+                </a:cubicBezTo>
+                <a:cubicBezTo>
+                  <a:pt x="2878408" y="2042575"/>
+                  <a:pt x="2770239" y="1988542"/>
+                  <a:pt x="2665679" y="2006389"/>
+                </a:cubicBezTo>
+                <a:cubicBezTo>
+                  <a:pt x="2561119" y="2024236"/>
+                  <a:pt x="2446302" y="1997799"/>
+                  <a:pt x="2294802" y="2006389"/>
+                </a:cubicBezTo>
+                <a:cubicBezTo>
+                  <a:pt x="2143302" y="2014979"/>
+                  <a:pt x="2092131" y="1965472"/>
+                  <a:pt x="1923925" y="2006389"/>
+                </a:cubicBezTo>
+                <a:cubicBezTo>
+                  <a:pt x="1755719" y="2047306"/>
+                  <a:pt x="1528507" y="1926330"/>
+                  <a:pt x="1205350" y="2006389"/>
+                </a:cubicBezTo>
+                <a:cubicBezTo>
+                  <a:pt x="882194" y="2086448"/>
+                  <a:pt x="959066" y="1987293"/>
+                  <a:pt x="834473" y="2006389"/>
+                </a:cubicBezTo>
+                <a:cubicBezTo>
+                  <a:pt x="709880" y="2025485"/>
+                  <a:pt x="331995" y="1915495"/>
+                  <a:pt x="0" y="2006389"/>
+                </a:cubicBezTo>
+                <a:cubicBezTo>
+                  <a:pt x="-48231" y="1874892"/>
+                  <a:pt x="33707" y="1608101"/>
+                  <a:pt x="0" y="1504792"/>
+                </a:cubicBezTo>
+                <a:cubicBezTo>
+                  <a:pt x="-33707" y="1401483"/>
+                  <a:pt x="6888" y="1152744"/>
+                  <a:pt x="0" y="1003195"/>
+                </a:cubicBezTo>
+                <a:cubicBezTo>
+                  <a:pt x="-6888" y="853646"/>
+                  <a:pt x="31935" y="668142"/>
+                  <a:pt x="0" y="501597"/>
+                </a:cubicBezTo>
+                <a:cubicBezTo>
+                  <a:pt x="-31935" y="335052"/>
+                  <a:pt x="26345" y="218295"/>
+                  <a:pt x="0" y="0"/>
+                </a:cubicBezTo>
+                <a:close/>
+              </a:path>
+            </a:pathLst>
+          </a:custGeom>
+          <a:solidFill>
+            <a:srgbClr val="FFC000"/>
+          </a:solidFill>
+          <a:ln>
+            <a:solidFill>
+              <a:schemeClr val="accent1"/>
+            </a:solidFill>
+            <a:extLst>
+              <a:ext uri="{C807C97D-BFC1-408E-A445-0C87EB9F89A2}">
+                <ask:lineSketchStyleProps xmlns:ask="http://schemas.microsoft.com/office/drawing/2018/sketchyshapes" sd="3438592488">
+                  <ask:type>
+                    <ask:lineSketchScribble/>
+                  </ask:type>
+                </ask:lineSketchStyleProps>
+              </a:ext>
+            </a:extLst>
+          </a:ln>
+        </p:spPr>
+        <p:txBody>
+          <a:bodyPr>
+            <a:normAutofit/>
+          </a:bodyPr>
+          <a:lstStyle/>
+          <a:p>
+            <a:pPr marL="0" indent="0" algn="ctr">
+              <a:buNone/>
+            </a:pPr>
+            <a:r>
+              <a:rPr lang="en-US" dirty="0"/>
+              <a:t>“..</a:t>
+            </a:r>
+            <a:r>
+              <a:rPr lang="en-US" sz="3000" i="1" dirty="0"/>
+              <a:t>portions of the industry may not be participating in NMOP and thus the resulting document could be heavily skewed toward an IETF specific viewpoint</a:t>
+            </a:r>
+            <a:r>
+              <a:rPr lang="en-US" dirty="0"/>
+              <a:t>.”</a:t>
+            </a:r>
+            <a:endParaRPr lang="fr-FR" dirty="0"/>
+          </a:p>
+        </p:txBody>
+      </p:sp>
+      <p:sp>
+        <p:nvSpPr>
+          <p:cNvPr id="4" name="Espace réservé du contenu 2">
+            <a:extLst>
+              <a:ext uri="{FF2B5EF4-FFF2-40B4-BE49-F238E27FC236}">
+                <a16:creationId xmlns:a16="http://schemas.microsoft.com/office/drawing/2014/main" id="{3FFBB414-1F34-54C0-B391-6CF97D8E68C2}"/>
+              </a:ext>
+            </a:extLst>
+          </p:cNvPr>
+          <p:cNvSpPr txBox="1">
+            <a:spLocks/>
+          </p:cNvSpPr>
+          <p:nvPr/>
+        </p:nvSpPr>
+        <p:spPr>
+          <a:xfrm>
+            <a:off x="457200" y="2420888"/>
+            <a:ext cx="8507288" cy="3888432"/>
+          </a:xfrm>
+          <a:prstGeom prst="rect">
+            <a:avLst/>
+          </a:prstGeom>
+        </p:spPr>
+        <p:txBody>
+          <a:bodyPr vert="horz" lIns="91440" tIns="45720" rIns="91440" bIns="45720" rtlCol="0">
+            <a:normAutofit fontScale="85000" lnSpcReduction="20000"/>
+          </a:bodyPr>
+          <a:lstStyle>
+            <a:lvl1pPr marL="342900" indent="-342900" algn="l" defTabSz="914400" rtl="0" eaLnBrk="1" latinLnBrk="0" hangingPunct="1">
+              <a:spcBef>
+                <a:spcPct val="20000"/>
+              </a:spcBef>
+              <a:buFont typeface="Arial" pitchFamily="34" charset="0"/>
+              <a:buChar char="•"/>
+              <a:defRPr sz="3200" kern="1200">
+                <a:solidFill>
+                  <a:schemeClr val="tx1"/>
+                </a:solidFill>
+                <a:latin typeface="+mn-lt"/>
+                <a:ea typeface="+mn-ea"/>
+                <a:cs typeface="+mn-cs"/>
+              </a:defRPr>
+            </a:lvl1pPr>
+            <a:lvl2pPr marL="742950" indent="-285750" algn="l" defTabSz="914400" rtl="0" eaLnBrk="1" latinLnBrk="0" hangingPunct="1">
+              <a:spcBef>
+                <a:spcPct val="20000"/>
+              </a:spcBef>
+              <a:buFont typeface="Arial" pitchFamily="34" charset="0"/>
+              <a:buChar char="–"/>
+              <a:defRPr sz="2800" kern="1200">
+                <a:solidFill>
+                  <a:schemeClr val="tx1"/>
+                </a:solidFill>
+                <a:latin typeface="+mn-lt"/>
+                <a:ea typeface="+mn-ea"/>
+                <a:cs typeface="+mn-cs"/>
+              </a:defRPr>
+            </a:lvl2pPr>
+            <a:lvl3pPr marL="1143000" indent="-228600" algn="l" defTabSz="914400" rtl="0" eaLnBrk="1" latinLnBrk="0" hangingPunct="1">
+              <a:spcBef>
+                <a:spcPct val="20000"/>
+              </a:spcBef>
+              <a:buFont typeface="Arial" pitchFamily="34" charset="0"/>
+              <a:buChar char="•"/>
+              <a:defRPr sz="2400" kern="1200">
+                <a:solidFill>
+                  <a:schemeClr val="tx1"/>
+                </a:solidFill>
+                <a:latin typeface="+mn-lt"/>
+                <a:ea typeface="+mn-ea"/>
+                <a:cs typeface="+mn-cs"/>
+              </a:defRPr>
+            </a:lvl3pPr>
+            <a:lvl4pPr marL="1600200" indent="-228600" algn="l" defTabSz="914400" rtl="0" eaLnBrk="1" latinLnBrk="0" hangingPunct="1">
+              <a:spcBef>
+                <a:spcPct val="20000"/>
+              </a:spcBef>
+              <a:buFont typeface="Arial" pitchFamily="34" charset="0"/>
+              <a:buChar char="–"/>
+              <a:defRPr sz="2000" kern="1200">
+                <a:solidFill>
+                  <a:schemeClr val="tx1"/>
+                </a:solidFill>
+                <a:latin typeface="+mn-lt"/>
+                <a:ea typeface="+mn-ea"/>
+                <a:cs typeface="+mn-cs"/>
+              </a:defRPr>
+            </a:lvl4pPr>
+            <a:lvl5pPr marL="2057400" indent="-228600" algn="l" defTabSz="914400" rtl="0" eaLnBrk="1" latinLnBrk="0" hangingPunct="1">
+              <a:spcBef>
+                <a:spcPct val="20000"/>
+              </a:spcBef>
+              <a:buFont typeface="Arial" pitchFamily="34" charset="0"/>
+              <a:buChar char="»"/>
+              <a:defRPr sz="2000" kern="1200">
+                <a:solidFill>
+                  <a:schemeClr val="tx1"/>
+                </a:solidFill>
+                <a:latin typeface="+mn-lt"/>
+                <a:ea typeface="+mn-ea"/>
+                <a:cs typeface="+mn-cs"/>
+              </a:defRPr>
+            </a:lvl5pPr>
+            <a:lvl6pPr marL="2514600" indent="-228600" algn="l" defTabSz="914400" rtl="0" eaLnBrk="1" latinLnBrk="0" hangingPunct="1">
+              <a:spcBef>
+                <a:spcPct val="20000"/>
+              </a:spcBef>
+              <a:buFont typeface="Arial" pitchFamily="34" charset="0"/>
+              <a:buChar char="•"/>
+              <a:defRPr sz="2000" kern="1200">
+                <a:solidFill>
+                  <a:schemeClr val="tx1"/>
+                </a:solidFill>
+                <a:latin typeface="+mn-lt"/>
+                <a:ea typeface="+mn-ea"/>
+                <a:cs typeface="+mn-cs"/>
+              </a:defRPr>
+            </a:lvl6pPr>
+            <a:lvl7pPr marL="2971800" indent="-228600" algn="l" defTabSz="914400" rtl="0" eaLnBrk="1" latinLnBrk="0" hangingPunct="1">
+              <a:spcBef>
+                <a:spcPct val="20000"/>
+              </a:spcBef>
+              <a:buFont typeface="Arial" pitchFamily="34" charset="0"/>
+              <a:buChar char="•"/>
+              <a:defRPr sz="2000" kern="1200">
+                <a:solidFill>
+                  <a:schemeClr val="tx1"/>
+                </a:solidFill>
+                <a:latin typeface="+mn-lt"/>
+                <a:ea typeface="+mn-ea"/>
+                <a:cs typeface="+mn-cs"/>
+              </a:defRPr>
+            </a:lvl7pPr>
+            <a:lvl8pPr marL="3429000" indent="-228600" algn="l" defTabSz="914400" rtl="0" eaLnBrk="1" latinLnBrk="0" hangingPunct="1">
+              <a:spcBef>
+                <a:spcPct val="20000"/>
+              </a:spcBef>
+              <a:buFont typeface="Arial" pitchFamily="34" charset="0"/>
+              <a:buChar char="•"/>
+              <a:defRPr sz="2000" kern="1200">
+                <a:solidFill>
+                  <a:schemeClr val="tx1"/>
+                </a:solidFill>
+                <a:latin typeface="+mn-lt"/>
+                <a:ea typeface="+mn-ea"/>
+                <a:cs typeface="+mn-cs"/>
+              </a:defRPr>
+            </a:lvl8pPr>
+            <a:lvl9pPr marL="3886200" indent="-228600" algn="l" defTabSz="914400" rtl="0" eaLnBrk="1" latinLnBrk="0" hangingPunct="1">
+              <a:spcBef>
+                <a:spcPct val="20000"/>
+              </a:spcBef>
+              <a:buFont typeface="Arial" pitchFamily="34" charset="0"/>
+              <a:buChar char="•"/>
+              <a:defRPr sz="2000" kern="1200">
+                <a:solidFill>
+                  <a:schemeClr val="tx1"/>
+                </a:solidFill>
+                <a:latin typeface="+mn-lt"/>
+                <a:ea typeface="+mn-ea"/>
+                <a:cs typeface="+mn-cs"/>
+              </a:defRPr>
+            </a:lvl9pPr>
+          </a:lstStyle>
+          <a:p>
+            <a:r>
+              <a:rPr lang="en-US" sz="2800" dirty="0"/>
+              <a:t>Remember that RFC3535 only reflected the consensus of the very few operators present in the room</a:t>
+            </a:r>
+          </a:p>
+          <a:p>
+            <a:endParaRPr lang="en-US" sz="2800" dirty="0"/>
+          </a:p>
+          <a:p>
+            <a:r>
+              <a:rPr lang="en-US" sz="2800" dirty="0"/>
+              <a:t>A </a:t>
+            </a:r>
+            <a:r>
+              <a:rPr lang="en-US" sz="2800" b="1" i="1" dirty="0">
+                <a:solidFill>
+                  <a:srgbClr val="00B0F0"/>
+                </a:solidFill>
+              </a:rPr>
+              <a:t>more inclusive approach </a:t>
+            </a:r>
+            <a:r>
+              <a:rPr lang="en-US" sz="2800" dirty="0"/>
+              <a:t>is followed here:</a:t>
+            </a:r>
+          </a:p>
+          <a:p>
+            <a:pPr lvl="1"/>
+            <a:r>
+              <a:rPr lang="en-US" sz="2400" dirty="0"/>
+              <a:t>Capture requirements from operators participating in NMOP</a:t>
+            </a:r>
+          </a:p>
+          <a:p>
+            <a:pPr lvl="1"/>
+            <a:r>
+              <a:rPr lang="en-US" sz="2400" dirty="0"/>
+              <a:t>Extract requirements from </a:t>
+            </a:r>
+            <a:r>
+              <a:rPr lang="en-US" sz="2400" b="1" i="1" dirty="0"/>
+              <a:t>all papers </a:t>
+            </a:r>
+            <a:r>
+              <a:rPr lang="en-US" sz="2400" dirty="0"/>
+              <a:t>submitted to NEMOPS</a:t>
+            </a:r>
+          </a:p>
+          <a:p>
+            <a:pPr lvl="1"/>
+            <a:r>
+              <a:rPr lang="en-US" sz="2400" dirty="0"/>
+              <a:t>Extract requirements </a:t>
+            </a:r>
+            <a:r>
+              <a:rPr lang="en-US" sz="2400" b="1" i="1" dirty="0"/>
+              <a:t>voiced in other venues </a:t>
+            </a:r>
+            <a:r>
+              <a:rPr lang="en-US" sz="2400" dirty="0"/>
+              <a:t>(outreach events/surveys) than the IETF</a:t>
+            </a:r>
+          </a:p>
+          <a:p>
+            <a:pPr lvl="1"/>
+            <a:r>
+              <a:rPr lang="en-US" sz="2400" dirty="0"/>
+              <a:t>Public disclosure of all operators’ assessments</a:t>
+            </a:r>
+          </a:p>
+          <a:p>
+            <a:endParaRPr lang="en-US" sz="2800" dirty="0"/>
+          </a:p>
+          <a:p>
+            <a:r>
+              <a:rPr lang="en-US" sz="2800" dirty="0"/>
+              <a:t>All data is publicly available:  </a:t>
+            </a:r>
+            <a:r>
+              <a:rPr lang="en-US" sz="2800" dirty="0">
+                <a:hlinkClick r:id="rId2"/>
+              </a:rPr>
+              <a:t>Source</a:t>
+            </a:r>
+            <a:endParaRPr lang="en-US" sz="2400" dirty="0"/>
+          </a:p>
+          <a:p>
+            <a:pPr marL="457200" lvl="1" indent="0">
+              <a:buNone/>
+            </a:pPr>
+            <a:endParaRPr lang="en-US" sz="2400" dirty="0"/>
+          </a:p>
+          <a:p>
+            <a:endParaRPr lang="en-US" sz="2800" dirty="0"/>
+          </a:p>
+          <a:p>
+            <a:endParaRPr lang="en-US" sz="2800" dirty="0"/>
+          </a:p>
+          <a:p>
+            <a:pPr marL="0" indent="0">
+              <a:buNone/>
+            </a:pPr>
+            <a:endParaRPr lang="en-US" sz="2800" dirty="0"/>
+          </a:p>
+          <a:p>
+            <a:endParaRPr lang="en-US" sz="2800" dirty="0"/>
+          </a:p>
+        </p:txBody>
+      </p:sp>
+    </p:spTree>
+    <p:extLst>
+      <p:ext uri="{BB962C8B-B14F-4D97-AF65-F5344CB8AC3E}">
+        <p14:creationId xmlns:p14="http://schemas.microsoft.com/office/powerpoint/2010/main" val="401361273"/>
+      </p:ext>
+    </p:extLst>
+  </p:cSld>
+  <p:clrMapOvr>
+    <a:masterClrMapping/>
+  </p:clrMapOvr>
+</p:sld>
+</file>
+
+<file path=ppt/slides/slide7.xml><?xml version="1.0" encoding="utf-8"?>
+<p:sld xmlns:a="http://schemas.openxmlformats.org/drawingml/2006/main" xmlns:r="http://schemas.openxmlformats.org/officeDocument/2006/relationships" xmlns:p="http://schemas.openxmlformats.org/presentationml/2006/main">
+  <p:cSld>
+    <p:spTree>
+      <p:nvGrpSpPr>
+        <p:cNvPr id="1" name=""/>
+        <p:cNvGrpSpPr/>
+        <p:nvPr/>
+      </p:nvGrpSpPr>
+      <p:grpSpPr>
+        <a:xfrm>
+          <a:off x="0" y="0"/>
+          <a:ext cx="0" cy="0"/>
+          <a:chOff x="0" y="0"/>
+          <a:chExt cx="0" cy="0"/>
+        </a:xfrm>
+      </p:grpSpPr>
+      <p:sp>
+        <p:nvSpPr>
+          <p:cNvPr id="2" name="Titre 1">
+            <a:extLst>
+              <a:ext uri="{FF2B5EF4-FFF2-40B4-BE49-F238E27FC236}">
+                <a16:creationId xmlns:a16="http://schemas.microsoft.com/office/drawing/2014/main" id="{7C4C9084-F503-493C-BE78-19794A68622F}"/>
+              </a:ext>
+            </a:extLst>
+          </p:cNvPr>
+          <p:cNvSpPr>
+            <a:spLocks noGrp="1"/>
+          </p:cNvSpPr>
+          <p:nvPr>
+            <p:ph type="title"/>
+          </p:nvPr>
+        </p:nvSpPr>
+        <p:spPr/>
+        <p:txBody>
+          <a:bodyPr>
+            <a:noAutofit/>
+          </a:bodyPr>
+          <a:lstStyle/>
+          <a:p>
+            <a:r>
+              <a:rPr lang="fr-FR" sz="4000" dirty="0" err="1"/>
+              <a:t>Sample</a:t>
+            </a:r>
+            <a:r>
+              <a:rPr lang="fr-FR" sz="4000" dirty="0"/>
+              <a:t> </a:t>
+            </a:r>
+            <a:r>
+              <a:rPr lang="fr-FR" sz="4000" dirty="0" err="1"/>
+              <a:t>Requirements</a:t>
+            </a:r>
+            <a:r>
+              <a:rPr lang="fr-FR" sz="4000" dirty="0"/>
+              <a:t> </a:t>
+            </a:r>
+            <a:r>
+              <a:rPr lang="fr-FR" sz="4000" dirty="0" err="1"/>
+              <a:t>from</a:t>
+            </a:r>
+            <a:r>
+              <a:rPr lang="fr-FR" sz="4000" dirty="0"/>
+              <a:t> </a:t>
+            </a:r>
+            <a:r>
+              <a:rPr lang="fr-FR" sz="4000" dirty="0" err="1"/>
+              <a:t>outside</a:t>
+            </a:r>
+            <a:r>
+              <a:rPr lang="fr-FR" sz="4000" dirty="0"/>
+              <a:t> IETF</a:t>
+            </a:r>
           </a:p>
         </p:txBody>
       </p:sp>
       <p:pic>
         <p:nvPicPr>
-          <p:cNvPr id="4" name="Image 3">
+          <p:cNvPr id="5" name="Image 4">
             <a:extLst>
               <a:ext uri="{FF2B5EF4-FFF2-40B4-BE49-F238E27FC236}">
-                <a16:creationId xmlns:a16="http://schemas.microsoft.com/office/drawing/2014/main" id="{42C9B35C-22B9-3AFD-9B67-524917E3A271}"/>
+                <a16:creationId xmlns:a16="http://schemas.microsoft.com/office/drawing/2014/main" id="{E6E39CF5-A1C0-ADEE-B237-96C3270839B7}"/>
               </a:ext>
             </a:extLst>
           </p:cNvPr>
@@ -8183,83 +9289,111 @@
           <p:nvPr/>
         </p:nvPicPr>
         <p:blipFill>
-          <a:blip r:embed="rId3"/>
+          <a:blip r:embed="rId2"/>
           <a:stretch>
             <a:fillRect/>
           </a:stretch>
         </p:blipFill>
         <p:spPr>
           <a:xfrm>
-            <a:off x="1247743" y="3717032"/>
-            <a:ext cx="7572729" cy="1308377"/>
+            <a:off x="971600" y="1475790"/>
+            <a:ext cx="8006593" cy="5224700"/>
           </a:xfrm>
           <a:custGeom>
             <a:avLst/>
             <a:gdLst>
-              <a:gd name="connsiteX0" fmla="*/ 0 w 7572729"/>
-              <a:gd name="connsiteY0" fmla="*/ 0 h 1308377"/>
-              <a:gd name="connsiteX1" fmla="*/ 582518 w 7572729"/>
-              <a:gd name="connsiteY1" fmla="*/ 0 h 1308377"/>
-              <a:gd name="connsiteX2" fmla="*/ 1165035 w 7572729"/>
-              <a:gd name="connsiteY2" fmla="*/ 0 h 1308377"/>
-              <a:gd name="connsiteX3" fmla="*/ 1823280 w 7572729"/>
-              <a:gd name="connsiteY3" fmla="*/ 0 h 1308377"/>
-              <a:gd name="connsiteX4" fmla="*/ 2481525 w 7572729"/>
-              <a:gd name="connsiteY4" fmla="*/ 0 h 1308377"/>
-              <a:gd name="connsiteX5" fmla="*/ 2836861 w 7572729"/>
-              <a:gd name="connsiteY5" fmla="*/ 0 h 1308377"/>
-              <a:gd name="connsiteX6" fmla="*/ 3570833 w 7572729"/>
-              <a:gd name="connsiteY6" fmla="*/ 0 h 1308377"/>
-              <a:gd name="connsiteX7" fmla="*/ 4229078 w 7572729"/>
-              <a:gd name="connsiteY7" fmla="*/ 0 h 1308377"/>
-              <a:gd name="connsiteX8" fmla="*/ 4660141 w 7572729"/>
-              <a:gd name="connsiteY8" fmla="*/ 0 h 1308377"/>
-              <a:gd name="connsiteX9" fmla="*/ 5394113 w 7572729"/>
-              <a:gd name="connsiteY9" fmla="*/ 0 h 1308377"/>
-              <a:gd name="connsiteX10" fmla="*/ 5825176 w 7572729"/>
-              <a:gd name="connsiteY10" fmla="*/ 0 h 1308377"/>
-              <a:gd name="connsiteX11" fmla="*/ 6559148 w 7572729"/>
-              <a:gd name="connsiteY11" fmla="*/ 0 h 1308377"/>
-              <a:gd name="connsiteX12" fmla="*/ 7572729 w 7572729"/>
-              <a:gd name="connsiteY12" fmla="*/ 0 h 1308377"/>
-              <a:gd name="connsiteX13" fmla="*/ 7572729 w 7572729"/>
-              <a:gd name="connsiteY13" fmla="*/ 449209 h 1308377"/>
-              <a:gd name="connsiteX14" fmla="*/ 7572729 w 7572729"/>
-              <a:gd name="connsiteY14" fmla="*/ 885335 h 1308377"/>
-              <a:gd name="connsiteX15" fmla="*/ 7572729 w 7572729"/>
-              <a:gd name="connsiteY15" fmla="*/ 1308377 h 1308377"/>
-              <a:gd name="connsiteX16" fmla="*/ 6990211 w 7572729"/>
-              <a:gd name="connsiteY16" fmla="*/ 1308377 h 1308377"/>
-              <a:gd name="connsiteX17" fmla="*/ 6634876 w 7572729"/>
-              <a:gd name="connsiteY17" fmla="*/ 1308377 h 1308377"/>
-              <a:gd name="connsiteX18" fmla="*/ 6279540 w 7572729"/>
-              <a:gd name="connsiteY18" fmla="*/ 1308377 h 1308377"/>
-              <a:gd name="connsiteX19" fmla="*/ 5772750 w 7572729"/>
-              <a:gd name="connsiteY19" fmla="*/ 1308377 h 1308377"/>
-              <a:gd name="connsiteX20" fmla="*/ 5114505 w 7572729"/>
-              <a:gd name="connsiteY20" fmla="*/ 1308377 h 1308377"/>
-              <a:gd name="connsiteX21" fmla="*/ 4531987 w 7572729"/>
-              <a:gd name="connsiteY21" fmla="*/ 1308377 h 1308377"/>
-              <a:gd name="connsiteX22" fmla="*/ 3873742 w 7572729"/>
-              <a:gd name="connsiteY22" fmla="*/ 1308377 h 1308377"/>
-              <a:gd name="connsiteX23" fmla="*/ 3518406 w 7572729"/>
-              <a:gd name="connsiteY23" fmla="*/ 1308377 h 1308377"/>
-              <a:gd name="connsiteX24" fmla="*/ 2784434 w 7572729"/>
-              <a:gd name="connsiteY24" fmla="*/ 1308377 h 1308377"/>
-              <a:gd name="connsiteX25" fmla="*/ 2277644 w 7572729"/>
-              <a:gd name="connsiteY25" fmla="*/ 1308377 h 1308377"/>
-              <a:gd name="connsiteX26" fmla="*/ 1695126 w 7572729"/>
-              <a:gd name="connsiteY26" fmla="*/ 1308377 h 1308377"/>
-              <a:gd name="connsiteX27" fmla="*/ 961154 w 7572729"/>
-              <a:gd name="connsiteY27" fmla="*/ 1308377 h 1308377"/>
-              <a:gd name="connsiteX28" fmla="*/ 0 w 7572729"/>
-              <a:gd name="connsiteY28" fmla="*/ 1308377 h 1308377"/>
-              <a:gd name="connsiteX29" fmla="*/ 0 w 7572729"/>
-              <a:gd name="connsiteY29" fmla="*/ 911503 h 1308377"/>
-              <a:gd name="connsiteX30" fmla="*/ 0 w 7572729"/>
-              <a:gd name="connsiteY30" fmla="*/ 475377 h 1308377"/>
-              <a:gd name="connsiteX31" fmla="*/ 0 w 7572729"/>
-              <a:gd name="connsiteY31" fmla="*/ 0 h 1308377"/>
+              <a:gd name="connsiteX0" fmla="*/ 0 w 8006593"/>
+              <a:gd name="connsiteY0" fmla="*/ 0 h 5224700"/>
+              <a:gd name="connsiteX1" fmla="*/ 491834 w 8006593"/>
+              <a:gd name="connsiteY1" fmla="*/ 0 h 5224700"/>
+              <a:gd name="connsiteX2" fmla="*/ 983667 w 8006593"/>
+              <a:gd name="connsiteY2" fmla="*/ 0 h 5224700"/>
+              <a:gd name="connsiteX3" fmla="*/ 1555567 w 8006593"/>
+              <a:gd name="connsiteY3" fmla="*/ 0 h 5224700"/>
+              <a:gd name="connsiteX4" fmla="*/ 2127466 w 8006593"/>
+              <a:gd name="connsiteY4" fmla="*/ 0 h 5224700"/>
+              <a:gd name="connsiteX5" fmla="*/ 2699366 w 8006593"/>
+              <a:gd name="connsiteY5" fmla="*/ 0 h 5224700"/>
+              <a:gd name="connsiteX6" fmla="*/ 3191199 w 8006593"/>
+              <a:gd name="connsiteY6" fmla="*/ 0 h 5224700"/>
+              <a:gd name="connsiteX7" fmla="*/ 3923231 w 8006593"/>
+              <a:gd name="connsiteY7" fmla="*/ 0 h 5224700"/>
+              <a:gd name="connsiteX8" fmla="*/ 4575196 w 8006593"/>
+              <a:gd name="connsiteY8" fmla="*/ 0 h 5224700"/>
+              <a:gd name="connsiteX9" fmla="*/ 5307227 w 8006593"/>
+              <a:gd name="connsiteY9" fmla="*/ 0 h 5224700"/>
+              <a:gd name="connsiteX10" fmla="*/ 6039259 w 8006593"/>
+              <a:gd name="connsiteY10" fmla="*/ 0 h 5224700"/>
+              <a:gd name="connsiteX11" fmla="*/ 6370960 w 8006593"/>
+              <a:gd name="connsiteY11" fmla="*/ 0 h 5224700"/>
+              <a:gd name="connsiteX12" fmla="*/ 7022926 w 8006593"/>
+              <a:gd name="connsiteY12" fmla="*/ 0 h 5224700"/>
+              <a:gd name="connsiteX13" fmla="*/ 8006593 w 8006593"/>
+              <a:gd name="connsiteY13" fmla="*/ 0 h 5224700"/>
+              <a:gd name="connsiteX14" fmla="*/ 8006593 w 8006593"/>
+              <a:gd name="connsiteY14" fmla="*/ 476028 h 5224700"/>
+              <a:gd name="connsiteX15" fmla="*/ 8006593 w 8006593"/>
+              <a:gd name="connsiteY15" fmla="*/ 1108797 h 5224700"/>
+              <a:gd name="connsiteX16" fmla="*/ 8006593 w 8006593"/>
+              <a:gd name="connsiteY16" fmla="*/ 1637073 h 5224700"/>
+              <a:gd name="connsiteX17" fmla="*/ 8006593 w 8006593"/>
+              <a:gd name="connsiteY17" fmla="*/ 2217595 h 5224700"/>
+              <a:gd name="connsiteX18" fmla="*/ 8006593 w 8006593"/>
+              <a:gd name="connsiteY18" fmla="*/ 2641376 h 5224700"/>
+              <a:gd name="connsiteX19" fmla="*/ 8006593 w 8006593"/>
+              <a:gd name="connsiteY19" fmla="*/ 3169651 h 5224700"/>
+              <a:gd name="connsiteX20" fmla="*/ 8006593 w 8006593"/>
+              <a:gd name="connsiteY20" fmla="*/ 3750174 h 5224700"/>
+              <a:gd name="connsiteX21" fmla="*/ 8006593 w 8006593"/>
+              <a:gd name="connsiteY21" fmla="*/ 4278449 h 5224700"/>
+              <a:gd name="connsiteX22" fmla="*/ 8006593 w 8006593"/>
+              <a:gd name="connsiteY22" fmla="*/ 5224700 h 5224700"/>
+              <a:gd name="connsiteX23" fmla="*/ 7274562 w 8006593"/>
+              <a:gd name="connsiteY23" fmla="*/ 5224700 h 5224700"/>
+              <a:gd name="connsiteX24" fmla="*/ 6702662 w 8006593"/>
+              <a:gd name="connsiteY24" fmla="*/ 5224700 h 5224700"/>
+              <a:gd name="connsiteX25" fmla="*/ 6290895 w 8006593"/>
+              <a:gd name="connsiteY25" fmla="*/ 5224700 h 5224700"/>
+              <a:gd name="connsiteX26" fmla="*/ 5799061 w 8006593"/>
+              <a:gd name="connsiteY26" fmla="*/ 5224700 h 5224700"/>
+              <a:gd name="connsiteX27" fmla="*/ 5387293 w 8006593"/>
+              <a:gd name="connsiteY27" fmla="*/ 5224700 h 5224700"/>
+              <a:gd name="connsiteX28" fmla="*/ 4655262 w 8006593"/>
+              <a:gd name="connsiteY28" fmla="*/ 5224700 h 5224700"/>
+              <a:gd name="connsiteX29" fmla="*/ 3923231 w 8006593"/>
+              <a:gd name="connsiteY29" fmla="*/ 5224700 h 5224700"/>
+              <a:gd name="connsiteX30" fmla="*/ 3351331 w 8006593"/>
+              <a:gd name="connsiteY30" fmla="*/ 5224700 h 5224700"/>
+              <a:gd name="connsiteX31" fmla="*/ 2939563 w 8006593"/>
+              <a:gd name="connsiteY31" fmla="*/ 5224700 h 5224700"/>
+              <a:gd name="connsiteX32" fmla="*/ 2367664 w 8006593"/>
+              <a:gd name="connsiteY32" fmla="*/ 5224700 h 5224700"/>
+              <a:gd name="connsiteX33" fmla="*/ 1875830 w 8006593"/>
+              <a:gd name="connsiteY33" fmla="*/ 5224700 h 5224700"/>
+              <a:gd name="connsiteX34" fmla="*/ 1143799 w 8006593"/>
+              <a:gd name="connsiteY34" fmla="*/ 5224700 h 5224700"/>
+              <a:gd name="connsiteX35" fmla="*/ 732031 w 8006593"/>
+              <a:gd name="connsiteY35" fmla="*/ 5224700 h 5224700"/>
+              <a:gd name="connsiteX36" fmla="*/ 0 w 8006593"/>
+              <a:gd name="connsiteY36" fmla="*/ 5224700 h 5224700"/>
+              <a:gd name="connsiteX37" fmla="*/ 0 w 8006593"/>
+              <a:gd name="connsiteY37" fmla="*/ 4696425 h 5224700"/>
+              <a:gd name="connsiteX38" fmla="*/ 0 w 8006593"/>
+              <a:gd name="connsiteY38" fmla="*/ 4011409 h 5224700"/>
+              <a:gd name="connsiteX39" fmla="*/ 0 w 8006593"/>
+              <a:gd name="connsiteY39" fmla="*/ 3483133 h 5224700"/>
+              <a:gd name="connsiteX40" fmla="*/ 0 w 8006593"/>
+              <a:gd name="connsiteY40" fmla="*/ 2798117 h 5224700"/>
+              <a:gd name="connsiteX41" fmla="*/ 0 w 8006593"/>
+              <a:gd name="connsiteY41" fmla="*/ 2322089 h 5224700"/>
+              <a:gd name="connsiteX42" fmla="*/ 0 w 8006593"/>
+              <a:gd name="connsiteY42" fmla="*/ 1793814 h 5224700"/>
+              <a:gd name="connsiteX43" fmla="*/ 0 w 8006593"/>
+              <a:gd name="connsiteY43" fmla="*/ 1161044 h 5224700"/>
+              <a:gd name="connsiteX44" fmla="*/ 0 w 8006593"/>
+              <a:gd name="connsiteY44" fmla="*/ 632769 h 5224700"/>
+              <a:gd name="connsiteX45" fmla="*/ 0 w 8006593"/>
+              <a:gd name="connsiteY45" fmla="*/ 0 h 5224700"/>
             </a:gdLst>
             <a:ahLst/>
             <a:cxnLst>
@@ -8359,355 +9493,550 @@
               <a:cxn ang="0">
                 <a:pos x="connsiteX31" y="connsiteY31"/>
               </a:cxn>
+              <a:cxn ang="0">
+                <a:pos x="connsiteX32" y="connsiteY32"/>
+              </a:cxn>
+              <a:cxn ang="0">
+                <a:pos x="connsiteX33" y="connsiteY33"/>
+              </a:cxn>
+              <a:cxn ang="0">
+                <a:pos x="connsiteX34" y="connsiteY34"/>
+              </a:cxn>
+              <a:cxn ang="0">
+                <a:pos x="connsiteX35" y="connsiteY35"/>
+              </a:cxn>
+              <a:cxn ang="0">
+                <a:pos x="connsiteX36" y="connsiteY36"/>
+              </a:cxn>
+              <a:cxn ang="0">
+                <a:pos x="connsiteX37" y="connsiteY37"/>
+              </a:cxn>
+              <a:cxn ang="0">
+                <a:pos x="connsiteX38" y="connsiteY38"/>
+              </a:cxn>
+              <a:cxn ang="0">
+                <a:pos x="connsiteX39" y="connsiteY39"/>
+              </a:cxn>
+              <a:cxn ang="0">
+                <a:pos x="connsiteX40" y="connsiteY40"/>
+              </a:cxn>
+              <a:cxn ang="0">
+                <a:pos x="connsiteX41" y="connsiteY41"/>
+              </a:cxn>
+              <a:cxn ang="0">
+                <a:pos x="connsiteX42" y="connsiteY42"/>
+              </a:cxn>
+              <a:cxn ang="0">
+                <a:pos x="connsiteX43" y="connsiteY43"/>
+              </a:cxn>
+              <a:cxn ang="0">
+                <a:pos x="connsiteX44" y="connsiteY44"/>
+              </a:cxn>
+              <a:cxn ang="0">
+                <a:pos x="connsiteX45" y="connsiteY45"/>
+              </a:cxn>
             </a:cxnLst>
             <a:rect l="l" t="t" r="r" b="b"/>
             <a:pathLst>
-              <a:path w="7572729" h="1308377" fill="none" extrusionOk="0">
+              <a:path w="8006593" h="5224700" fill="none" extrusionOk="0">
                 <a:moveTo>
                   <a:pt x="0" y="0"/>
                 </a:moveTo>
                 <a:cubicBezTo>
-                  <a:pt x="141598" y="-69529"/>
-                  <a:pt x="443486" y="57003"/>
-                  <a:pt x="582518" y="0"/>
-                </a:cubicBezTo>
-                <a:cubicBezTo>
-                  <a:pt x="721550" y="-57003"/>
-                  <a:pt x="955736" y="51697"/>
-                  <a:pt x="1165035" y="0"/>
-                </a:cubicBezTo>
-                <a:cubicBezTo>
-                  <a:pt x="1374334" y="-51697"/>
-                  <a:pt x="1686340" y="22690"/>
-                  <a:pt x="1823280" y="0"/>
-                </a:cubicBezTo>
-                <a:cubicBezTo>
-                  <a:pt x="1960221" y="-22690"/>
-                  <a:pt x="2324634" y="2165"/>
-                  <a:pt x="2481525" y="0"/>
-                </a:cubicBezTo>
-                <a:cubicBezTo>
-                  <a:pt x="2638416" y="-2165"/>
-                  <a:pt x="2711616" y="15110"/>
-                  <a:pt x="2836861" y="0"/>
-                </a:cubicBezTo>
-                <a:cubicBezTo>
-                  <a:pt x="2962106" y="-15110"/>
-                  <a:pt x="3300822" y="51630"/>
-                  <a:pt x="3570833" y="0"/>
-                </a:cubicBezTo>
-                <a:cubicBezTo>
-                  <a:pt x="3840844" y="-51630"/>
-                  <a:pt x="4057161" y="49860"/>
-                  <a:pt x="4229078" y="0"/>
-                </a:cubicBezTo>
-                <a:cubicBezTo>
-                  <a:pt x="4400996" y="-49860"/>
-                  <a:pt x="4519867" y="29312"/>
-                  <a:pt x="4660141" y="0"/>
-                </a:cubicBezTo>
-                <a:cubicBezTo>
-                  <a:pt x="4800415" y="-29312"/>
-                  <a:pt x="5099131" y="5027"/>
-                  <a:pt x="5394113" y="0"/>
-                </a:cubicBezTo>
-                <a:cubicBezTo>
-                  <a:pt x="5689095" y="-5027"/>
-                  <a:pt x="5609723" y="31498"/>
-                  <a:pt x="5825176" y="0"/>
-                </a:cubicBezTo>
-                <a:cubicBezTo>
-                  <a:pt x="6040629" y="-31498"/>
-                  <a:pt x="6280708" y="82677"/>
-                  <a:pt x="6559148" y="0"/>
-                </a:cubicBezTo>
-                <a:cubicBezTo>
-                  <a:pt x="6837588" y="-82677"/>
-                  <a:pt x="7305742" y="120932"/>
-                  <a:pt x="7572729" y="0"/>
-                </a:cubicBezTo>
-                <a:cubicBezTo>
-                  <a:pt x="7573094" y="139968"/>
-                  <a:pt x="7531245" y="335904"/>
-                  <a:pt x="7572729" y="449209"/>
-                </a:cubicBezTo>
-                <a:cubicBezTo>
-                  <a:pt x="7614213" y="562514"/>
-                  <a:pt x="7558608" y="732390"/>
-                  <a:pt x="7572729" y="885335"/>
-                </a:cubicBezTo>
-                <a:cubicBezTo>
-                  <a:pt x="7586850" y="1038280"/>
-                  <a:pt x="7555957" y="1141367"/>
-                  <a:pt x="7572729" y="1308377"/>
-                </a:cubicBezTo>
-                <a:cubicBezTo>
-                  <a:pt x="7451054" y="1333166"/>
-                  <a:pt x="7201674" y="1284337"/>
-                  <a:pt x="6990211" y="1308377"/>
-                </a:cubicBezTo>
-                <a:cubicBezTo>
-                  <a:pt x="6778748" y="1332417"/>
-                  <a:pt x="6735043" y="1274634"/>
-                  <a:pt x="6634876" y="1308377"/>
-                </a:cubicBezTo>
-                <a:cubicBezTo>
-                  <a:pt x="6534709" y="1342120"/>
-                  <a:pt x="6391152" y="1265844"/>
-                  <a:pt x="6279540" y="1308377"/>
-                </a:cubicBezTo>
-                <a:cubicBezTo>
-                  <a:pt x="6167928" y="1350910"/>
-                  <a:pt x="5881669" y="1304427"/>
-                  <a:pt x="5772750" y="1308377"/>
-                </a:cubicBezTo>
-                <a:cubicBezTo>
-                  <a:pt x="5663831" y="1312327"/>
-                  <a:pt x="5272677" y="1245096"/>
-                  <a:pt x="5114505" y="1308377"/>
-                </a:cubicBezTo>
-                <a:cubicBezTo>
-                  <a:pt x="4956333" y="1371658"/>
-                  <a:pt x="4706830" y="1271901"/>
-                  <a:pt x="4531987" y="1308377"/>
-                </a:cubicBezTo>
-                <a:cubicBezTo>
-                  <a:pt x="4357144" y="1344853"/>
-                  <a:pt x="4016018" y="1266846"/>
-                  <a:pt x="3873742" y="1308377"/>
-                </a:cubicBezTo>
-                <a:cubicBezTo>
-                  <a:pt x="3731467" y="1349908"/>
-                  <a:pt x="3672790" y="1307621"/>
-                  <a:pt x="3518406" y="1308377"/>
-                </a:cubicBezTo>
-                <a:cubicBezTo>
-                  <a:pt x="3364022" y="1309133"/>
-                  <a:pt x="2967296" y="1221555"/>
-                  <a:pt x="2784434" y="1308377"/>
-                </a:cubicBezTo>
-                <a:cubicBezTo>
-                  <a:pt x="2601572" y="1395199"/>
-                  <a:pt x="2498372" y="1259848"/>
-                  <a:pt x="2277644" y="1308377"/>
-                </a:cubicBezTo>
-                <a:cubicBezTo>
-                  <a:pt x="2056916" y="1356906"/>
-                  <a:pt x="1851734" y="1305757"/>
-                  <a:pt x="1695126" y="1308377"/>
-                </a:cubicBezTo>
-                <a:cubicBezTo>
-                  <a:pt x="1538518" y="1310997"/>
-                  <a:pt x="1201175" y="1296903"/>
-                  <a:pt x="961154" y="1308377"/>
-                </a:cubicBezTo>
-                <a:cubicBezTo>
-                  <a:pt x="721133" y="1319851"/>
-                  <a:pt x="268325" y="1249107"/>
-                  <a:pt x="0" y="1308377"/>
-                </a:cubicBezTo>
-                <a:cubicBezTo>
-                  <a:pt x="-28314" y="1198816"/>
-                  <a:pt x="46841" y="1059311"/>
-                  <a:pt x="0" y="911503"/>
-                </a:cubicBezTo>
-                <a:cubicBezTo>
-                  <a:pt x="-46841" y="763695"/>
-                  <a:pt x="13363" y="612896"/>
-                  <a:pt x="0" y="475377"/>
-                </a:cubicBezTo>
-                <a:cubicBezTo>
-                  <a:pt x="-13363" y="337858"/>
-                  <a:pt x="28849" y="118342"/>
+                  <a:pt x="235053" y="-27300"/>
+                  <a:pt x="338014" y="9755"/>
+                  <a:pt x="491834" y="0"/>
+                </a:cubicBezTo>
+                <a:cubicBezTo>
+                  <a:pt x="645654" y="-9755"/>
+                  <a:pt x="748473" y="46043"/>
+                  <a:pt x="983667" y="0"/>
+                </a:cubicBezTo>
+                <a:cubicBezTo>
+                  <a:pt x="1218861" y="-46043"/>
+                  <a:pt x="1328826" y="25882"/>
+                  <a:pt x="1555567" y="0"/>
+                </a:cubicBezTo>
+                <a:cubicBezTo>
+                  <a:pt x="1782308" y="-25882"/>
+                  <a:pt x="1906869" y="275"/>
+                  <a:pt x="2127466" y="0"/>
+                </a:cubicBezTo>
+                <a:cubicBezTo>
+                  <a:pt x="2348063" y="-275"/>
+                  <a:pt x="2521064" y="64596"/>
+                  <a:pt x="2699366" y="0"/>
+                </a:cubicBezTo>
+                <a:cubicBezTo>
+                  <a:pt x="2877668" y="-64596"/>
+                  <a:pt x="2989104" y="14532"/>
+                  <a:pt x="3191199" y="0"/>
+                </a:cubicBezTo>
+                <a:cubicBezTo>
+                  <a:pt x="3393294" y="-14532"/>
+                  <a:pt x="3704407" y="43430"/>
+                  <a:pt x="3923231" y="0"/>
+                </a:cubicBezTo>
+                <a:cubicBezTo>
+                  <a:pt x="4142055" y="-43430"/>
+                  <a:pt x="4318529" y="27774"/>
+                  <a:pt x="4575196" y="0"/>
+                </a:cubicBezTo>
+                <a:cubicBezTo>
+                  <a:pt x="4831863" y="-27774"/>
+                  <a:pt x="5134123" y="49931"/>
+                  <a:pt x="5307227" y="0"/>
+                </a:cubicBezTo>
+                <a:cubicBezTo>
+                  <a:pt x="5480331" y="-49931"/>
+                  <a:pt x="5752329" y="33647"/>
+                  <a:pt x="6039259" y="0"/>
+                </a:cubicBezTo>
+                <a:cubicBezTo>
+                  <a:pt x="6326189" y="-33647"/>
+                  <a:pt x="6221098" y="27341"/>
+                  <a:pt x="6370960" y="0"/>
+                </a:cubicBezTo>
+                <a:cubicBezTo>
+                  <a:pt x="6520822" y="-27341"/>
+                  <a:pt x="6863745" y="49877"/>
+                  <a:pt x="7022926" y="0"/>
+                </a:cubicBezTo>
+                <a:cubicBezTo>
+                  <a:pt x="7182107" y="-49877"/>
+                  <a:pt x="7641736" y="42601"/>
+                  <a:pt x="8006593" y="0"/>
+                </a:cubicBezTo>
+                <a:cubicBezTo>
+                  <a:pt x="8017630" y="147130"/>
+                  <a:pt x="7964039" y="379678"/>
+                  <a:pt x="8006593" y="476028"/>
+                </a:cubicBezTo>
+                <a:cubicBezTo>
+                  <a:pt x="8049147" y="572378"/>
+                  <a:pt x="7961724" y="946416"/>
+                  <a:pt x="8006593" y="1108797"/>
+                </a:cubicBezTo>
+                <a:cubicBezTo>
+                  <a:pt x="8051462" y="1271178"/>
+                  <a:pt x="7985032" y="1426457"/>
+                  <a:pt x="8006593" y="1637073"/>
+                </a:cubicBezTo>
+                <a:cubicBezTo>
+                  <a:pt x="8028154" y="1847689"/>
+                  <a:pt x="7960998" y="2094705"/>
+                  <a:pt x="8006593" y="2217595"/>
+                </a:cubicBezTo>
+                <a:cubicBezTo>
+                  <a:pt x="8052188" y="2340485"/>
+                  <a:pt x="7989547" y="2512236"/>
+                  <a:pt x="8006593" y="2641376"/>
+                </a:cubicBezTo>
+                <a:cubicBezTo>
+                  <a:pt x="8023639" y="2770516"/>
+                  <a:pt x="7981291" y="3026303"/>
+                  <a:pt x="8006593" y="3169651"/>
+                </a:cubicBezTo>
+                <a:cubicBezTo>
+                  <a:pt x="8031895" y="3312999"/>
+                  <a:pt x="7943316" y="3587155"/>
+                  <a:pt x="8006593" y="3750174"/>
+                </a:cubicBezTo>
+                <a:cubicBezTo>
+                  <a:pt x="8069870" y="3913193"/>
+                  <a:pt x="8004788" y="4096463"/>
+                  <a:pt x="8006593" y="4278449"/>
+                </a:cubicBezTo>
+                <a:cubicBezTo>
+                  <a:pt x="8008398" y="4460435"/>
+                  <a:pt x="7900947" y="4853907"/>
+                  <a:pt x="8006593" y="5224700"/>
+                </a:cubicBezTo>
+                <a:cubicBezTo>
+                  <a:pt x="7694623" y="5236907"/>
+                  <a:pt x="7516901" y="5150813"/>
+                  <a:pt x="7274562" y="5224700"/>
+                </a:cubicBezTo>
+                <a:cubicBezTo>
+                  <a:pt x="7032223" y="5298587"/>
+                  <a:pt x="6966885" y="5183143"/>
+                  <a:pt x="6702662" y="5224700"/>
+                </a:cubicBezTo>
+                <a:cubicBezTo>
+                  <a:pt x="6438439" y="5266257"/>
+                  <a:pt x="6460381" y="5192046"/>
+                  <a:pt x="6290895" y="5224700"/>
+                </a:cubicBezTo>
+                <a:cubicBezTo>
+                  <a:pt x="6121409" y="5257354"/>
+                  <a:pt x="5899125" y="5201291"/>
+                  <a:pt x="5799061" y="5224700"/>
+                </a:cubicBezTo>
+                <a:cubicBezTo>
+                  <a:pt x="5698997" y="5248109"/>
+                  <a:pt x="5551167" y="5192299"/>
+                  <a:pt x="5387293" y="5224700"/>
+                </a:cubicBezTo>
+                <a:cubicBezTo>
+                  <a:pt x="5223419" y="5257101"/>
+                  <a:pt x="4944681" y="5210518"/>
+                  <a:pt x="4655262" y="5224700"/>
+                </a:cubicBezTo>
+                <a:cubicBezTo>
+                  <a:pt x="4365843" y="5238882"/>
+                  <a:pt x="4165654" y="5219638"/>
+                  <a:pt x="3923231" y="5224700"/>
+                </a:cubicBezTo>
+                <a:cubicBezTo>
+                  <a:pt x="3680808" y="5229762"/>
+                  <a:pt x="3630106" y="5195993"/>
+                  <a:pt x="3351331" y="5224700"/>
+                </a:cubicBezTo>
+                <a:cubicBezTo>
+                  <a:pt x="3072556" y="5253407"/>
+                  <a:pt x="3047250" y="5203097"/>
+                  <a:pt x="2939563" y="5224700"/>
+                </a:cubicBezTo>
+                <a:cubicBezTo>
+                  <a:pt x="2831876" y="5246303"/>
+                  <a:pt x="2616448" y="5214822"/>
+                  <a:pt x="2367664" y="5224700"/>
+                </a:cubicBezTo>
+                <a:cubicBezTo>
+                  <a:pt x="2118880" y="5234578"/>
+                  <a:pt x="2109718" y="5181493"/>
+                  <a:pt x="1875830" y="5224700"/>
+                </a:cubicBezTo>
+                <a:cubicBezTo>
+                  <a:pt x="1641942" y="5267907"/>
+                  <a:pt x="1476179" y="5223991"/>
+                  <a:pt x="1143799" y="5224700"/>
+                </a:cubicBezTo>
+                <a:cubicBezTo>
+                  <a:pt x="811419" y="5225409"/>
+                  <a:pt x="829107" y="5215521"/>
+                  <a:pt x="732031" y="5224700"/>
+                </a:cubicBezTo>
+                <a:cubicBezTo>
+                  <a:pt x="634955" y="5233879"/>
+                  <a:pt x="345030" y="5204361"/>
+                  <a:pt x="0" y="5224700"/>
+                </a:cubicBezTo>
+                <a:cubicBezTo>
+                  <a:pt x="-27047" y="5064546"/>
+                  <a:pt x="37277" y="4862253"/>
+                  <a:pt x="0" y="4696425"/>
+                </a:cubicBezTo>
+                <a:cubicBezTo>
+                  <a:pt x="-37277" y="4530597"/>
+                  <a:pt x="63635" y="4343038"/>
+                  <a:pt x="0" y="4011409"/>
+                </a:cubicBezTo>
+                <a:cubicBezTo>
+                  <a:pt x="-63635" y="3679780"/>
+                  <a:pt x="13654" y="3712728"/>
+                  <a:pt x="0" y="3483133"/>
+                </a:cubicBezTo>
+                <a:cubicBezTo>
+                  <a:pt x="-13654" y="3253538"/>
+                  <a:pt x="18777" y="2937154"/>
+                  <a:pt x="0" y="2798117"/>
+                </a:cubicBezTo>
+                <a:cubicBezTo>
+                  <a:pt x="-18777" y="2659080"/>
+                  <a:pt x="13456" y="2528353"/>
+                  <a:pt x="0" y="2322089"/>
+                </a:cubicBezTo>
+                <a:cubicBezTo>
+                  <a:pt x="-13456" y="2115825"/>
+                  <a:pt x="7086" y="1939030"/>
+                  <a:pt x="0" y="1793814"/>
+                </a:cubicBezTo>
+                <a:cubicBezTo>
+                  <a:pt x="-7086" y="1648599"/>
+                  <a:pt x="68512" y="1431575"/>
+                  <a:pt x="0" y="1161044"/>
+                </a:cubicBezTo>
+                <a:cubicBezTo>
+                  <a:pt x="-68512" y="890513"/>
+                  <a:pt x="57751" y="829740"/>
+                  <a:pt x="0" y="632769"/>
+                </a:cubicBezTo>
+                <a:cubicBezTo>
+                  <a:pt x="-57751" y="435799"/>
+                  <a:pt x="28335" y="304735"/>
                   <a:pt x="0" y="0"/>
                 </a:cubicBezTo>
                 <a:close/>
               </a:path>
-              <a:path w="7572729" h="1308377" stroke="0" extrusionOk="0">
+              <a:path w="8006593" h="5224700" stroke="0" extrusionOk="0">
                 <a:moveTo>
                   <a:pt x="0" y="0"/>
                 </a:moveTo>
                 <a:cubicBezTo>
-                  <a:pt x="103834" y="-18176"/>
-                  <a:pt x="287427" y="32475"/>
-                  <a:pt x="431063" y="0"/>
-                </a:cubicBezTo>
-                <a:cubicBezTo>
-                  <a:pt x="574699" y="-32475"/>
-                  <a:pt x="669852" y="36771"/>
-                  <a:pt x="862126" y="0"/>
-                </a:cubicBezTo>
-                <a:cubicBezTo>
-                  <a:pt x="1054400" y="-36771"/>
-                  <a:pt x="1208930" y="56012"/>
-                  <a:pt x="1368916" y="0"/>
-                </a:cubicBezTo>
-                <a:cubicBezTo>
-                  <a:pt x="1528902" y="-56012"/>
-                  <a:pt x="1623324" y="11836"/>
-                  <a:pt x="1724252" y="0"/>
-                </a:cubicBezTo>
-                <a:cubicBezTo>
-                  <a:pt x="1825180" y="-11836"/>
-                  <a:pt x="1946429" y="43503"/>
-                  <a:pt x="2155315" y="0"/>
-                </a:cubicBezTo>
-                <a:cubicBezTo>
-                  <a:pt x="2364201" y="-43503"/>
-                  <a:pt x="2720059" y="3771"/>
-                  <a:pt x="2889287" y="0"/>
-                </a:cubicBezTo>
-                <a:cubicBezTo>
-                  <a:pt x="3058515" y="-3771"/>
-                  <a:pt x="3150857" y="49545"/>
-                  <a:pt x="3396078" y="0"/>
-                </a:cubicBezTo>
-                <a:cubicBezTo>
-                  <a:pt x="3641299" y="-49545"/>
-                  <a:pt x="3606601" y="14561"/>
-                  <a:pt x="3751413" y="0"/>
-                </a:cubicBezTo>
-                <a:cubicBezTo>
-                  <a:pt x="3896226" y="-14561"/>
-                  <a:pt x="3979215" y="15770"/>
-                  <a:pt x="4182476" y="0"/>
-                </a:cubicBezTo>
-                <a:cubicBezTo>
-                  <a:pt x="4385737" y="-15770"/>
-                  <a:pt x="4708051" y="8148"/>
-                  <a:pt x="4916449" y="0"/>
-                </a:cubicBezTo>
-                <a:cubicBezTo>
-                  <a:pt x="5124847" y="-8148"/>
-                  <a:pt x="5218407" y="7668"/>
-                  <a:pt x="5347512" y="0"/>
-                </a:cubicBezTo>
-                <a:cubicBezTo>
-                  <a:pt x="5476617" y="-7668"/>
-                  <a:pt x="5580069" y="27446"/>
-                  <a:pt x="5702847" y="0"/>
-                </a:cubicBezTo>
-                <a:cubicBezTo>
-                  <a:pt x="5825626" y="-27446"/>
-                  <a:pt x="6286546" y="63585"/>
-                  <a:pt x="6436820" y="0"/>
-                </a:cubicBezTo>
-                <a:cubicBezTo>
-                  <a:pt x="6587094" y="-63585"/>
-                  <a:pt x="6679331" y="12462"/>
-                  <a:pt x="6792155" y="0"/>
-                </a:cubicBezTo>
-                <a:cubicBezTo>
-                  <a:pt x="6904979" y="-12462"/>
-                  <a:pt x="7398142" y="19684"/>
-                  <a:pt x="7572729" y="0"/>
-                </a:cubicBezTo>
-                <a:cubicBezTo>
-                  <a:pt x="7606205" y="199046"/>
-                  <a:pt x="7529292" y="316909"/>
-                  <a:pt x="7572729" y="436126"/>
-                </a:cubicBezTo>
-                <a:cubicBezTo>
-                  <a:pt x="7616166" y="555343"/>
-                  <a:pt x="7544349" y="735327"/>
-                  <a:pt x="7572729" y="898419"/>
-                </a:cubicBezTo>
-                <a:cubicBezTo>
-                  <a:pt x="7601109" y="1061511"/>
-                  <a:pt x="7526139" y="1144813"/>
-                  <a:pt x="7572729" y="1308377"/>
-                </a:cubicBezTo>
-                <a:cubicBezTo>
-                  <a:pt x="7372499" y="1371286"/>
-                  <a:pt x="7059947" y="1235209"/>
-                  <a:pt x="6914484" y="1308377"/>
-                </a:cubicBezTo>
-                <a:cubicBezTo>
-                  <a:pt x="6769021" y="1381545"/>
-                  <a:pt x="6622806" y="1280015"/>
-                  <a:pt x="6483421" y="1308377"/>
-                </a:cubicBezTo>
-                <a:cubicBezTo>
-                  <a:pt x="6344036" y="1336739"/>
-                  <a:pt x="6064621" y="1234189"/>
-                  <a:pt x="5749449" y="1308377"/>
-                </a:cubicBezTo>
-                <a:cubicBezTo>
-                  <a:pt x="5434277" y="1382565"/>
-                  <a:pt x="5316187" y="1290624"/>
-                  <a:pt x="5091204" y="1308377"/>
-                </a:cubicBezTo>
-                <a:cubicBezTo>
-                  <a:pt x="4866222" y="1326130"/>
-                  <a:pt x="4607209" y="1245894"/>
-                  <a:pt x="4357232" y="1308377"/>
-                </a:cubicBezTo>
-                <a:cubicBezTo>
-                  <a:pt x="4107255" y="1370860"/>
-                  <a:pt x="4020887" y="1277090"/>
-                  <a:pt x="3926169" y="1308377"/>
-                </a:cubicBezTo>
-                <a:cubicBezTo>
-                  <a:pt x="3831451" y="1339664"/>
-                  <a:pt x="3431003" y="1300803"/>
-                  <a:pt x="3267924" y="1308377"/>
-                </a:cubicBezTo>
-                <a:cubicBezTo>
-                  <a:pt x="3104846" y="1315951"/>
-                  <a:pt x="2835713" y="1302030"/>
-                  <a:pt x="2685406" y="1308377"/>
-                </a:cubicBezTo>
-                <a:cubicBezTo>
-                  <a:pt x="2535099" y="1314724"/>
-                  <a:pt x="2409023" y="1289583"/>
-                  <a:pt x="2330070" y="1308377"/>
-                </a:cubicBezTo>
-                <a:cubicBezTo>
-                  <a:pt x="2251117" y="1327171"/>
-                  <a:pt x="1781810" y="1271105"/>
-                  <a:pt x="1596098" y="1308377"/>
-                </a:cubicBezTo>
-                <a:cubicBezTo>
-                  <a:pt x="1410386" y="1345649"/>
-                  <a:pt x="1377635" y="1306052"/>
-                  <a:pt x="1240763" y="1308377"/>
-                </a:cubicBezTo>
-                <a:cubicBezTo>
-                  <a:pt x="1103892" y="1310702"/>
-                  <a:pt x="810935" y="1241639"/>
-                  <a:pt x="658245" y="1308377"/>
-                </a:cubicBezTo>
-                <a:cubicBezTo>
-                  <a:pt x="505555" y="1375115"/>
-                  <a:pt x="266128" y="1307111"/>
-                  <a:pt x="0" y="1308377"/>
-                </a:cubicBezTo>
-                <a:cubicBezTo>
-                  <a:pt x="-28205" y="1176968"/>
-                  <a:pt x="22349" y="1038004"/>
-                  <a:pt x="0" y="911503"/>
-                </a:cubicBezTo>
-                <a:cubicBezTo>
-                  <a:pt x="-22349" y="785002"/>
-                  <a:pt x="34839" y="680347"/>
-                  <a:pt x="0" y="475377"/>
-                </a:cubicBezTo>
-                <a:cubicBezTo>
-                  <a:pt x="-34839" y="270407"/>
-                  <a:pt x="52494" y="199806"/>
+                  <a:pt x="280386" y="-73383"/>
+                  <a:pt x="576852" y="47062"/>
+                  <a:pt x="732031" y="0"/>
+                </a:cubicBezTo>
+                <a:cubicBezTo>
+                  <a:pt x="887210" y="-47062"/>
+                  <a:pt x="1026611" y="44200"/>
+                  <a:pt x="1223865" y="0"/>
+                </a:cubicBezTo>
+                <a:cubicBezTo>
+                  <a:pt x="1421119" y="-44200"/>
+                  <a:pt x="1414184" y="35939"/>
+                  <a:pt x="1555567" y="0"/>
+                </a:cubicBezTo>
+                <a:cubicBezTo>
+                  <a:pt x="1696950" y="-35939"/>
+                  <a:pt x="1810861" y="15971"/>
+                  <a:pt x="1887268" y="0"/>
+                </a:cubicBezTo>
+                <a:cubicBezTo>
+                  <a:pt x="1963675" y="-15971"/>
+                  <a:pt x="2171961" y="43779"/>
+                  <a:pt x="2299036" y="0"/>
+                </a:cubicBezTo>
+                <a:cubicBezTo>
+                  <a:pt x="2426111" y="-43779"/>
+                  <a:pt x="2465302" y="35120"/>
+                  <a:pt x="2630738" y="0"/>
+                </a:cubicBezTo>
+                <a:cubicBezTo>
+                  <a:pt x="2796174" y="-35120"/>
+                  <a:pt x="3011887" y="47600"/>
+                  <a:pt x="3202637" y="0"/>
+                </a:cubicBezTo>
+                <a:cubicBezTo>
+                  <a:pt x="3393387" y="-47600"/>
+                  <a:pt x="3529974" y="13027"/>
+                  <a:pt x="3694471" y="0"/>
+                </a:cubicBezTo>
+                <a:cubicBezTo>
+                  <a:pt x="3858968" y="-13027"/>
+                  <a:pt x="3974206" y="38879"/>
+                  <a:pt x="4106238" y="0"/>
+                </a:cubicBezTo>
+                <a:cubicBezTo>
+                  <a:pt x="4238270" y="-38879"/>
+                  <a:pt x="4457876" y="11558"/>
+                  <a:pt x="4598072" y="0"/>
+                </a:cubicBezTo>
+                <a:cubicBezTo>
+                  <a:pt x="4738268" y="-11558"/>
+                  <a:pt x="4905783" y="16338"/>
+                  <a:pt x="5169971" y="0"/>
+                </a:cubicBezTo>
+                <a:cubicBezTo>
+                  <a:pt x="5434159" y="-16338"/>
+                  <a:pt x="5590348" y="37289"/>
+                  <a:pt x="5821937" y="0"/>
+                </a:cubicBezTo>
+                <a:cubicBezTo>
+                  <a:pt x="6053526" y="-37289"/>
+                  <a:pt x="6151740" y="39016"/>
+                  <a:pt x="6313770" y="0"/>
+                </a:cubicBezTo>
+                <a:cubicBezTo>
+                  <a:pt x="6475800" y="-39016"/>
+                  <a:pt x="6487254" y="27233"/>
+                  <a:pt x="6645472" y="0"/>
+                </a:cubicBezTo>
+                <a:cubicBezTo>
+                  <a:pt x="6803690" y="-27233"/>
+                  <a:pt x="6819224" y="32318"/>
+                  <a:pt x="6977174" y="0"/>
+                </a:cubicBezTo>
+                <a:cubicBezTo>
+                  <a:pt x="7135124" y="-32318"/>
+                  <a:pt x="7493652" y="94502"/>
+                  <a:pt x="8006593" y="0"/>
+                </a:cubicBezTo>
+                <a:cubicBezTo>
+                  <a:pt x="8044445" y="138345"/>
+                  <a:pt x="7993017" y="276623"/>
+                  <a:pt x="8006593" y="476028"/>
+                </a:cubicBezTo>
+                <a:cubicBezTo>
+                  <a:pt x="8020169" y="675433"/>
+                  <a:pt x="7986382" y="701851"/>
+                  <a:pt x="8006593" y="899809"/>
+                </a:cubicBezTo>
+                <a:cubicBezTo>
+                  <a:pt x="8026804" y="1097767"/>
+                  <a:pt x="8003968" y="1181490"/>
+                  <a:pt x="8006593" y="1323591"/>
+                </a:cubicBezTo>
+                <a:cubicBezTo>
+                  <a:pt x="8009218" y="1465692"/>
+                  <a:pt x="7947019" y="1716699"/>
+                  <a:pt x="8006593" y="1851866"/>
+                </a:cubicBezTo>
+                <a:cubicBezTo>
+                  <a:pt x="8066167" y="1987034"/>
+                  <a:pt x="7983914" y="2271923"/>
+                  <a:pt x="8006593" y="2536882"/>
+                </a:cubicBezTo>
+                <a:cubicBezTo>
+                  <a:pt x="8029272" y="2801841"/>
+                  <a:pt x="8005292" y="2793743"/>
+                  <a:pt x="8006593" y="2960663"/>
+                </a:cubicBezTo>
+                <a:cubicBezTo>
+                  <a:pt x="8007894" y="3127583"/>
+                  <a:pt x="7979396" y="3271513"/>
+                  <a:pt x="8006593" y="3488939"/>
+                </a:cubicBezTo>
+                <a:cubicBezTo>
+                  <a:pt x="8033790" y="3706365"/>
+                  <a:pt x="7963975" y="3836601"/>
+                  <a:pt x="8006593" y="4069461"/>
+                </a:cubicBezTo>
+                <a:cubicBezTo>
+                  <a:pt x="8049211" y="4302321"/>
+                  <a:pt x="7952161" y="4528838"/>
+                  <a:pt x="8006593" y="4649983"/>
+                </a:cubicBezTo>
+                <a:cubicBezTo>
+                  <a:pt x="8061025" y="4771128"/>
+                  <a:pt x="7954318" y="4989579"/>
+                  <a:pt x="8006593" y="5224700"/>
+                </a:cubicBezTo>
+                <a:cubicBezTo>
+                  <a:pt x="7791643" y="5232022"/>
+                  <a:pt x="7603602" y="5160910"/>
+                  <a:pt x="7434694" y="5224700"/>
+                </a:cubicBezTo>
+                <a:cubicBezTo>
+                  <a:pt x="7265786" y="5288490"/>
+                  <a:pt x="6857002" y="5147820"/>
+                  <a:pt x="6702662" y="5224700"/>
+                </a:cubicBezTo>
+                <a:cubicBezTo>
+                  <a:pt x="6548322" y="5301580"/>
+                  <a:pt x="6448232" y="5215479"/>
+                  <a:pt x="6290895" y="5224700"/>
+                </a:cubicBezTo>
+                <a:cubicBezTo>
+                  <a:pt x="6133558" y="5233921"/>
+                  <a:pt x="5839805" y="5189245"/>
+                  <a:pt x="5638929" y="5224700"/>
+                </a:cubicBezTo>
+                <a:cubicBezTo>
+                  <a:pt x="5438053" y="5260155"/>
+                  <a:pt x="5142669" y="5190890"/>
+                  <a:pt x="4986964" y="5224700"/>
+                </a:cubicBezTo>
+                <a:cubicBezTo>
+                  <a:pt x="4831259" y="5258510"/>
+                  <a:pt x="4517962" y="5203403"/>
+                  <a:pt x="4334998" y="5224700"/>
+                </a:cubicBezTo>
+                <a:cubicBezTo>
+                  <a:pt x="4152034" y="5245997"/>
+                  <a:pt x="3938896" y="5175907"/>
+                  <a:pt x="3763099" y="5224700"/>
+                </a:cubicBezTo>
+                <a:cubicBezTo>
+                  <a:pt x="3587302" y="5273493"/>
+                  <a:pt x="3382459" y="5157872"/>
+                  <a:pt x="3111133" y="5224700"/>
+                </a:cubicBezTo>
+                <a:cubicBezTo>
+                  <a:pt x="2839807" y="5291528"/>
+                  <a:pt x="2718132" y="5192269"/>
+                  <a:pt x="2619300" y="5224700"/>
+                </a:cubicBezTo>
+                <a:cubicBezTo>
+                  <a:pt x="2520468" y="5257131"/>
+                  <a:pt x="2414984" y="5210122"/>
+                  <a:pt x="2287598" y="5224700"/>
+                </a:cubicBezTo>
+                <a:cubicBezTo>
+                  <a:pt x="2160212" y="5239278"/>
+                  <a:pt x="1910038" y="5221929"/>
+                  <a:pt x="1715699" y="5224700"/>
+                </a:cubicBezTo>
+                <a:cubicBezTo>
+                  <a:pt x="1521360" y="5227471"/>
+                  <a:pt x="1390584" y="5176498"/>
+                  <a:pt x="1303931" y="5224700"/>
+                </a:cubicBezTo>
+                <a:cubicBezTo>
+                  <a:pt x="1217278" y="5272902"/>
+                  <a:pt x="1043074" y="5195870"/>
+                  <a:pt x="972229" y="5224700"/>
+                </a:cubicBezTo>
+                <a:cubicBezTo>
+                  <a:pt x="901384" y="5253530"/>
+                  <a:pt x="754500" y="5201234"/>
+                  <a:pt x="560462" y="5224700"/>
+                </a:cubicBezTo>
+                <a:cubicBezTo>
+                  <a:pt x="366424" y="5248166"/>
+                  <a:pt x="162392" y="5220888"/>
+                  <a:pt x="0" y="5224700"/>
+                </a:cubicBezTo>
+                <a:cubicBezTo>
+                  <a:pt x="-22960" y="4974745"/>
+                  <a:pt x="16161" y="4799449"/>
+                  <a:pt x="0" y="4644178"/>
+                </a:cubicBezTo>
+                <a:cubicBezTo>
+                  <a:pt x="-16161" y="4488907"/>
+                  <a:pt x="32775" y="4340300"/>
+                  <a:pt x="0" y="4168150"/>
+                </a:cubicBezTo>
+                <a:cubicBezTo>
+                  <a:pt x="-32775" y="3996000"/>
+                  <a:pt x="72936" y="3718213"/>
+                  <a:pt x="0" y="3535380"/>
+                </a:cubicBezTo>
+                <a:cubicBezTo>
+                  <a:pt x="-72936" y="3352547"/>
+                  <a:pt x="5748" y="3063302"/>
+                  <a:pt x="0" y="2902611"/>
+                </a:cubicBezTo>
+                <a:cubicBezTo>
+                  <a:pt x="-5748" y="2741920"/>
+                  <a:pt x="46248" y="2560208"/>
+                  <a:pt x="0" y="2374336"/>
+                </a:cubicBezTo>
+                <a:cubicBezTo>
+                  <a:pt x="-46248" y="2188465"/>
+                  <a:pt x="50531" y="1930298"/>
+                  <a:pt x="0" y="1741567"/>
+                </a:cubicBezTo>
+                <a:cubicBezTo>
+                  <a:pt x="-50531" y="1552836"/>
+                  <a:pt x="44404" y="1322778"/>
+                  <a:pt x="0" y="1213291"/>
+                </a:cubicBezTo>
+                <a:cubicBezTo>
+                  <a:pt x="-44404" y="1103804"/>
+                  <a:pt x="15147" y="922980"/>
+                  <a:pt x="0" y="685016"/>
+                </a:cubicBezTo>
+                <a:cubicBezTo>
+                  <a:pt x="-15147" y="447053"/>
+                  <a:pt x="18562" y="328420"/>
                   <a:pt x="0" y="0"/>
                 </a:cubicBezTo>
                 <a:close/>
               </a:path>
             </a:pathLst>
           </a:custGeom>
+          <a:solidFill>
+            <a:srgbClr val="00B0F0"/>
+          </a:solidFill>
           <a:ln>
             <a:solidFill>
-              <a:schemeClr val="tx1"/>
+              <a:srgbClr val="00B0F0"/>
             </a:solidFill>
             <a:extLst>
               <a:ext uri="{C807C97D-BFC1-408E-A445-0C87EB9F89A2}">
-                <ask:lineSketchStyleProps xmlns:ask="http://schemas.microsoft.com/office/drawing/2018/sketchyshapes" sd="1285324405">
+                <ask:lineSketchStyleProps xmlns:ask="http://schemas.microsoft.com/office/drawing/2018/sketchyshapes" sd="2440303553">
                   <a:prstGeom prst="rect">
                     <a:avLst/>
                   </a:prstGeom>
@@ -8723,7 +10052,7 @@
     </p:spTree>
     <p:extLst>
       <p:ext uri="{BB962C8B-B14F-4D97-AF65-F5344CB8AC3E}">
-        <p14:creationId xmlns:p14="http://schemas.microsoft.com/office/powerpoint/2010/main" val="3790753702"/>
+        <p14:creationId xmlns:p14="http://schemas.microsoft.com/office/powerpoint/2010/main" val="2414734788"/>
       </p:ext>
     </p:extLst>
   </p:cSld>
@@ -8733,7 +10062,7 @@
 </p:sld>
 </file>
 
-<file path=ppt/slides/slide6.xml><?xml version="1.0" encoding="utf-8"?>
+<file path=ppt/slides/slide8.xml><?xml version="1.0" encoding="utf-8"?>
 <p:sld xmlns:a="http://schemas.openxmlformats.org/drawingml/2006/main" xmlns:r="http://schemas.openxmlformats.org/officeDocument/2006/relationships" xmlns:p="http://schemas.openxmlformats.org/presentationml/2006/main">
   <p:cSld>
     <p:spTree>
@@ -8912,7 +10241,7 @@
 </p:sld>
 </file>
 
-<file path=ppt/slides/slide7.xml><?xml version="1.0" encoding="utf-8"?>
+<file path=ppt/slides/slide9.xml><?xml version="1.0" encoding="utf-8"?>
 <p:sld xmlns:a="http://schemas.openxmlformats.org/drawingml/2006/main" xmlns:r="http://schemas.openxmlformats.org/officeDocument/2006/relationships" xmlns:p="http://schemas.openxmlformats.org/presentationml/2006/main">
   <p:cSld>
     <p:spTree>
@@ -8984,33 +10313,18 @@
           <a:lstStyle/>
           <a:p>
             <a:r>
-              <a:rPr lang="fr-FR" dirty="0" err="1"/>
-              <a:t>Udpate</a:t>
-            </a:r>
-            <a:r>
-              <a:rPr lang="fr-FR" dirty="0"/>
-              <a:t> the new </a:t>
-            </a:r>
-            <a:r>
-              <a:rPr lang="fr-FR" dirty="0" err="1"/>
-              <a:t>operators</a:t>
-            </a:r>
-            <a:r>
-              <a:rPr lang="fr-FR" dirty="0"/>
-              <a:t> </a:t>
-            </a:r>
-            <a:r>
-              <a:rPr lang="fr-FR" dirty="0" err="1"/>
-              <a:t>requirements</a:t>
-            </a:r>
-            <a:r>
-              <a:rPr lang="fr-FR" dirty="0"/>
-              <a:t> list</a:t>
-            </a:r>
-          </a:p>
-          <a:p>
-            <a:r>
-              <a:rPr lang="fr-FR" dirty="0"/>
+              <a:rPr lang="en-US"/>
+              <a:t>Update the new operators requirements list with more assessments form other </a:t>
+            </a:r>
+            <a:r>
+              <a:rPr lang="en-US" dirty="0" err="1"/>
+              <a:t>oparators</a:t>
+            </a:r>
+            <a:endParaRPr lang="en-US" dirty="0"/>
+          </a:p>
+          <a:p>
+            <a:r>
+              <a:rPr lang="en-US" dirty="0"/>
               <a:t>Update</a:t>
             </a:r>
           </a:p>
@@ -9038,88 +10352,84 @@
         </p:blipFill>
         <p:spPr>
           <a:xfrm>
-            <a:off x="2118817" y="2418004"/>
-            <a:ext cx="6567983" cy="3708159"/>
+            <a:off x="2195736" y="2852936"/>
+            <a:ext cx="6275040" cy="3542769"/>
           </a:xfrm>
           <a:custGeom>
             <a:avLst/>
             <a:gdLst>
-              <a:gd name="connsiteX0" fmla="*/ 0 w 6567983"/>
-              <a:gd name="connsiteY0" fmla="*/ 0 h 3708159"/>
-              <a:gd name="connsiteX1" fmla="*/ 400050 w 6567983"/>
-              <a:gd name="connsiteY1" fmla="*/ 0 h 3708159"/>
-              <a:gd name="connsiteX2" fmla="*/ 931459 w 6567983"/>
-              <a:gd name="connsiteY2" fmla="*/ 0 h 3708159"/>
-              <a:gd name="connsiteX3" fmla="*/ 1331509 w 6567983"/>
-              <a:gd name="connsiteY3" fmla="*/ 0 h 3708159"/>
-              <a:gd name="connsiteX4" fmla="*/ 1862919 w 6567983"/>
-              <a:gd name="connsiteY4" fmla="*/ 0 h 3708159"/>
-              <a:gd name="connsiteX5" fmla="*/ 2328649 w 6567983"/>
-              <a:gd name="connsiteY5" fmla="*/ 0 h 3708159"/>
-              <a:gd name="connsiteX6" fmla="*/ 2860058 w 6567983"/>
-              <a:gd name="connsiteY6" fmla="*/ 0 h 3708159"/>
-              <a:gd name="connsiteX7" fmla="*/ 3260108 w 6567983"/>
-              <a:gd name="connsiteY7" fmla="*/ 0 h 3708159"/>
-              <a:gd name="connsiteX8" fmla="*/ 3857197 w 6567983"/>
-              <a:gd name="connsiteY8" fmla="*/ 0 h 3708159"/>
-              <a:gd name="connsiteX9" fmla="*/ 4454287 w 6567983"/>
-              <a:gd name="connsiteY9" fmla="*/ 0 h 3708159"/>
-              <a:gd name="connsiteX10" fmla="*/ 4920016 w 6567983"/>
-              <a:gd name="connsiteY10" fmla="*/ 0 h 3708159"/>
-              <a:gd name="connsiteX11" fmla="*/ 5648465 w 6567983"/>
-              <a:gd name="connsiteY11" fmla="*/ 0 h 3708159"/>
-              <a:gd name="connsiteX12" fmla="*/ 6567983 w 6567983"/>
-              <a:gd name="connsiteY12" fmla="*/ 0 h 3708159"/>
-              <a:gd name="connsiteX13" fmla="*/ 6567983 w 6567983"/>
-              <a:gd name="connsiteY13" fmla="*/ 455574 h 3708159"/>
-              <a:gd name="connsiteX14" fmla="*/ 6567983 w 6567983"/>
-              <a:gd name="connsiteY14" fmla="*/ 985311 h 3708159"/>
-              <a:gd name="connsiteX15" fmla="*/ 6567983 w 6567983"/>
-              <a:gd name="connsiteY15" fmla="*/ 1477966 h 3708159"/>
-              <a:gd name="connsiteX16" fmla="*/ 6567983 w 6567983"/>
-              <a:gd name="connsiteY16" fmla="*/ 1933540 h 3708159"/>
-              <a:gd name="connsiteX17" fmla="*/ 6567983 w 6567983"/>
-              <a:gd name="connsiteY17" fmla="*/ 2463277 h 3708159"/>
-              <a:gd name="connsiteX18" fmla="*/ 6567983 w 6567983"/>
-              <a:gd name="connsiteY18" fmla="*/ 3030096 h 3708159"/>
-              <a:gd name="connsiteX19" fmla="*/ 6567983 w 6567983"/>
-              <a:gd name="connsiteY19" fmla="*/ 3708159 h 3708159"/>
-              <a:gd name="connsiteX20" fmla="*/ 6036573 w 6567983"/>
-              <a:gd name="connsiteY20" fmla="*/ 3708159 h 3708159"/>
-              <a:gd name="connsiteX21" fmla="*/ 5636524 w 6567983"/>
-              <a:gd name="connsiteY21" fmla="*/ 3708159 h 3708159"/>
-              <a:gd name="connsiteX22" fmla="*/ 4908075 w 6567983"/>
-              <a:gd name="connsiteY22" fmla="*/ 3708159 h 3708159"/>
-              <a:gd name="connsiteX23" fmla="*/ 4179626 w 6567983"/>
-              <a:gd name="connsiteY23" fmla="*/ 3708159 h 3708159"/>
-              <a:gd name="connsiteX24" fmla="*/ 3516856 w 6567983"/>
-              <a:gd name="connsiteY24" fmla="*/ 3708159 h 3708159"/>
-              <a:gd name="connsiteX25" fmla="*/ 2854087 w 6567983"/>
-              <a:gd name="connsiteY25" fmla="*/ 3708159 h 3708159"/>
-              <a:gd name="connsiteX26" fmla="*/ 2388357 w 6567983"/>
-              <a:gd name="connsiteY26" fmla="*/ 3708159 h 3708159"/>
-              <a:gd name="connsiteX27" fmla="*/ 1988308 w 6567983"/>
-              <a:gd name="connsiteY27" fmla="*/ 3708159 h 3708159"/>
-              <a:gd name="connsiteX28" fmla="*/ 1522578 w 6567983"/>
-              <a:gd name="connsiteY28" fmla="*/ 3708159 h 3708159"/>
-              <a:gd name="connsiteX29" fmla="*/ 925489 w 6567983"/>
-              <a:gd name="connsiteY29" fmla="*/ 3708159 h 3708159"/>
-              <a:gd name="connsiteX30" fmla="*/ 0 w 6567983"/>
-              <a:gd name="connsiteY30" fmla="*/ 3708159 h 3708159"/>
-              <a:gd name="connsiteX31" fmla="*/ 0 w 6567983"/>
-              <a:gd name="connsiteY31" fmla="*/ 3252585 h 3708159"/>
-              <a:gd name="connsiteX32" fmla="*/ 0 w 6567983"/>
-              <a:gd name="connsiteY32" fmla="*/ 2648685 h 3708159"/>
-              <a:gd name="connsiteX33" fmla="*/ 0 w 6567983"/>
-              <a:gd name="connsiteY33" fmla="*/ 2193111 h 3708159"/>
-              <a:gd name="connsiteX34" fmla="*/ 0 w 6567983"/>
-              <a:gd name="connsiteY34" fmla="*/ 1663374 h 3708159"/>
-              <a:gd name="connsiteX35" fmla="*/ 0 w 6567983"/>
-              <a:gd name="connsiteY35" fmla="*/ 1059474 h 3708159"/>
-              <a:gd name="connsiteX36" fmla="*/ 0 w 6567983"/>
-              <a:gd name="connsiteY36" fmla="*/ 492655 h 3708159"/>
-              <a:gd name="connsiteX37" fmla="*/ 0 w 6567983"/>
-              <a:gd name="connsiteY37" fmla="*/ 0 h 3708159"/>
+              <a:gd name="connsiteX0" fmla="*/ 0 w 6275040"/>
+              <a:gd name="connsiteY0" fmla="*/ 0 h 3542769"/>
+              <a:gd name="connsiteX1" fmla="*/ 633209 w 6275040"/>
+              <a:gd name="connsiteY1" fmla="*/ 0 h 3542769"/>
+              <a:gd name="connsiteX2" fmla="*/ 1329168 w 6275040"/>
+              <a:gd name="connsiteY2" fmla="*/ 0 h 3542769"/>
+              <a:gd name="connsiteX3" fmla="*/ 1836875 w 6275040"/>
+              <a:gd name="connsiteY3" fmla="*/ 0 h 3542769"/>
+              <a:gd name="connsiteX4" fmla="*/ 2344583 w 6275040"/>
+              <a:gd name="connsiteY4" fmla="*/ 0 h 3542769"/>
+              <a:gd name="connsiteX5" fmla="*/ 2726790 w 6275040"/>
+              <a:gd name="connsiteY5" fmla="*/ 0 h 3542769"/>
+              <a:gd name="connsiteX6" fmla="*/ 3234498 w 6275040"/>
+              <a:gd name="connsiteY6" fmla="*/ 0 h 3542769"/>
+              <a:gd name="connsiteX7" fmla="*/ 3679455 w 6275040"/>
+              <a:gd name="connsiteY7" fmla="*/ 0 h 3542769"/>
+              <a:gd name="connsiteX8" fmla="*/ 4187163 w 6275040"/>
+              <a:gd name="connsiteY8" fmla="*/ 0 h 3542769"/>
+              <a:gd name="connsiteX9" fmla="*/ 4569370 w 6275040"/>
+              <a:gd name="connsiteY9" fmla="*/ 0 h 3542769"/>
+              <a:gd name="connsiteX10" fmla="*/ 5139828 w 6275040"/>
+              <a:gd name="connsiteY10" fmla="*/ 0 h 3542769"/>
+              <a:gd name="connsiteX11" fmla="*/ 5710286 w 6275040"/>
+              <a:gd name="connsiteY11" fmla="*/ 0 h 3542769"/>
+              <a:gd name="connsiteX12" fmla="*/ 6275040 w 6275040"/>
+              <a:gd name="connsiteY12" fmla="*/ 0 h 3542769"/>
+              <a:gd name="connsiteX13" fmla="*/ 6275040 w 6275040"/>
+              <a:gd name="connsiteY13" fmla="*/ 661317 h 3542769"/>
+              <a:gd name="connsiteX14" fmla="*/ 6275040 w 6275040"/>
+              <a:gd name="connsiteY14" fmla="*/ 1251778 h 3542769"/>
+              <a:gd name="connsiteX15" fmla="*/ 6275040 w 6275040"/>
+              <a:gd name="connsiteY15" fmla="*/ 1806812 h 3542769"/>
+              <a:gd name="connsiteX16" fmla="*/ 6275040 w 6275040"/>
+              <a:gd name="connsiteY16" fmla="*/ 2397274 h 3542769"/>
+              <a:gd name="connsiteX17" fmla="*/ 6275040 w 6275040"/>
+              <a:gd name="connsiteY17" fmla="*/ 2952307 h 3542769"/>
+              <a:gd name="connsiteX18" fmla="*/ 6275040 w 6275040"/>
+              <a:gd name="connsiteY18" fmla="*/ 3542769 h 3542769"/>
+              <a:gd name="connsiteX19" fmla="*/ 5704582 w 6275040"/>
+              <a:gd name="connsiteY19" fmla="*/ 3542769 h 3542769"/>
+              <a:gd name="connsiteX20" fmla="*/ 5008623 w 6275040"/>
+              <a:gd name="connsiteY20" fmla="*/ 3542769 h 3542769"/>
+              <a:gd name="connsiteX21" fmla="*/ 4626416 w 6275040"/>
+              <a:gd name="connsiteY21" fmla="*/ 3542769 h 3542769"/>
+              <a:gd name="connsiteX22" fmla="*/ 3993207 w 6275040"/>
+              <a:gd name="connsiteY22" fmla="*/ 3542769 h 3542769"/>
+              <a:gd name="connsiteX23" fmla="*/ 3611000 w 6275040"/>
+              <a:gd name="connsiteY23" fmla="*/ 3542769 h 3542769"/>
+              <a:gd name="connsiteX24" fmla="*/ 2915041 w 6275040"/>
+              <a:gd name="connsiteY24" fmla="*/ 3542769 h 3542769"/>
+              <a:gd name="connsiteX25" fmla="*/ 2219082 w 6275040"/>
+              <a:gd name="connsiteY25" fmla="*/ 3542769 h 3542769"/>
+              <a:gd name="connsiteX26" fmla="*/ 1585874 w 6275040"/>
+              <a:gd name="connsiteY26" fmla="*/ 3542769 h 3542769"/>
+              <a:gd name="connsiteX27" fmla="*/ 952665 w 6275040"/>
+              <a:gd name="connsiteY27" fmla="*/ 3542769 h 3542769"/>
+              <a:gd name="connsiteX28" fmla="*/ 507708 w 6275040"/>
+              <a:gd name="connsiteY28" fmla="*/ 3542769 h 3542769"/>
+              <a:gd name="connsiteX29" fmla="*/ 0 w 6275040"/>
+              <a:gd name="connsiteY29" fmla="*/ 3542769 h 3542769"/>
+              <a:gd name="connsiteX30" fmla="*/ 0 w 6275040"/>
+              <a:gd name="connsiteY30" fmla="*/ 3023163 h 3542769"/>
+              <a:gd name="connsiteX31" fmla="*/ 0 w 6275040"/>
+              <a:gd name="connsiteY31" fmla="*/ 2538984 h 3542769"/>
+              <a:gd name="connsiteX32" fmla="*/ 0 w 6275040"/>
+              <a:gd name="connsiteY32" fmla="*/ 1913095 h 3542769"/>
+              <a:gd name="connsiteX33" fmla="*/ 0 w 6275040"/>
+              <a:gd name="connsiteY33" fmla="*/ 1358061 h 3542769"/>
+              <a:gd name="connsiteX34" fmla="*/ 0 w 6275040"/>
+              <a:gd name="connsiteY34" fmla="*/ 696745 h 3542769"/>
+              <a:gd name="connsiteX35" fmla="*/ 0 w 6275040"/>
+              <a:gd name="connsiteY35" fmla="*/ 0 h 3542769"/>
             </a:gdLst>
             <a:ahLst/>
             <a:cxnLst>
@@ -9231,393 +10541,367 @@
               <a:cxn ang="0">
                 <a:pos x="connsiteX35" y="connsiteY35"/>
               </a:cxn>
-              <a:cxn ang="0">
-                <a:pos x="connsiteX36" y="connsiteY36"/>
-              </a:cxn>
-              <a:cxn ang="0">
-                <a:pos x="connsiteX37" y="connsiteY37"/>
-              </a:cxn>
             </a:cxnLst>
             <a:rect l="l" t="t" r="r" b="b"/>
             <a:pathLst>
-              <a:path w="6567983" h="3708159" fill="none" extrusionOk="0">
+              <a:path w="6275040" h="3542769" fill="none" extrusionOk="0">
                 <a:moveTo>
                   <a:pt x="0" y="0"/>
                 </a:moveTo>
                 <a:cubicBezTo>
-                  <a:pt x="89791" y="-7084"/>
-                  <a:pt x="270598" y="42073"/>
-                  <a:pt x="400050" y="0"/>
-                </a:cubicBezTo>
-                <a:cubicBezTo>
-                  <a:pt x="529502" y="-42073"/>
-                  <a:pt x="717046" y="27051"/>
-                  <a:pt x="931459" y="0"/>
-                </a:cubicBezTo>
-                <a:cubicBezTo>
-                  <a:pt x="1145872" y="-27051"/>
-                  <a:pt x="1187626" y="33635"/>
-                  <a:pt x="1331509" y="0"/>
-                </a:cubicBezTo>
-                <a:cubicBezTo>
-                  <a:pt x="1475392" y="-33635"/>
-                  <a:pt x="1698902" y="14091"/>
-                  <a:pt x="1862919" y="0"/>
-                </a:cubicBezTo>
-                <a:cubicBezTo>
-                  <a:pt x="2026936" y="-14091"/>
-                  <a:pt x="2182537" y="35693"/>
-                  <a:pt x="2328649" y="0"/>
-                </a:cubicBezTo>
-                <a:cubicBezTo>
-                  <a:pt x="2474761" y="-35693"/>
-                  <a:pt x="2743801" y="24549"/>
-                  <a:pt x="2860058" y="0"/>
-                </a:cubicBezTo>
-                <a:cubicBezTo>
-                  <a:pt x="2976315" y="-24549"/>
-                  <a:pt x="3122280" y="18785"/>
-                  <a:pt x="3260108" y="0"/>
-                </a:cubicBezTo>
-                <a:cubicBezTo>
-                  <a:pt x="3397936" y="-18785"/>
-                  <a:pt x="3640239" y="16086"/>
-                  <a:pt x="3857197" y="0"/>
-                </a:cubicBezTo>
-                <a:cubicBezTo>
-                  <a:pt x="4074155" y="-16086"/>
-                  <a:pt x="4185021" y="51541"/>
-                  <a:pt x="4454287" y="0"/>
-                </a:cubicBezTo>
-                <a:cubicBezTo>
-                  <a:pt x="4723553" y="-51541"/>
-                  <a:pt x="4772896" y="16471"/>
-                  <a:pt x="4920016" y="0"/>
-                </a:cubicBezTo>
-                <a:cubicBezTo>
-                  <a:pt x="5067136" y="-16471"/>
-                  <a:pt x="5430764" y="65418"/>
-                  <a:pt x="5648465" y="0"/>
-                </a:cubicBezTo>
-                <a:cubicBezTo>
-                  <a:pt x="5866166" y="-65418"/>
-                  <a:pt x="6137551" y="42563"/>
-                  <a:pt x="6567983" y="0"/>
-                </a:cubicBezTo>
-                <a:cubicBezTo>
-                  <a:pt x="6590112" y="95448"/>
-                  <a:pt x="6551191" y="259487"/>
-                  <a:pt x="6567983" y="455574"/>
-                </a:cubicBezTo>
-                <a:cubicBezTo>
-                  <a:pt x="6584775" y="651661"/>
-                  <a:pt x="6534138" y="773495"/>
-                  <a:pt x="6567983" y="985311"/>
-                </a:cubicBezTo>
-                <a:cubicBezTo>
-                  <a:pt x="6601828" y="1197127"/>
-                  <a:pt x="6547186" y="1309085"/>
-                  <a:pt x="6567983" y="1477966"/>
-                </a:cubicBezTo>
-                <a:cubicBezTo>
-                  <a:pt x="6588780" y="1646848"/>
-                  <a:pt x="6530072" y="1802233"/>
-                  <a:pt x="6567983" y="1933540"/>
-                </a:cubicBezTo>
-                <a:cubicBezTo>
-                  <a:pt x="6605894" y="2064847"/>
-                  <a:pt x="6557159" y="2210449"/>
-                  <a:pt x="6567983" y="2463277"/>
-                </a:cubicBezTo>
-                <a:cubicBezTo>
-                  <a:pt x="6578807" y="2716105"/>
-                  <a:pt x="6539439" y="2861406"/>
-                  <a:pt x="6567983" y="3030096"/>
-                </a:cubicBezTo>
-                <a:cubicBezTo>
-                  <a:pt x="6596527" y="3198786"/>
-                  <a:pt x="6548498" y="3438764"/>
-                  <a:pt x="6567983" y="3708159"/>
-                </a:cubicBezTo>
-                <a:cubicBezTo>
-                  <a:pt x="6302706" y="3767689"/>
-                  <a:pt x="6163359" y="3652045"/>
-                  <a:pt x="6036573" y="3708159"/>
-                </a:cubicBezTo>
-                <a:cubicBezTo>
-                  <a:pt x="5909787" y="3764273"/>
-                  <a:pt x="5823962" y="3672150"/>
-                  <a:pt x="5636524" y="3708159"/>
-                </a:cubicBezTo>
-                <a:cubicBezTo>
-                  <a:pt x="5449086" y="3744168"/>
-                  <a:pt x="5154058" y="3690981"/>
-                  <a:pt x="4908075" y="3708159"/>
-                </a:cubicBezTo>
-                <a:cubicBezTo>
-                  <a:pt x="4662092" y="3725337"/>
-                  <a:pt x="4526880" y="3643687"/>
-                  <a:pt x="4179626" y="3708159"/>
-                </a:cubicBezTo>
-                <a:cubicBezTo>
-                  <a:pt x="3832372" y="3772631"/>
-                  <a:pt x="3806166" y="3673478"/>
-                  <a:pt x="3516856" y="3708159"/>
-                </a:cubicBezTo>
-                <a:cubicBezTo>
-                  <a:pt x="3227546" y="3742840"/>
-                  <a:pt x="3129640" y="3682356"/>
-                  <a:pt x="2854087" y="3708159"/>
-                </a:cubicBezTo>
-                <a:cubicBezTo>
-                  <a:pt x="2578534" y="3733962"/>
-                  <a:pt x="2540375" y="3677392"/>
-                  <a:pt x="2388357" y="3708159"/>
-                </a:cubicBezTo>
-                <a:cubicBezTo>
-                  <a:pt x="2236339" y="3738926"/>
-                  <a:pt x="2155529" y="3695290"/>
-                  <a:pt x="1988308" y="3708159"/>
-                </a:cubicBezTo>
-                <a:cubicBezTo>
-                  <a:pt x="1821087" y="3721028"/>
-                  <a:pt x="1673451" y="3678748"/>
-                  <a:pt x="1522578" y="3708159"/>
-                </a:cubicBezTo>
-                <a:cubicBezTo>
-                  <a:pt x="1371705" y="3737570"/>
-                  <a:pt x="1155006" y="3672193"/>
-                  <a:pt x="925489" y="3708159"/>
-                </a:cubicBezTo>
-                <a:cubicBezTo>
-                  <a:pt x="695972" y="3744125"/>
-                  <a:pt x="277612" y="3658576"/>
-                  <a:pt x="0" y="3708159"/>
-                </a:cubicBezTo>
-                <a:cubicBezTo>
-                  <a:pt x="-15570" y="3565972"/>
-                  <a:pt x="54176" y="3355991"/>
-                  <a:pt x="0" y="3252585"/>
-                </a:cubicBezTo>
-                <a:cubicBezTo>
-                  <a:pt x="-54176" y="3149179"/>
-                  <a:pt x="18941" y="2815621"/>
-                  <a:pt x="0" y="2648685"/>
-                </a:cubicBezTo>
-                <a:cubicBezTo>
-                  <a:pt x="-18941" y="2481749"/>
-                  <a:pt x="30217" y="2310731"/>
-                  <a:pt x="0" y="2193111"/>
-                </a:cubicBezTo>
-                <a:cubicBezTo>
-                  <a:pt x="-30217" y="2075491"/>
-                  <a:pt x="45768" y="1921094"/>
-                  <a:pt x="0" y="1663374"/>
-                </a:cubicBezTo>
-                <a:cubicBezTo>
-                  <a:pt x="-45768" y="1405654"/>
-                  <a:pt x="1791" y="1322187"/>
-                  <a:pt x="0" y="1059474"/>
-                </a:cubicBezTo>
-                <a:cubicBezTo>
-                  <a:pt x="-1791" y="796761"/>
-                  <a:pt x="35509" y="738371"/>
-                  <a:pt x="0" y="492655"/>
-                </a:cubicBezTo>
-                <a:cubicBezTo>
-                  <a:pt x="-35509" y="246939"/>
-                  <a:pt x="35889" y="135509"/>
+                  <a:pt x="219491" y="-30188"/>
+                  <a:pt x="480294" y="9744"/>
+                  <a:pt x="633209" y="0"/>
+                </a:cubicBezTo>
+                <a:cubicBezTo>
+                  <a:pt x="786124" y="-9744"/>
+                  <a:pt x="1001399" y="13574"/>
+                  <a:pt x="1329168" y="0"/>
+                </a:cubicBezTo>
+                <a:cubicBezTo>
+                  <a:pt x="1656937" y="-13574"/>
+                  <a:pt x="1651694" y="1564"/>
+                  <a:pt x="1836875" y="0"/>
+                </a:cubicBezTo>
+                <a:cubicBezTo>
+                  <a:pt x="2022056" y="-1564"/>
+                  <a:pt x="2098701" y="45014"/>
+                  <a:pt x="2344583" y="0"/>
+                </a:cubicBezTo>
+                <a:cubicBezTo>
+                  <a:pt x="2590465" y="-45014"/>
+                  <a:pt x="2615270" y="16882"/>
+                  <a:pt x="2726790" y="0"/>
+                </a:cubicBezTo>
+                <a:cubicBezTo>
+                  <a:pt x="2838310" y="-16882"/>
+                  <a:pt x="3011790" y="37120"/>
+                  <a:pt x="3234498" y="0"/>
+                </a:cubicBezTo>
+                <a:cubicBezTo>
+                  <a:pt x="3457206" y="-37120"/>
+                  <a:pt x="3583418" y="6365"/>
+                  <a:pt x="3679455" y="0"/>
+                </a:cubicBezTo>
+                <a:cubicBezTo>
+                  <a:pt x="3775492" y="-6365"/>
+                  <a:pt x="3961482" y="40210"/>
+                  <a:pt x="4187163" y="0"/>
+                </a:cubicBezTo>
+                <a:cubicBezTo>
+                  <a:pt x="4412844" y="-40210"/>
+                  <a:pt x="4473669" y="37346"/>
+                  <a:pt x="4569370" y="0"/>
+                </a:cubicBezTo>
+                <a:cubicBezTo>
+                  <a:pt x="4665071" y="-37346"/>
+                  <a:pt x="4863933" y="65469"/>
+                  <a:pt x="5139828" y="0"/>
+                </a:cubicBezTo>
+                <a:cubicBezTo>
+                  <a:pt x="5415723" y="-65469"/>
+                  <a:pt x="5446884" y="27324"/>
+                  <a:pt x="5710286" y="0"/>
+                </a:cubicBezTo>
+                <a:cubicBezTo>
+                  <a:pt x="5973688" y="-27324"/>
+                  <a:pt x="6140988" y="41773"/>
+                  <a:pt x="6275040" y="0"/>
+                </a:cubicBezTo>
+                <a:cubicBezTo>
+                  <a:pt x="6353233" y="297185"/>
+                  <a:pt x="6267121" y="450483"/>
+                  <a:pt x="6275040" y="661317"/>
+                </a:cubicBezTo>
+                <a:cubicBezTo>
+                  <a:pt x="6282959" y="872151"/>
+                  <a:pt x="6256536" y="1017750"/>
+                  <a:pt x="6275040" y="1251778"/>
+                </a:cubicBezTo>
+                <a:cubicBezTo>
+                  <a:pt x="6293544" y="1485806"/>
+                  <a:pt x="6248200" y="1682860"/>
+                  <a:pt x="6275040" y="1806812"/>
+                </a:cubicBezTo>
+                <a:cubicBezTo>
+                  <a:pt x="6301880" y="1930764"/>
+                  <a:pt x="6249306" y="2232140"/>
+                  <a:pt x="6275040" y="2397274"/>
+                </a:cubicBezTo>
+                <a:cubicBezTo>
+                  <a:pt x="6300774" y="2562408"/>
+                  <a:pt x="6256567" y="2816892"/>
+                  <a:pt x="6275040" y="2952307"/>
+                </a:cubicBezTo>
+                <a:cubicBezTo>
+                  <a:pt x="6293513" y="3087722"/>
+                  <a:pt x="6234690" y="3251565"/>
+                  <a:pt x="6275040" y="3542769"/>
+                </a:cubicBezTo>
+                <a:cubicBezTo>
+                  <a:pt x="6066463" y="3605705"/>
+                  <a:pt x="5895565" y="3536965"/>
+                  <a:pt x="5704582" y="3542769"/>
+                </a:cubicBezTo>
+                <a:cubicBezTo>
+                  <a:pt x="5513599" y="3548573"/>
+                  <a:pt x="5312834" y="3540867"/>
+                  <a:pt x="5008623" y="3542769"/>
+                </a:cubicBezTo>
+                <a:cubicBezTo>
+                  <a:pt x="4704412" y="3544671"/>
+                  <a:pt x="4770069" y="3541032"/>
+                  <a:pt x="4626416" y="3542769"/>
+                </a:cubicBezTo>
+                <a:cubicBezTo>
+                  <a:pt x="4482763" y="3544506"/>
+                  <a:pt x="4121869" y="3532862"/>
+                  <a:pt x="3993207" y="3542769"/>
+                </a:cubicBezTo>
+                <a:cubicBezTo>
+                  <a:pt x="3864545" y="3552676"/>
+                  <a:pt x="3743927" y="3509115"/>
+                  <a:pt x="3611000" y="3542769"/>
+                </a:cubicBezTo>
+                <a:cubicBezTo>
+                  <a:pt x="3478073" y="3576423"/>
+                  <a:pt x="3105897" y="3468775"/>
+                  <a:pt x="2915041" y="3542769"/>
+                </a:cubicBezTo>
+                <a:cubicBezTo>
+                  <a:pt x="2724185" y="3616763"/>
+                  <a:pt x="2489594" y="3489368"/>
+                  <a:pt x="2219082" y="3542769"/>
+                </a:cubicBezTo>
+                <a:cubicBezTo>
+                  <a:pt x="1948570" y="3596170"/>
+                  <a:pt x="1830261" y="3528421"/>
+                  <a:pt x="1585874" y="3542769"/>
+                </a:cubicBezTo>
+                <a:cubicBezTo>
+                  <a:pt x="1341487" y="3557117"/>
+                  <a:pt x="1251909" y="3505295"/>
+                  <a:pt x="952665" y="3542769"/>
+                </a:cubicBezTo>
+                <a:cubicBezTo>
+                  <a:pt x="653421" y="3580243"/>
+                  <a:pt x="650291" y="3510141"/>
+                  <a:pt x="507708" y="3542769"/>
+                </a:cubicBezTo>
+                <a:cubicBezTo>
+                  <a:pt x="365125" y="3575397"/>
+                  <a:pt x="233681" y="3495739"/>
+                  <a:pt x="0" y="3542769"/>
+                </a:cubicBezTo>
+                <a:cubicBezTo>
+                  <a:pt x="-44230" y="3382439"/>
+                  <a:pt x="26949" y="3264791"/>
+                  <a:pt x="0" y="3023163"/>
+                </a:cubicBezTo>
+                <a:cubicBezTo>
+                  <a:pt x="-26949" y="2781535"/>
+                  <a:pt x="47648" y="2636884"/>
+                  <a:pt x="0" y="2538984"/>
+                </a:cubicBezTo>
+                <a:cubicBezTo>
+                  <a:pt x="-47648" y="2441084"/>
+                  <a:pt x="57068" y="2205081"/>
+                  <a:pt x="0" y="1913095"/>
+                </a:cubicBezTo>
+                <a:cubicBezTo>
+                  <a:pt x="-57068" y="1621109"/>
+                  <a:pt x="53230" y="1534473"/>
+                  <a:pt x="0" y="1358061"/>
+                </a:cubicBezTo>
+                <a:cubicBezTo>
+                  <a:pt x="-53230" y="1181649"/>
+                  <a:pt x="16941" y="872862"/>
+                  <a:pt x="0" y="696745"/>
+                </a:cubicBezTo>
+                <a:cubicBezTo>
+                  <a:pt x="-16941" y="520628"/>
+                  <a:pt x="44485" y="309261"/>
                   <a:pt x="0" y="0"/>
                 </a:cubicBezTo>
                 <a:close/>
               </a:path>
-              <a:path w="6567983" h="3708159" stroke="0" extrusionOk="0">
+              <a:path w="6275040" h="3542769" stroke="0" extrusionOk="0">
                 <a:moveTo>
                   <a:pt x="0" y="0"/>
                 </a:moveTo>
                 <a:cubicBezTo>
-                  <a:pt x="122343" y="-608"/>
-                  <a:pt x="457366" y="16624"/>
-                  <a:pt x="597089" y="0"/>
-                </a:cubicBezTo>
-                <a:cubicBezTo>
-                  <a:pt x="736812" y="-16624"/>
-                  <a:pt x="902656" y="32291"/>
-                  <a:pt x="1194179" y="0"/>
-                </a:cubicBezTo>
-                <a:cubicBezTo>
-                  <a:pt x="1485702" y="-32291"/>
-                  <a:pt x="1420050" y="25671"/>
-                  <a:pt x="1594229" y="0"/>
-                </a:cubicBezTo>
-                <a:cubicBezTo>
-                  <a:pt x="1768408" y="-25671"/>
-                  <a:pt x="1924155" y="40521"/>
-                  <a:pt x="2125638" y="0"/>
-                </a:cubicBezTo>
-                <a:cubicBezTo>
-                  <a:pt x="2327121" y="-40521"/>
-                  <a:pt x="2416785" y="19434"/>
-                  <a:pt x="2657048" y="0"/>
-                </a:cubicBezTo>
-                <a:cubicBezTo>
-                  <a:pt x="2897311" y="-19434"/>
-                  <a:pt x="3082306" y="61397"/>
-                  <a:pt x="3385497" y="0"/>
-                </a:cubicBezTo>
-                <a:cubicBezTo>
-                  <a:pt x="3688688" y="-61397"/>
-                  <a:pt x="3706001" y="11711"/>
-                  <a:pt x="3982586" y="0"/>
-                </a:cubicBezTo>
-                <a:cubicBezTo>
-                  <a:pt x="4259171" y="-11711"/>
-                  <a:pt x="4279636" y="2475"/>
-                  <a:pt x="4448316" y="0"/>
-                </a:cubicBezTo>
-                <a:cubicBezTo>
-                  <a:pt x="4616996" y="-2475"/>
-                  <a:pt x="4914113" y="19789"/>
-                  <a:pt x="5111085" y="0"/>
-                </a:cubicBezTo>
-                <a:cubicBezTo>
-                  <a:pt x="5308057" y="-19789"/>
-                  <a:pt x="5477440" y="21240"/>
-                  <a:pt x="5708174" y="0"/>
-                </a:cubicBezTo>
-                <a:cubicBezTo>
-                  <a:pt x="5938908" y="-21240"/>
-                  <a:pt x="6165719" y="63269"/>
-                  <a:pt x="6567983" y="0"/>
-                </a:cubicBezTo>
-                <a:cubicBezTo>
-                  <a:pt x="6613691" y="219988"/>
-                  <a:pt x="6529672" y="257676"/>
-                  <a:pt x="6567983" y="492655"/>
-                </a:cubicBezTo>
-                <a:cubicBezTo>
-                  <a:pt x="6606294" y="727634"/>
-                  <a:pt x="6560804" y="825267"/>
-                  <a:pt x="6567983" y="985311"/>
-                </a:cubicBezTo>
-                <a:cubicBezTo>
-                  <a:pt x="6575162" y="1145355"/>
-                  <a:pt x="6529524" y="1401555"/>
-                  <a:pt x="6567983" y="1515048"/>
-                </a:cubicBezTo>
-                <a:cubicBezTo>
-                  <a:pt x="6606442" y="1628541"/>
-                  <a:pt x="6542112" y="1886784"/>
-                  <a:pt x="6567983" y="2007703"/>
-                </a:cubicBezTo>
-                <a:cubicBezTo>
-                  <a:pt x="6593854" y="2128622"/>
-                  <a:pt x="6566322" y="2376451"/>
-                  <a:pt x="6567983" y="2611603"/>
-                </a:cubicBezTo>
-                <a:cubicBezTo>
-                  <a:pt x="6569644" y="2846755"/>
-                  <a:pt x="6547000" y="2920170"/>
-                  <a:pt x="6567983" y="3067177"/>
-                </a:cubicBezTo>
-                <a:cubicBezTo>
-                  <a:pt x="6588966" y="3214184"/>
-                  <a:pt x="6537540" y="3412998"/>
-                  <a:pt x="6567983" y="3708159"/>
-                </a:cubicBezTo>
-                <a:cubicBezTo>
-                  <a:pt x="6300088" y="3712334"/>
-                  <a:pt x="6196773" y="3649417"/>
-                  <a:pt x="5970894" y="3708159"/>
-                </a:cubicBezTo>
-                <a:cubicBezTo>
-                  <a:pt x="5745015" y="3766901"/>
-                  <a:pt x="5666787" y="3704371"/>
-                  <a:pt x="5570844" y="3708159"/>
-                </a:cubicBezTo>
-                <a:cubicBezTo>
-                  <a:pt x="5474901" y="3711947"/>
-                  <a:pt x="5149282" y="3682314"/>
-                  <a:pt x="5039434" y="3708159"/>
-                </a:cubicBezTo>
-                <a:cubicBezTo>
-                  <a:pt x="4929586" y="3734004"/>
-                  <a:pt x="4666961" y="3650575"/>
-                  <a:pt x="4376665" y="3708159"/>
-                </a:cubicBezTo>
-                <a:cubicBezTo>
-                  <a:pt x="4086369" y="3765743"/>
-                  <a:pt x="4053841" y="3692153"/>
-                  <a:pt x="3845256" y="3708159"/>
-                </a:cubicBezTo>
-                <a:cubicBezTo>
-                  <a:pt x="3636671" y="3724165"/>
-                  <a:pt x="3569232" y="3699177"/>
-                  <a:pt x="3445206" y="3708159"/>
-                </a:cubicBezTo>
-                <a:cubicBezTo>
-                  <a:pt x="3321180" y="3717141"/>
-                  <a:pt x="3068624" y="3660148"/>
-                  <a:pt x="2913796" y="3708159"/>
-                </a:cubicBezTo>
-                <a:cubicBezTo>
-                  <a:pt x="2758968" y="3756170"/>
-                  <a:pt x="2675309" y="3675520"/>
-                  <a:pt x="2448066" y="3708159"/>
-                </a:cubicBezTo>
-                <a:cubicBezTo>
-                  <a:pt x="2220823" y="3740798"/>
-                  <a:pt x="2213522" y="3692177"/>
-                  <a:pt x="1982337" y="3708159"/>
-                </a:cubicBezTo>
-                <a:cubicBezTo>
-                  <a:pt x="1751152" y="3724141"/>
-                  <a:pt x="1439531" y="3647402"/>
-                  <a:pt x="1253888" y="3708159"/>
-                </a:cubicBezTo>
-                <a:cubicBezTo>
-                  <a:pt x="1068245" y="3768916"/>
-                  <a:pt x="877772" y="3687056"/>
-                  <a:pt x="525439" y="3708159"/>
-                </a:cubicBezTo>
-                <a:cubicBezTo>
-                  <a:pt x="173106" y="3729262"/>
-                  <a:pt x="122335" y="3701382"/>
-                  <a:pt x="0" y="3708159"/>
-                </a:cubicBezTo>
-                <a:cubicBezTo>
-                  <a:pt x="-54364" y="3597766"/>
-                  <a:pt x="26931" y="3452036"/>
-                  <a:pt x="0" y="3215504"/>
-                </a:cubicBezTo>
-                <a:cubicBezTo>
-                  <a:pt x="-26931" y="2978973"/>
-                  <a:pt x="38645" y="2781739"/>
-                  <a:pt x="0" y="2648685"/>
-                </a:cubicBezTo>
-                <a:cubicBezTo>
-                  <a:pt x="-38645" y="2515631"/>
-                  <a:pt x="6127" y="2336509"/>
-                  <a:pt x="0" y="2081866"/>
-                </a:cubicBezTo>
-                <a:cubicBezTo>
-                  <a:pt x="-6127" y="1827223"/>
-                  <a:pt x="11463" y="1720283"/>
-                  <a:pt x="0" y="1626293"/>
-                </a:cubicBezTo>
-                <a:cubicBezTo>
-                  <a:pt x="-11463" y="1532303"/>
-                  <a:pt x="42938" y="1295888"/>
-                  <a:pt x="0" y="1096556"/>
-                </a:cubicBezTo>
-                <a:cubicBezTo>
-                  <a:pt x="-42938" y="897224"/>
-                  <a:pt x="35111" y="712950"/>
-                  <a:pt x="0" y="529737"/>
-                </a:cubicBezTo>
-                <a:cubicBezTo>
-                  <a:pt x="-35111" y="346524"/>
-                  <a:pt x="52046" y="209313"/>
+                  <a:pt x="129555" y="-3053"/>
+                  <a:pt x="306481" y="10528"/>
+                  <a:pt x="570458" y="0"/>
+                </a:cubicBezTo>
+                <a:cubicBezTo>
+                  <a:pt x="834435" y="-10528"/>
+                  <a:pt x="933527" y="25636"/>
+                  <a:pt x="1140916" y="0"/>
+                </a:cubicBezTo>
+                <a:cubicBezTo>
+                  <a:pt x="1348305" y="-25636"/>
+                  <a:pt x="1392715" y="29858"/>
+                  <a:pt x="1523123" y="0"/>
+                </a:cubicBezTo>
+                <a:cubicBezTo>
+                  <a:pt x="1653531" y="-29858"/>
+                  <a:pt x="1924804" y="31347"/>
+                  <a:pt x="2030831" y="0"/>
+                </a:cubicBezTo>
+                <a:cubicBezTo>
+                  <a:pt x="2136858" y="-31347"/>
+                  <a:pt x="2409163" y="17975"/>
+                  <a:pt x="2538539" y="0"/>
+                </a:cubicBezTo>
+                <a:cubicBezTo>
+                  <a:pt x="2667915" y="-17975"/>
+                  <a:pt x="2887254" y="74631"/>
+                  <a:pt x="3234498" y="0"/>
+                </a:cubicBezTo>
+                <a:cubicBezTo>
+                  <a:pt x="3581742" y="-74631"/>
+                  <a:pt x="3689578" y="27700"/>
+                  <a:pt x="3804956" y="0"/>
+                </a:cubicBezTo>
+                <a:cubicBezTo>
+                  <a:pt x="3920334" y="-27700"/>
+                  <a:pt x="4078259" y="11937"/>
+                  <a:pt x="4249913" y="0"/>
+                </a:cubicBezTo>
+                <a:cubicBezTo>
+                  <a:pt x="4421567" y="-11937"/>
+                  <a:pt x="4664481" y="69299"/>
+                  <a:pt x="4883122" y="0"/>
+                </a:cubicBezTo>
+                <a:cubicBezTo>
+                  <a:pt x="5101763" y="-69299"/>
+                  <a:pt x="5338379" y="19033"/>
+                  <a:pt x="5453580" y="0"/>
+                </a:cubicBezTo>
+                <a:cubicBezTo>
+                  <a:pt x="5568781" y="-19033"/>
+                  <a:pt x="5980745" y="22241"/>
+                  <a:pt x="6275040" y="0"/>
+                </a:cubicBezTo>
+                <a:cubicBezTo>
+                  <a:pt x="6328959" y="234909"/>
+                  <a:pt x="6237061" y="398469"/>
+                  <a:pt x="6275040" y="555034"/>
+                </a:cubicBezTo>
+                <a:cubicBezTo>
+                  <a:pt x="6313019" y="711599"/>
+                  <a:pt x="6258075" y="981567"/>
+                  <a:pt x="6275040" y="1110068"/>
+                </a:cubicBezTo>
+                <a:cubicBezTo>
+                  <a:pt x="6292005" y="1238569"/>
+                  <a:pt x="6266687" y="1564625"/>
+                  <a:pt x="6275040" y="1700529"/>
+                </a:cubicBezTo>
+                <a:cubicBezTo>
+                  <a:pt x="6283393" y="1836433"/>
+                  <a:pt x="6232782" y="2073100"/>
+                  <a:pt x="6275040" y="2255563"/>
+                </a:cubicBezTo>
+                <a:cubicBezTo>
+                  <a:pt x="6317298" y="2438026"/>
+                  <a:pt x="6254596" y="2712747"/>
+                  <a:pt x="6275040" y="2916880"/>
+                </a:cubicBezTo>
+                <a:cubicBezTo>
+                  <a:pt x="6295484" y="3121013"/>
+                  <a:pt x="6217573" y="3277804"/>
+                  <a:pt x="6275040" y="3542769"/>
+                </a:cubicBezTo>
+                <a:cubicBezTo>
+                  <a:pt x="6004532" y="3614146"/>
+                  <a:pt x="5869385" y="3518015"/>
+                  <a:pt x="5641831" y="3542769"/>
+                </a:cubicBezTo>
+                <a:cubicBezTo>
+                  <a:pt x="5414277" y="3567523"/>
+                  <a:pt x="5343747" y="3504930"/>
+                  <a:pt x="5134124" y="3542769"/>
+                </a:cubicBezTo>
+                <a:cubicBezTo>
+                  <a:pt x="4924501" y="3580608"/>
+                  <a:pt x="4908527" y="3534338"/>
+                  <a:pt x="4751917" y="3542769"/>
+                </a:cubicBezTo>
+                <a:cubicBezTo>
+                  <a:pt x="4595307" y="3551200"/>
+                  <a:pt x="4466393" y="3526282"/>
+                  <a:pt x="4244209" y="3542769"/>
+                </a:cubicBezTo>
+                <a:cubicBezTo>
+                  <a:pt x="4022025" y="3559256"/>
+                  <a:pt x="3886988" y="3511687"/>
+                  <a:pt x="3611000" y="3542769"/>
+                </a:cubicBezTo>
+                <a:cubicBezTo>
+                  <a:pt x="3335012" y="3573851"/>
+                  <a:pt x="3328743" y="3509970"/>
+                  <a:pt x="3103293" y="3542769"/>
+                </a:cubicBezTo>
+                <a:cubicBezTo>
+                  <a:pt x="2877843" y="3575568"/>
+                  <a:pt x="2893430" y="3514267"/>
+                  <a:pt x="2721086" y="3542769"/>
+                </a:cubicBezTo>
+                <a:cubicBezTo>
+                  <a:pt x="2548742" y="3571271"/>
+                  <a:pt x="2325764" y="3541431"/>
+                  <a:pt x="2213378" y="3542769"/>
+                </a:cubicBezTo>
+                <a:cubicBezTo>
+                  <a:pt x="2100992" y="3544107"/>
+                  <a:pt x="1886786" y="3541188"/>
+                  <a:pt x="1768420" y="3542769"/>
+                </a:cubicBezTo>
+                <a:cubicBezTo>
+                  <a:pt x="1650054" y="3544350"/>
+                  <a:pt x="1440393" y="3504519"/>
+                  <a:pt x="1323463" y="3542769"/>
+                </a:cubicBezTo>
+                <a:cubicBezTo>
+                  <a:pt x="1206533" y="3581019"/>
+                  <a:pt x="778908" y="3500232"/>
+                  <a:pt x="627504" y="3542769"/>
+                </a:cubicBezTo>
+                <a:cubicBezTo>
+                  <a:pt x="476100" y="3585306"/>
+                  <a:pt x="254668" y="3492096"/>
+                  <a:pt x="0" y="3542769"/>
+                </a:cubicBezTo>
+                <a:cubicBezTo>
+                  <a:pt x="-27997" y="3277228"/>
+                  <a:pt x="9575" y="3217204"/>
+                  <a:pt x="0" y="2987735"/>
+                </a:cubicBezTo>
+                <a:cubicBezTo>
+                  <a:pt x="-9575" y="2758266"/>
+                  <a:pt x="7540" y="2690372"/>
+                  <a:pt x="0" y="2397274"/>
+                </a:cubicBezTo>
+                <a:cubicBezTo>
+                  <a:pt x="-7540" y="2104176"/>
+                  <a:pt x="41117" y="1933018"/>
+                  <a:pt x="0" y="1771385"/>
+                </a:cubicBezTo>
+                <a:cubicBezTo>
+                  <a:pt x="-41117" y="1609752"/>
+                  <a:pt x="71242" y="1271798"/>
+                  <a:pt x="0" y="1145495"/>
+                </a:cubicBezTo>
+                <a:cubicBezTo>
+                  <a:pt x="-71242" y="1019192"/>
+                  <a:pt x="19285" y="832228"/>
+                  <a:pt x="0" y="625889"/>
+                </a:cubicBezTo>
+                <a:cubicBezTo>
+                  <a:pt x="-19285" y="419550"/>
+                  <a:pt x="53318" y="284944"/>
                   <a:pt x="0" y="0"/>
                 </a:cubicBezTo>
                 <a:close/>
